--- a/美麗聖誕明星.pptx
+++ b/美麗聖誕明星.pptx
@@ -2,7 +2,7 @@
 <file path=ppt/presentation.xml><?xml version="1.0" encoding="utf-8"?>
 <p:presentation xmlns:a="http://schemas.openxmlformats.org/drawingml/2006/main" xmlns:r="http://schemas.openxmlformats.org/officeDocument/2006/relationships" xmlns:p="http://schemas.openxmlformats.org/presentationml/2006/main" saveSubsetFonts="1">
   <p:sldMasterIdLst>
-    <p:sldMasterId id="2147483660" r:id="rId1"/>
+    <p:sldMasterId id="2147483672" r:id="rId1"/>
   </p:sldMasterIdLst>
   <p:sldIdLst>
     <p:sldId id="256" r:id="rId2"/>
@@ -12,7 +12,7 @@
     <p:sldId id="260" r:id="rId6"/>
     <p:sldId id="261" r:id="rId7"/>
   </p:sldIdLst>
-  <p:sldSz cx="9144000" cy="6858000" type="screen4x3"/>
+  <p:sldSz cx="9144000" cy="5143500" type="screen16x9"/>
   <p:notesSz cx="6858000" cy="9144000"/>
   <p:defaultTextStyle>
     <a:defPPr>
@@ -131,7 +131,7 @@
       </p:grpSpPr>
       <p:sp>
         <p:nvSpPr>
-          <p:cNvPr id="8" name="標題 7"/>
+          <p:cNvPr id="2" name="標題 1"/>
           <p:cNvSpPr>
             <a:spLocks noGrp="1"/>
           </p:cNvSpPr>
@@ -141,74 +141,144 @@
         </p:nvSpPr>
         <p:spPr>
           <a:xfrm>
-            <a:off x="422030" y="1371600"/>
-            <a:ext cx="8229600" cy="1828800"/>
+            <a:off x="685800" y="1597819"/>
+            <a:ext cx="7772400" cy="1102519"/>
           </a:xfrm>
         </p:spPr>
         <p:txBody>
-          <a:bodyPr vert="horz" lIns="45720" tIns="0" rIns="45720" bIns="0" anchor="b">
-            <a:normAutofit/>
-            <a:scene3d>
-              <a:camera prst="orthographicFront"/>
-              <a:lightRig rig="soft" dir="t">
-                <a:rot lat="0" lon="0" rev="17220000"/>
-              </a:lightRig>
-            </a:scene3d>
-            <a:sp3d prstMaterial="softEdge">
-              <a:bevelT w="38100" h="38100"/>
-            </a:sp3d>
-          </a:bodyPr>
+          <a:bodyPr/>
+          <a:lstStyle/>
+          <a:p>
+            <a:r>
+              <a:rPr lang="en-US" altLang="zh-TW" smtClean="0"/>
+              <a:t>Click to edit Master title style</a:t>
+            </a:r>
+            <a:endParaRPr lang="zh-TW" altLang="en-US"/>
+          </a:p>
+        </p:txBody>
+      </p:sp>
+      <p:sp>
+        <p:nvSpPr>
+          <p:cNvPr id="3" name="副標題 2"/>
+          <p:cNvSpPr>
+            <a:spLocks noGrp="1"/>
+          </p:cNvSpPr>
+          <p:nvPr>
+            <p:ph type="subTitle" idx="1"/>
+          </p:nvPr>
+        </p:nvSpPr>
+        <p:spPr>
+          <a:xfrm>
+            <a:off x="1371600" y="2914650"/>
+            <a:ext cx="6400800" cy="1314450"/>
+          </a:xfrm>
+        </p:spPr>
+        <p:txBody>
+          <a:bodyPr/>
           <a:lstStyle>
-            <a:lvl1pPr>
-              <a:defRPr sz="4800" b="1" cap="all" baseline="0">
-                <a:ln w="6350">
-                  <a:noFill/>
-                </a:ln>
-                <a:gradFill>
-                  <a:gsLst>
-                    <a:gs pos="0">
-                      <a:schemeClr val="accent1">
-                        <a:tint val="73000"/>
-                        <a:satMod val="145000"/>
-                      </a:schemeClr>
-                    </a:gs>
-                    <a:gs pos="73000">
-                      <a:schemeClr val="accent1">
-                        <a:tint val="73000"/>
-                        <a:satMod val="145000"/>
-                      </a:schemeClr>
-                    </a:gs>
-                    <a:gs pos="100000">
-                      <a:schemeClr val="accent1">
-                        <a:tint val="83000"/>
-                        <a:satMod val="143000"/>
-                      </a:schemeClr>
-                    </a:gs>
-                  </a:gsLst>
-                  <a:lin ang="4800000" scaled="1"/>
-                </a:gradFill>
-                <a:effectLst>
-                  <a:outerShdw blurRad="127000" dist="200000" dir="2700000" algn="tl" rotWithShape="0">
-                    <a:srgbClr val="000000">
-                      <a:alpha val="30000"/>
-                    </a:srgbClr>
-                  </a:outerShdw>
-                </a:effectLst>
+            <a:lvl1pPr marL="0" indent="0" algn="ctr">
+              <a:buNone/>
+              <a:defRPr>
+                <a:solidFill>
+                  <a:schemeClr val="tx1">
+                    <a:tint val="75000"/>
+                  </a:schemeClr>
+                </a:solidFill>
               </a:defRPr>
             </a:lvl1pPr>
+            <a:lvl2pPr marL="457200" indent="0" algn="ctr">
+              <a:buNone/>
+              <a:defRPr>
+                <a:solidFill>
+                  <a:schemeClr val="tx1">
+                    <a:tint val="75000"/>
+                  </a:schemeClr>
+                </a:solidFill>
+              </a:defRPr>
+            </a:lvl2pPr>
+            <a:lvl3pPr marL="914400" indent="0" algn="ctr">
+              <a:buNone/>
+              <a:defRPr>
+                <a:solidFill>
+                  <a:schemeClr val="tx1">
+                    <a:tint val="75000"/>
+                  </a:schemeClr>
+                </a:solidFill>
+              </a:defRPr>
+            </a:lvl3pPr>
+            <a:lvl4pPr marL="1371600" indent="0" algn="ctr">
+              <a:buNone/>
+              <a:defRPr>
+                <a:solidFill>
+                  <a:schemeClr val="tx1">
+                    <a:tint val="75000"/>
+                  </a:schemeClr>
+                </a:solidFill>
+              </a:defRPr>
+            </a:lvl4pPr>
+            <a:lvl5pPr marL="1828800" indent="0" algn="ctr">
+              <a:buNone/>
+              <a:defRPr>
+                <a:solidFill>
+                  <a:schemeClr val="tx1">
+                    <a:tint val="75000"/>
+                  </a:schemeClr>
+                </a:solidFill>
+              </a:defRPr>
+            </a:lvl5pPr>
+            <a:lvl6pPr marL="2286000" indent="0" algn="ctr">
+              <a:buNone/>
+              <a:defRPr>
+                <a:solidFill>
+                  <a:schemeClr val="tx1">
+                    <a:tint val="75000"/>
+                  </a:schemeClr>
+                </a:solidFill>
+              </a:defRPr>
+            </a:lvl6pPr>
+            <a:lvl7pPr marL="2743200" indent="0" algn="ctr">
+              <a:buNone/>
+              <a:defRPr>
+                <a:solidFill>
+                  <a:schemeClr val="tx1">
+                    <a:tint val="75000"/>
+                  </a:schemeClr>
+                </a:solidFill>
+              </a:defRPr>
+            </a:lvl7pPr>
+            <a:lvl8pPr marL="3200400" indent="0" algn="ctr">
+              <a:buNone/>
+              <a:defRPr>
+                <a:solidFill>
+                  <a:schemeClr val="tx1">
+                    <a:tint val="75000"/>
+                  </a:schemeClr>
+                </a:solidFill>
+              </a:defRPr>
+            </a:lvl8pPr>
+            <a:lvl9pPr marL="3657600" indent="0" algn="ctr">
+              <a:buNone/>
+              <a:defRPr>
+                <a:solidFill>
+                  <a:schemeClr val="tx1">
+                    <a:tint val="75000"/>
+                  </a:schemeClr>
+                </a:solidFill>
+              </a:defRPr>
+            </a:lvl9pPr>
           </a:lstStyle>
           <a:p>
             <a:r>
-              <a:rPr kumimoji="0" lang="zh-TW" altLang="en-US" smtClean="0"/>
-              <a:t>按一下以編輯母片標題樣式</a:t>
-            </a:r>
-            <a:endParaRPr kumimoji="0" lang="en-US"/>
-          </a:p>
-        </p:txBody>
-      </p:sp>
-      <p:sp>
-        <p:nvSpPr>
-          <p:cNvPr id="28" name="日期版面配置區 27"/>
+              <a:rPr lang="en-US" altLang="zh-TW" smtClean="0"/>
+              <a:t>Click to edit Master subtitle style</a:t>
+            </a:r>
+            <a:endParaRPr lang="zh-TW" altLang="en-US"/>
+          </a:p>
+        </p:txBody>
+      </p:sp>
+      <p:sp>
+        <p:nvSpPr>
+          <p:cNvPr id="4" name="日期版面配置區 3"/>
           <p:cNvSpPr>
             <a:spLocks noGrp="1"/>
           </p:cNvSpPr>
@@ -223,7 +293,7 @@
           <a:p>
             <a:fld id="{4F8614AA-04F7-4909-9E96-E6B7B3B3B86B}" type="datetimeFigureOut">
               <a:rPr lang="zh-TW" altLang="en-US" smtClean="0"/>
-              <a:t>2016/12/3</a:t>
+              <a:t>2019/9/7</a:t>
             </a:fld>
             <a:endParaRPr lang="zh-TW" altLang="en-US"/>
           </a:p>
@@ -231,7 +301,7 @@
       </p:sp>
       <p:sp>
         <p:nvSpPr>
-          <p:cNvPr id="17" name="頁尾版面配置區 16"/>
+          <p:cNvPr id="5" name="頁尾版面配置區 4"/>
           <p:cNvSpPr>
             <a:spLocks noGrp="1"/>
           </p:cNvSpPr>
@@ -250,7 +320,7 @@
       </p:sp>
       <p:sp>
         <p:nvSpPr>
-          <p:cNvPr id="29" name="投影片編號版面配置區 28"/>
+          <p:cNvPr id="6" name="投影片編號版面配置區 5"/>
           <p:cNvSpPr>
             <a:spLocks noGrp="1"/>
           </p:cNvSpPr>
@@ -268,67 +338,6 @@
               <a:t>‹#›</a:t>
             </a:fld>
             <a:endParaRPr lang="zh-TW" altLang="en-US"/>
-          </a:p>
-        </p:txBody>
-      </p:sp>
-      <p:sp>
-        <p:nvSpPr>
-          <p:cNvPr id="9" name="副標題 8"/>
-          <p:cNvSpPr>
-            <a:spLocks noGrp="1"/>
-          </p:cNvSpPr>
-          <p:nvPr>
-            <p:ph type="subTitle" idx="1"/>
-          </p:nvPr>
-        </p:nvSpPr>
-        <p:spPr>
-          <a:xfrm>
-            <a:off x="1371600" y="3331698"/>
-            <a:ext cx="6400800" cy="1752600"/>
-          </a:xfrm>
-        </p:spPr>
-        <p:txBody>
-          <a:bodyPr/>
-          <a:lstStyle>
-            <a:lvl1pPr marL="0" indent="0" algn="ctr">
-              <a:buNone/>
-              <a:defRPr>
-                <a:solidFill>
-                  <a:schemeClr val="tx1"/>
-                </a:solidFill>
-              </a:defRPr>
-            </a:lvl1pPr>
-            <a:lvl2pPr marL="457200" indent="0" algn="ctr">
-              <a:buNone/>
-            </a:lvl2pPr>
-            <a:lvl3pPr marL="914400" indent="0" algn="ctr">
-              <a:buNone/>
-            </a:lvl3pPr>
-            <a:lvl4pPr marL="1371600" indent="0" algn="ctr">
-              <a:buNone/>
-            </a:lvl4pPr>
-            <a:lvl5pPr marL="1828800" indent="0" algn="ctr">
-              <a:buNone/>
-            </a:lvl5pPr>
-            <a:lvl6pPr marL="2286000" indent="0" algn="ctr">
-              <a:buNone/>
-            </a:lvl6pPr>
-            <a:lvl7pPr marL="2743200" indent="0" algn="ctr">
-              <a:buNone/>
-            </a:lvl7pPr>
-            <a:lvl8pPr marL="3200400" indent="0" algn="ctr">
-              <a:buNone/>
-            </a:lvl8pPr>
-            <a:lvl9pPr marL="3657600" indent="0" algn="ctr">
-              <a:buNone/>
-            </a:lvl9pPr>
-          </a:lstStyle>
-          <a:p>
-            <a:r>
-              <a:rPr kumimoji="0" lang="zh-TW" altLang="en-US" smtClean="0"/>
-              <a:t>按一下以編輯母片副標題樣式</a:t>
-            </a:r>
-            <a:endParaRPr kumimoji="0" lang="en-US"/>
           </a:p>
         </p:txBody>
       </p:sp>
@@ -373,10 +382,10 @@
           <a:lstStyle/>
           <a:p>
             <a:r>
-              <a:rPr kumimoji="0" lang="zh-TW" altLang="en-US" smtClean="0"/>
-              <a:t>按一下以編輯母片標題樣式</a:t>
-            </a:r>
-            <a:endParaRPr kumimoji="0" lang="en-US"/>
+              <a:rPr lang="en-US" altLang="zh-TW" smtClean="0"/>
+              <a:t>Click to edit Master title style</a:t>
+            </a:r>
+            <a:endParaRPr lang="zh-TW" altLang="en-US"/>
           </a:p>
         </p:txBody>
       </p:sp>
@@ -395,40 +404,40 @@
           <a:bodyPr vert="eaVert"/>
           <a:lstStyle/>
           <a:p>
-            <a:pPr lvl="0" eaLnBrk="1" latinLnBrk="0" hangingPunct="1"/>
-            <a:r>
-              <a:rPr lang="zh-TW" altLang="en-US" smtClean="0"/>
-              <a:t>按一下以編輯母片文字樣式</a:t>
-            </a:r>
-          </a:p>
-          <a:p>
-            <a:pPr lvl="1" eaLnBrk="1" latinLnBrk="0" hangingPunct="1"/>
-            <a:r>
-              <a:rPr lang="zh-TW" altLang="en-US" smtClean="0"/>
-              <a:t>第二層</a:t>
-            </a:r>
-          </a:p>
-          <a:p>
-            <a:pPr lvl="2" eaLnBrk="1" latinLnBrk="0" hangingPunct="1"/>
-            <a:r>
-              <a:rPr lang="zh-TW" altLang="en-US" smtClean="0"/>
-              <a:t>第三層</a:t>
-            </a:r>
-          </a:p>
-          <a:p>
-            <a:pPr lvl="3" eaLnBrk="1" latinLnBrk="0" hangingPunct="1"/>
-            <a:r>
-              <a:rPr lang="zh-TW" altLang="en-US" smtClean="0"/>
-              <a:t>第四層</a:t>
-            </a:r>
-          </a:p>
-          <a:p>
-            <a:pPr lvl="4" eaLnBrk="1" latinLnBrk="0" hangingPunct="1"/>
-            <a:r>
-              <a:rPr lang="zh-TW" altLang="en-US" smtClean="0"/>
-              <a:t>第五層</a:t>
-            </a:r>
-            <a:endParaRPr kumimoji="0" lang="en-US"/>
+            <a:pPr lvl="0"/>
+            <a:r>
+              <a:rPr lang="en-US" altLang="zh-TW" smtClean="0"/>
+              <a:t>Click to edit Master text styles</a:t>
+            </a:r>
+          </a:p>
+          <a:p>
+            <a:pPr lvl="1"/>
+            <a:r>
+              <a:rPr lang="en-US" altLang="zh-TW" smtClean="0"/>
+              <a:t>Second level</a:t>
+            </a:r>
+          </a:p>
+          <a:p>
+            <a:pPr lvl="2"/>
+            <a:r>
+              <a:rPr lang="en-US" altLang="zh-TW" smtClean="0"/>
+              <a:t>Third level</a:t>
+            </a:r>
+          </a:p>
+          <a:p>
+            <a:pPr lvl="3"/>
+            <a:r>
+              <a:rPr lang="en-US" altLang="zh-TW" smtClean="0"/>
+              <a:t>Fourth level</a:t>
+            </a:r>
+          </a:p>
+          <a:p>
+            <a:pPr lvl="4"/>
+            <a:r>
+              <a:rPr lang="en-US" altLang="zh-TW" smtClean="0"/>
+              <a:t>Fifth level</a:t>
+            </a:r>
+            <a:endParaRPr lang="zh-TW" altLang="en-US"/>
           </a:p>
         </p:txBody>
       </p:sp>
@@ -449,7 +458,7 @@
           <a:p>
             <a:fld id="{4F8614AA-04F7-4909-9E96-E6B7B3B3B86B}" type="datetimeFigureOut">
               <a:rPr lang="zh-TW" altLang="en-US" smtClean="0"/>
-              <a:t>2016/12/3</a:t>
+              <a:t>2019/9/7</a:t>
             </a:fld>
             <a:endParaRPr lang="zh-TW" altLang="en-US"/>
           </a:p>
@@ -534,8 +543,8 @@
         </p:nvSpPr>
         <p:spPr>
           <a:xfrm>
-            <a:off x="6629400" y="274638"/>
-            <a:ext cx="2057400" cy="5851525"/>
+            <a:off x="6629400" y="205979"/>
+            <a:ext cx="2057400" cy="4388644"/>
           </a:xfrm>
         </p:spPr>
         <p:txBody>
@@ -543,10 +552,10 @@
           <a:lstStyle/>
           <a:p>
             <a:r>
-              <a:rPr kumimoji="0" lang="zh-TW" altLang="en-US" smtClean="0"/>
-              <a:t>按一下以編輯母片標題樣式</a:t>
-            </a:r>
-            <a:endParaRPr kumimoji="0" lang="en-US"/>
+              <a:rPr lang="en-US" altLang="zh-TW" smtClean="0"/>
+              <a:t>Click to edit Master title style</a:t>
+            </a:r>
+            <a:endParaRPr lang="zh-TW" altLang="en-US"/>
           </a:p>
         </p:txBody>
       </p:sp>
@@ -562,48 +571,48 @@
         </p:nvSpPr>
         <p:spPr>
           <a:xfrm>
-            <a:off x="457200" y="274638"/>
-            <a:ext cx="6019800" cy="5851525"/>
+            <a:off x="457200" y="205979"/>
+            <a:ext cx="6019800" cy="4388644"/>
           </a:xfrm>
         </p:spPr>
         <p:txBody>
           <a:bodyPr vert="eaVert"/>
           <a:lstStyle/>
           <a:p>
-            <a:pPr lvl="0" eaLnBrk="1" latinLnBrk="0" hangingPunct="1"/>
-            <a:r>
-              <a:rPr lang="zh-TW" altLang="en-US" smtClean="0"/>
-              <a:t>按一下以編輯母片文字樣式</a:t>
-            </a:r>
-          </a:p>
-          <a:p>
-            <a:pPr lvl="1" eaLnBrk="1" latinLnBrk="0" hangingPunct="1"/>
-            <a:r>
-              <a:rPr lang="zh-TW" altLang="en-US" smtClean="0"/>
-              <a:t>第二層</a:t>
-            </a:r>
-          </a:p>
-          <a:p>
-            <a:pPr lvl="2" eaLnBrk="1" latinLnBrk="0" hangingPunct="1"/>
-            <a:r>
-              <a:rPr lang="zh-TW" altLang="en-US" smtClean="0"/>
-              <a:t>第三層</a:t>
-            </a:r>
-          </a:p>
-          <a:p>
-            <a:pPr lvl="3" eaLnBrk="1" latinLnBrk="0" hangingPunct="1"/>
-            <a:r>
-              <a:rPr lang="zh-TW" altLang="en-US" smtClean="0"/>
-              <a:t>第四層</a:t>
-            </a:r>
-          </a:p>
-          <a:p>
-            <a:pPr lvl="4" eaLnBrk="1" latinLnBrk="0" hangingPunct="1"/>
-            <a:r>
-              <a:rPr lang="zh-TW" altLang="en-US" smtClean="0"/>
-              <a:t>第五層</a:t>
-            </a:r>
-            <a:endParaRPr kumimoji="0" lang="en-US"/>
+            <a:pPr lvl="0"/>
+            <a:r>
+              <a:rPr lang="en-US" altLang="zh-TW" smtClean="0"/>
+              <a:t>Click to edit Master text styles</a:t>
+            </a:r>
+          </a:p>
+          <a:p>
+            <a:pPr lvl="1"/>
+            <a:r>
+              <a:rPr lang="en-US" altLang="zh-TW" smtClean="0"/>
+              <a:t>Second level</a:t>
+            </a:r>
+          </a:p>
+          <a:p>
+            <a:pPr lvl="2"/>
+            <a:r>
+              <a:rPr lang="en-US" altLang="zh-TW" smtClean="0"/>
+              <a:t>Third level</a:t>
+            </a:r>
+          </a:p>
+          <a:p>
+            <a:pPr lvl="3"/>
+            <a:r>
+              <a:rPr lang="en-US" altLang="zh-TW" smtClean="0"/>
+              <a:t>Fourth level</a:t>
+            </a:r>
+          </a:p>
+          <a:p>
+            <a:pPr lvl="4"/>
+            <a:r>
+              <a:rPr lang="en-US" altLang="zh-TW" smtClean="0"/>
+              <a:t>Fifth level</a:t>
+            </a:r>
+            <a:endParaRPr lang="zh-TW" altLang="en-US"/>
           </a:p>
         </p:txBody>
       </p:sp>
@@ -624,7 +633,7 @@
           <a:p>
             <a:fld id="{4F8614AA-04F7-4909-9E96-E6B7B3B3B86B}" type="datetimeFigureOut">
               <a:rPr lang="zh-TW" altLang="en-US" smtClean="0"/>
-              <a:t>2016/12/3</a:t>
+              <a:t>2019/9/7</a:t>
             </a:fld>
             <a:endParaRPr lang="zh-TW" altLang="en-US"/>
           </a:p>
@@ -713,10 +722,10 @@
           <a:lstStyle/>
           <a:p>
             <a:r>
-              <a:rPr kumimoji="0" lang="zh-TW" altLang="en-US" smtClean="0"/>
-              <a:t>按一下以編輯母片標題樣式</a:t>
-            </a:r>
-            <a:endParaRPr kumimoji="0" lang="en-US"/>
+              <a:rPr lang="en-US" altLang="zh-TW" smtClean="0"/>
+              <a:t>Click to edit Master title style</a:t>
+            </a:r>
+            <a:endParaRPr lang="zh-TW" altLang="en-US"/>
           </a:p>
         </p:txBody>
       </p:sp>
@@ -735,40 +744,40 @@
           <a:bodyPr/>
           <a:lstStyle/>
           <a:p>
-            <a:pPr lvl="0" eaLnBrk="1" latinLnBrk="0" hangingPunct="1"/>
-            <a:r>
-              <a:rPr lang="zh-TW" altLang="en-US" smtClean="0"/>
-              <a:t>按一下以編輯母片文字樣式</a:t>
-            </a:r>
-          </a:p>
-          <a:p>
-            <a:pPr lvl="1" eaLnBrk="1" latinLnBrk="0" hangingPunct="1"/>
-            <a:r>
-              <a:rPr lang="zh-TW" altLang="en-US" smtClean="0"/>
-              <a:t>第二層</a:t>
-            </a:r>
-          </a:p>
-          <a:p>
-            <a:pPr lvl="2" eaLnBrk="1" latinLnBrk="0" hangingPunct="1"/>
-            <a:r>
-              <a:rPr lang="zh-TW" altLang="en-US" smtClean="0"/>
-              <a:t>第三層</a:t>
-            </a:r>
-          </a:p>
-          <a:p>
-            <a:pPr lvl="3" eaLnBrk="1" latinLnBrk="0" hangingPunct="1"/>
-            <a:r>
-              <a:rPr lang="zh-TW" altLang="en-US" smtClean="0"/>
-              <a:t>第四層</a:t>
-            </a:r>
-          </a:p>
-          <a:p>
-            <a:pPr lvl="4" eaLnBrk="1" latinLnBrk="0" hangingPunct="1"/>
-            <a:r>
-              <a:rPr lang="zh-TW" altLang="en-US" smtClean="0"/>
-              <a:t>第五層</a:t>
-            </a:r>
-            <a:endParaRPr kumimoji="0" lang="en-US"/>
+            <a:pPr lvl="0"/>
+            <a:r>
+              <a:rPr lang="en-US" altLang="zh-TW" smtClean="0"/>
+              <a:t>Click to edit Master text styles</a:t>
+            </a:r>
+          </a:p>
+          <a:p>
+            <a:pPr lvl="1"/>
+            <a:r>
+              <a:rPr lang="en-US" altLang="zh-TW" smtClean="0"/>
+              <a:t>Second level</a:t>
+            </a:r>
+          </a:p>
+          <a:p>
+            <a:pPr lvl="2"/>
+            <a:r>
+              <a:rPr lang="en-US" altLang="zh-TW" smtClean="0"/>
+              <a:t>Third level</a:t>
+            </a:r>
+          </a:p>
+          <a:p>
+            <a:pPr lvl="3"/>
+            <a:r>
+              <a:rPr lang="en-US" altLang="zh-TW" smtClean="0"/>
+              <a:t>Fourth level</a:t>
+            </a:r>
+          </a:p>
+          <a:p>
+            <a:pPr lvl="4"/>
+            <a:r>
+              <a:rPr lang="en-US" altLang="zh-TW" smtClean="0"/>
+              <a:t>Fifth level</a:t>
+            </a:r>
+            <a:endParaRPr lang="zh-TW" altLang="en-US"/>
           </a:p>
         </p:txBody>
       </p:sp>
@@ -789,7 +798,7 @@
           <a:p>
             <a:fld id="{4F8614AA-04F7-4909-9E96-E6B7B3B3B86B}" type="datetimeFigureOut">
               <a:rPr lang="zh-TW" altLang="en-US" smtClean="0"/>
-              <a:t>2016/12/3</a:t>
+              <a:t>2019/9/7</a:t>
             </a:fld>
             <a:endParaRPr lang="zh-TW" altLang="en-US"/>
           </a:p>
@@ -848,11 +857,6 @@
 <file path=ppt/slideLayouts/slideLayout3.xml><?xml version="1.0" encoding="utf-8"?>
 <p:sldLayout xmlns:a="http://schemas.openxmlformats.org/drawingml/2006/main" xmlns:r="http://schemas.openxmlformats.org/officeDocument/2006/relationships" xmlns:p="http://schemas.openxmlformats.org/presentationml/2006/main" type="secHead" preserve="1">
   <p:cSld name="區段標題">
-    <p:bg>
-      <p:bgRef idx="1003">
-        <a:schemeClr val="bg2"/>
-      </p:bgRef>
-    </p:bg>
     <p:spTree>
       <p:nvGrpSpPr>
         <p:cNvPr id="1" name=""/>
@@ -879,63 +883,23 @@
         </p:nvSpPr>
         <p:spPr>
           <a:xfrm>
-            <a:off x="1600200" y="609600"/>
-            <a:ext cx="7086600" cy="1828800"/>
+            <a:off x="722313" y="3305176"/>
+            <a:ext cx="7772400" cy="1021556"/>
           </a:xfrm>
         </p:spPr>
         <p:txBody>
-          <a:bodyPr vert="horz" bIns="0" anchor="b">
-            <a:noAutofit/>
-            <a:scene3d>
-              <a:camera prst="orthographicFront"/>
-              <a:lightRig rig="soft" dir="t">
-                <a:rot lat="0" lon="0" rev="17220000"/>
-              </a:lightRig>
-            </a:scene3d>
-            <a:sp3d prstMaterial="softEdge">
-              <a:bevelT w="38100" h="38100"/>
-              <a:contourClr>
-                <a:schemeClr val="tx2">
-                  <a:shade val="50000"/>
-                </a:schemeClr>
-              </a:contourClr>
-            </a:sp3d>
-          </a:bodyPr>
+          <a:bodyPr anchor="t"/>
           <a:lstStyle>
-            <a:lvl1pPr algn="l" rtl="0">
-              <a:spcBef>
-                <a:spcPct val="0"/>
-              </a:spcBef>
-              <a:buNone/>
-              <a:defRPr sz="4800" b="1" cap="none" baseline="0">
-                <a:ln w="6350">
-                  <a:noFill/>
-                </a:ln>
-                <a:solidFill>
-                  <a:schemeClr val="accent1">
-                    <a:tint val="90000"/>
-                    <a:satMod val="120000"/>
-                  </a:schemeClr>
-                </a:solidFill>
-                <a:effectLst>
-                  <a:outerShdw blurRad="114300" dist="101600" dir="2700000" algn="tl" rotWithShape="0">
-                    <a:srgbClr val="000000">
-                      <a:alpha val="40000"/>
-                    </a:srgbClr>
-                  </a:outerShdw>
-                </a:effectLst>
-                <a:latin typeface="+mj-lt"/>
-                <a:ea typeface="+mj-ea"/>
-                <a:cs typeface="+mj-cs"/>
-              </a:defRPr>
+            <a:lvl1pPr algn="l">
+              <a:defRPr sz="4000" b="1" cap="all"/>
             </a:lvl1pPr>
           </a:lstStyle>
           <a:p>
             <a:r>
-              <a:rPr kumimoji="0" lang="zh-TW" altLang="en-US" smtClean="0"/>
-              <a:t>按一下以編輯母片標題樣式</a:t>
-            </a:r>
-            <a:endParaRPr kumimoji="0" lang="en-US"/>
+              <a:rPr lang="en-US" altLang="zh-TW" smtClean="0"/>
+              <a:t>Click to edit Master title style</a:t>
+            </a:r>
+            <a:endParaRPr lang="zh-TW" altLang="en-US"/>
           </a:p>
         </p:txBody>
       </p:sp>
@@ -951,22 +915,24 @@
         </p:nvSpPr>
         <p:spPr>
           <a:xfrm>
-            <a:off x="1600200" y="2507786"/>
-            <a:ext cx="7086600" cy="1509712"/>
+            <a:off x="722313" y="2180035"/>
+            <a:ext cx="7772400" cy="1125140"/>
           </a:xfrm>
         </p:spPr>
         <p:txBody>
-          <a:bodyPr anchor="t"/>
+          <a:bodyPr anchor="b"/>
           <a:lstStyle>
-            <a:lvl1pPr marL="73152" indent="0" algn="l">
+            <a:lvl1pPr marL="0" indent="0">
               <a:buNone/>
               <a:defRPr sz="2000">
                 <a:solidFill>
-                  <a:schemeClr val="tx1"/>
+                  <a:schemeClr val="tx1">
+                    <a:tint val="75000"/>
+                  </a:schemeClr>
                 </a:solidFill>
               </a:defRPr>
             </a:lvl1pPr>
-            <a:lvl2pPr>
+            <a:lvl2pPr marL="457200" indent="0">
               <a:buNone/>
               <a:defRPr sz="1800">
                 <a:solidFill>
@@ -976,7 +942,7 @@
                 </a:solidFill>
               </a:defRPr>
             </a:lvl2pPr>
-            <a:lvl3pPr>
+            <a:lvl3pPr marL="914400" indent="0">
               <a:buNone/>
               <a:defRPr sz="1600">
                 <a:solidFill>
@@ -986,7 +952,7 @@
                 </a:solidFill>
               </a:defRPr>
             </a:lvl3pPr>
-            <a:lvl4pPr>
+            <a:lvl4pPr marL="1371600" indent="0">
               <a:buNone/>
               <a:defRPr sz="1400">
                 <a:solidFill>
@@ -996,7 +962,7 @@
                 </a:solidFill>
               </a:defRPr>
             </a:lvl4pPr>
-            <a:lvl5pPr>
+            <a:lvl5pPr marL="1828800" indent="0">
               <a:buNone/>
               <a:defRPr sz="1400">
                 <a:solidFill>
@@ -1006,12 +972,52 @@
                 </a:solidFill>
               </a:defRPr>
             </a:lvl5pPr>
+            <a:lvl6pPr marL="2286000" indent="0">
+              <a:buNone/>
+              <a:defRPr sz="1400">
+                <a:solidFill>
+                  <a:schemeClr val="tx1">
+                    <a:tint val="75000"/>
+                  </a:schemeClr>
+                </a:solidFill>
+              </a:defRPr>
+            </a:lvl6pPr>
+            <a:lvl7pPr marL="2743200" indent="0">
+              <a:buNone/>
+              <a:defRPr sz="1400">
+                <a:solidFill>
+                  <a:schemeClr val="tx1">
+                    <a:tint val="75000"/>
+                  </a:schemeClr>
+                </a:solidFill>
+              </a:defRPr>
+            </a:lvl7pPr>
+            <a:lvl8pPr marL="3200400" indent="0">
+              <a:buNone/>
+              <a:defRPr sz="1400">
+                <a:solidFill>
+                  <a:schemeClr val="tx1">
+                    <a:tint val="75000"/>
+                  </a:schemeClr>
+                </a:solidFill>
+              </a:defRPr>
+            </a:lvl8pPr>
+            <a:lvl9pPr marL="3657600" indent="0">
+              <a:buNone/>
+              <a:defRPr sz="1400">
+                <a:solidFill>
+                  <a:schemeClr val="tx1">
+                    <a:tint val="75000"/>
+                  </a:schemeClr>
+                </a:solidFill>
+              </a:defRPr>
+            </a:lvl9pPr>
           </a:lstStyle>
           <a:p>
-            <a:pPr lvl="0" eaLnBrk="1" latinLnBrk="0" hangingPunct="1"/>
-            <a:r>
-              <a:rPr kumimoji="0" lang="zh-TW" altLang="en-US" smtClean="0"/>
-              <a:t>按一下以編輯母片文字樣式</a:t>
+            <a:pPr lvl="0"/>
+            <a:r>
+              <a:rPr lang="en-US" altLang="zh-TW" smtClean="0"/>
+              <a:t>Click to edit Master text styles</a:t>
             </a:r>
           </a:p>
         </p:txBody>
@@ -1033,7 +1039,7 @@
           <a:p>
             <a:fld id="{4F8614AA-04F7-4909-9E96-E6B7B3B3B86B}" type="datetimeFigureOut">
               <a:rPr lang="zh-TW" altLang="en-US" smtClean="0"/>
-              <a:t>2016/12/3</a:t>
+              <a:t>2019/9/7</a:t>
             </a:fld>
             <a:endParaRPr lang="zh-TW" altLang="en-US"/>
           </a:p>
@@ -1068,12 +1074,7 @@
             <p:ph type="sldNum" sz="quarter" idx="12"/>
           </p:nvPr>
         </p:nvSpPr>
-        <p:spPr>
-          <a:xfrm>
-            <a:off x="7924800" y="6416675"/>
-            <a:ext cx="762000" cy="365125"/>
-          </a:xfrm>
-        </p:spPr>
+        <p:spPr/>
         <p:txBody>
           <a:bodyPr/>
           <a:lstStyle/>
@@ -1089,7 +1090,7 @@
     </p:spTree>
   </p:cSld>
   <p:clrMapOvr>
-    <a:overrideClrMapping bg1="dk1" tx1="lt1" bg2="dk2" tx2="lt2" accent1="accent1" accent2="accent2" accent3="accent3" accent4="accent4" accent5="accent5" accent6="accent6" hlink="hlink" folHlink="folHlink"/>
+    <a:masterClrMapping/>
   </p:clrMapOvr>
 </p:sldLayout>
 </file>
@@ -1127,10 +1128,10 @@
           <a:lstStyle/>
           <a:p>
             <a:r>
-              <a:rPr kumimoji="0" lang="zh-TW" altLang="en-US" smtClean="0"/>
-              <a:t>按一下以編輯母片標題樣式</a:t>
-            </a:r>
-            <a:endParaRPr kumimoji="0" lang="en-US"/>
+              <a:rPr lang="en-US" altLang="zh-TW" smtClean="0"/>
+              <a:t>Click to edit Master title style</a:t>
+            </a:r>
+            <a:endParaRPr lang="zh-TW" altLang="en-US"/>
           </a:p>
         </p:txBody>
       </p:sp>
@@ -1146,15 +1147,15 @@
         </p:nvSpPr>
         <p:spPr>
           <a:xfrm>
-            <a:off x="457200" y="1600200"/>
-            <a:ext cx="4038600" cy="4525963"/>
+            <a:off x="457200" y="1200151"/>
+            <a:ext cx="4038600" cy="3394472"/>
           </a:xfrm>
         </p:spPr>
         <p:txBody>
           <a:bodyPr/>
           <a:lstStyle>
             <a:lvl1pPr>
-              <a:defRPr sz="2600"/>
+              <a:defRPr sz="2800"/>
             </a:lvl1pPr>
             <a:lvl2pPr>
               <a:defRPr sz="2400"/>
@@ -1168,42 +1169,54 @@
             <a:lvl5pPr>
               <a:defRPr sz="1800"/>
             </a:lvl5pPr>
+            <a:lvl6pPr>
+              <a:defRPr sz="1800"/>
+            </a:lvl6pPr>
+            <a:lvl7pPr>
+              <a:defRPr sz="1800"/>
+            </a:lvl7pPr>
+            <a:lvl8pPr>
+              <a:defRPr sz="1800"/>
+            </a:lvl8pPr>
+            <a:lvl9pPr>
+              <a:defRPr sz="1800"/>
+            </a:lvl9pPr>
           </a:lstStyle>
           <a:p>
-            <a:pPr lvl="0" eaLnBrk="1" latinLnBrk="0" hangingPunct="1"/>
-            <a:r>
-              <a:rPr lang="zh-TW" altLang="en-US" smtClean="0"/>
-              <a:t>按一下以編輯母片文字樣式</a:t>
-            </a:r>
-          </a:p>
-          <a:p>
-            <a:pPr lvl="1" eaLnBrk="1" latinLnBrk="0" hangingPunct="1"/>
-            <a:r>
-              <a:rPr lang="zh-TW" altLang="en-US" smtClean="0"/>
-              <a:t>第二層</a:t>
-            </a:r>
-          </a:p>
-          <a:p>
-            <a:pPr lvl="2" eaLnBrk="1" latinLnBrk="0" hangingPunct="1"/>
-            <a:r>
-              <a:rPr lang="zh-TW" altLang="en-US" smtClean="0"/>
-              <a:t>第三層</a:t>
-            </a:r>
-          </a:p>
-          <a:p>
-            <a:pPr lvl="3" eaLnBrk="1" latinLnBrk="0" hangingPunct="1"/>
-            <a:r>
-              <a:rPr lang="zh-TW" altLang="en-US" smtClean="0"/>
-              <a:t>第四層</a:t>
-            </a:r>
-          </a:p>
-          <a:p>
-            <a:pPr lvl="4" eaLnBrk="1" latinLnBrk="0" hangingPunct="1"/>
-            <a:r>
-              <a:rPr lang="zh-TW" altLang="en-US" smtClean="0"/>
-              <a:t>第五層</a:t>
-            </a:r>
-            <a:endParaRPr kumimoji="0" lang="en-US"/>
+            <a:pPr lvl="0"/>
+            <a:r>
+              <a:rPr lang="en-US" altLang="zh-TW" smtClean="0"/>
+              <a:t>Click to edit Master text styles</a:t>
+            </a:r>
+          </a:p>
+          <a:p>
+            <a:pPr lvl="1"/>
+            <a:r>
+              <a:rPr lang="en-US" altLang="zh-TW" smtClean="0"/>
+              <a:t>Second level</a:t>
+            </a:r>
+          </a:p>
+          <a:p>
+            <a:pPr lvl="2"/>
+            <a:r>
+              <a:rPr lang="en-US" altLang="zh-TW" smtClean="0"/>
+              <a:t>Third level</a:t>
+            </a:r>
+          </a:p>
+          <a:p>
+            <a:pPr lvl="3"/>
+            <a:r>
+              <a:rPr lang="en-US" altLang="zh-TW" smtClean="0"/>
+              <a:t>Fourth level</a:t>
+            </a:r>
+          </a:p>
+          <a:p>
+            <a:pPr lvl="4"/>
+            <a:r>
+              <a:rPr lang="en-US" altLang="zh-TW" smtClean="0"/>
+              <a:t>Fifth level</a:t>
+            </a:r>
+            <a:endParaRPr lang="zh-TW" altLang="en-US"/>
           </a:p>
         </p:txBody>
       </p:sp>
@@ -1219,15 +1232,15 @@
         </p:nvSpPr>
         <p:spPr>
           <a:xfrm>
-            <a:off x="4648200" y="1600200"/>
-            <a:ext cx="4038600" cy="4525963"/>
+            <a:off x="4648200" y="1200151"/>
+            <a:ext cx="4038600" cy="3394472"/>
           </a:xfrm>
         </p:spPr>
         <p:txBody>
           <a:bodyPr/>
           <a:lstStyle>
             <a:lvl1pPr>
-              <a:defRPr sz="2600"/>
+              <a:defRPr sz="2800"/>
             </a:lvl1pPr>
             <a:lvl2pPr>
               <a:defRPr sz="2400"/>
@@ -1241,42 +1254,54 @@
             <a:lvl5pPr>
               <a:defRPr sz="1800"/>
             </a:lvl5pPr>
+            <a:lvl6pPr>
+              <a:defRPr sz="1800"/>
+            </a:lvl6pPr>
+            <a:lvl7pPr>
+              <a:defRPr sz="1800"/>
+            </a:lvl7pPr>
+            <a:lvl8pPr>
+              <a:defRPr sz="1800"/>
+            </a:lvl8pPr>
+            <a:lvl9pPr>
+              <a:defRPr sz="1800"/>
+            </a:lvl9pPr>
           </a:lstStyle>
           <a:p>
-            <a:pPr lvl="0" eaLnBrk="1" latinLnBrk="0" hangingPunct="1"/>
-            <a:r>
-              <a:rPr lang="zh-TW" altLang="en-US" smtClean="0"/>
-              <a:t>按一下以編輯母片文字樣式</a:t>
-            </a:r>
-          </a:p>
-          <a:p>
-            <a:pPr lvl="1" eaLnBrk="1" latinLnBrk="0" hangingPunct="1"/>
-            <a:r>
-              <a:rPr lang="zh-TW" altLang="en-US" smtClean="0"/>
-              <a:t>第二層</a:t>
-            </a:r>
-          </a:p>
-          <a:p>
-            <a:pPr lvl="2" eaLnBrk="1" latinLnBrk="0" hangingPunct="1"/>
-            <a:r>
-              <a:rPr lang="zh-TW" altLang="en-US" smtClean="0"/>
-              <a:t>第三層</a:t>
-            </a:r>
-          </a:p>
-          <a:p>
-            <a:pPr lvl="3" eaLnBrk="1" latinLnBrk="0" hangingPunct="1"/>
-            <a:r>
-              <a:rPr lang="zh-TW" altLang="en-US" smtClean="0"/>
-              <a:t>第四層</a:t>
-            </a:r>
-          </a:p>
-          <a:p>
-            <a:pPr lvl="4" eaLnBrk="1" latinLnBrk="0" hangingPunct="1"/>
-            <a:r>
-              <a:rPr lang="zh-TW" altLang="en-US" smtClean="0"/>
-              <a:t>第五層</a:t>
-            </a:r>
-            <a:endParaRPr kumimoji="0" lang="en-US"/>
+            <a:pPr lvl="0"/>
+            <a:r>
+              <a:rPr lang="en-US" altLang="zh-TW" smtClean="0"/>
+              <a:t>Click to edit Master text styles</a:t>
+            </a:r>
+          </a:p>
+          <a:p>
+            <a:pPr lvl="1"/>
+            <a:r>
+              <a:rPr lang="en-US" altLang="zh-TW" smtClean="0"/>
+              <a:t>Second level</a:t>
+            </a:r>
+          </a:p>
+          <a:p>
+            <a:pPr lvl="2"/>
+            <a:r>
+              <a:rPr lang="en-US" altLang="zh-TW" smtClean="0"/>
+              <a:t>Third level</a:t>
+            </a:r>
+          </a:p>
+          <a:p>
+            <a:pPr lvl="3"/>
+            <a:r>
+              <a:rPr lang="en-US" altLang="zh-TW" smtClean="0"/>
+              <a:t>Fourth level</a:t>
+            </a:r>
+          </a:p>
+          <a:p>
+            <a:pPr lvl="4"/>
+            <a:r>
+              <a:rPr lang="en-US" altLang="zh-TW" smtClean="0"/>
+              <a:t>Fifth level</a:t>
+            </a:r>
+            <a:endParaRPr lang="zh-TW" altLang="en-US"/>
           </a:p>
         </p:txBody>
       </p:sp>
@@ -1297,7 +1322,7 @@
           <a:p>
             <a:fld id="{4F8614AA-04F7-4909-9E96-E6B7B3B3B86B}" type="datetimeFigureOut">
               <a:rPr lang="zh-TW" altLang="en-US" smtClean="0"/>
-              <a:t>2016/12/3</a:t>
+              <a:t>2019/9/7</a:t>
             </a:fld>
             <a:endParaRPr lang="zh-TW" altLang="en-US"/>
           </a:p>
@@ -1380,14 +1405,9 @@
             <p:ph type="title"/>
           </p:nvPr>
         </p:nvSpPr>
-        <p:spPr>
-          <a:xfrm>
-            <a:off x="457200" y="273050"/>
-            <a:ext cx="8229600" cy="1143000"/>
-          </a:xfrm>
-        </p:spPr>
-        <p:txBody>
-          <a:bodyPr anchor="ctr"/>
+        <p:spPr/>
+        <p:txBody>
+          <a:bodyPr/>
           <a:lstStyle>
             <a:lvl1pPr>
               <a:defRPr/>
@@ -1395,10 +1415,10 @@
           </a:lstStyle>
           <a:p>
             <a:r>
-              <a:rPr kumimoji="0" lang="zh-TW" altLang="en-US" smtClean="0"/>
-              <a:t>按一下以編輯母片標題樣式</a:t>
-            </a:r>
-            <a:endParaRPr kumimoji="0" lang="en-US"/>
+              <a:rPr lang="en-US" altLang="zh-TW" smtClean="0"/>
+              <a:t>Click to edit Master title style</a:t>
+            </a:r>
+            <a:endParaRPr lang="zh-TW" altLang="en-US"/>
           </a:p>
         </p:txBody>
       </p:sp>
@@ -1414,114 +1434,73 @@
         </p:nvSpPr>
         <p:spPr>
           <a:xfrm>
-            <a:off x="457200" y="1535112"/>
-            <a:ext cx="4040188" cy="750887"/>
+            <a:off x="457200" y="1151335"/>
+            <a:ext cx="4040188" cy="479822"/>
           </a:xfrm>
         </p:spPr>
         <p:txBody>
-          <a:bodyPr anchor="ctr"/>
+          <a:bodyPr anchor="b"/>
           <a:lstStyle>
             <a:lvl1pPr marL="0" indent="0">
               <a:buNone/>
-              <a:defRPr sz="2400" b="0" cap="all" baseline="0">
-                <a:solidFill>
-                  <a:schemeClr val="tx1"/>
-                </a:solidFill>
-              </a:defRPr>
+              <a:defRPr sz="2400" b="1"/>
             </a:lvl1pPr>
-            <a:lvl2pPr>
+            <a:lvl2pPr marL="457200" indent="0">
               <a:buNone/>
               <a:defRPr sz="2000" b="1"/>
             </a:lvl2pPr>
-            <a:lvl3pPr>
+            <a:lvl3pPr marL="914400" indent="0">
               <a:buNone/>
               <a:defRPr sz="1800" b="1"/>
             </a:lvl3pPr>
-            <a:lvl4pPr>
+            <a:lvl4pPr marL="1371600" indent="0">
               <a:buNone/>
               <a:defRPr sz="1600" b="1"/>
             </a:lvl4pPr>
-            <a:lvl5pPr>
+            <a:lvl5pPr marL="1828800" indent="0">
               <a:buNone/>
               <a:defRPr sz="1600" b="1"/>
             </a:lvl5pPr>
+            <a:lvl6pPr marL="2286000" indent="0">
+              <a:buNone/>
+              <a:defRPr sz="1600" b="1"/>
+            </a:lvl6pPr>
+            <a:lvl7pPr marL="2743200" indent="0">
+              <a:buNone/>
+              <a:defRPr sz="1600" b="1"/>
+            </a:lvl7pPr>
+            <a:lvl8pPr marL="3200400" indent="0">
+              <a:buNone/>
+              <a:defRPr sz="1600" b="1"/>
+            </a:lvl8pPr>
+            <a:lvl9pPr marL="3657600" indent="0">
+              <a:buNone/>
+              <a:defRPr sz="1600" b="1"/>
+            </a:lvl9pPr>
           </a:lstStyle>
           <a:p>
-            <a:pPr lvl="0" eaLnBrk="1" latinLnBrk="0" hangingPunct="1"/>
-            <a:r>
-              <a:rPr kumimoji="0" lang="zh-TW" altLang="en-US" smtClean="0"/>
-              <a:t>按一下以編輯母片文字樣式</a:t>
-            </a:r>
-          </a:p>
-        </p:txBody>
-      </p:sp>
-      <p:sp>
-        <p:nvSpPr>
-          <p:cNvPr id="4" name="文字版面配置區 3"/>
-          <p:cNvSpPr>
-            <a:spLocks noGrp="1"/>
-          </p:cNvSpPr>
-          <p:nvPr>
-            <p:ph type="body" sz="half" idx="3"/>
+            <a:pPr lvl="0"/>
+            <a:r>
+              <a:rPr lang="en-US" altLang="zh-TW" smtClean="0"/>
+              <a:t>Click to edit Master text styles</a:t>
+            </a:r>
+          </a:p>
+        </p:txBody>
+      </p:sp>
+      <p:sp>
+        <p:nvSpPr>
+          <p:cNvPr id="4" name="內容版面配置區 3"/>
+          <p:cNvSpPr>
+            <a:spLocks noGrp="1"/>
+          </p:cNvSpPr>
+          <p:nvPr>
+            <p:ph sz="half" idx="2"/>
           </p:nvPr>
         </p:nvSpPr>
         <p:spPr>
           <a:xfrm>
-            <a:off x="4645025" y="1535112"/>
-            <a:ext cx="4041775" cy="750887"/>
-          </a:xfrm>
-        </p:spPr>
-        <p:txBody>
-          <a:bodyPr anchor="ctr"/>
-          <a:lstStyle>
-            <a:lvl1pPr marL="0" indent="0">
-              <a:buNone/>
-              <a:defRPr sz="2400" b="0" cap="all" baseline="0">
-                <a:solidFill>
-                  <a:schemeClr val="tx1"/>
-                </a:solidFill>
-              </a:defRPr>
-            </a:lvl1pPr>
-            <a:lvl2pPr>
-              <a:buNone/>
-              <a:defRPr sz="2000" b="1"/>
-            </a:lvl2pPr>
-            <a:lvl3pPr>
-              <a:buNone/>
-              <a:defRPr sz="1800" b="1"/>
-            </a:lvl3pPr>
-            <a:lvl4pPr>
-              <a:buNone/>
-              <a:defRPr sz="1600" b="1"/>
-            </a:lvl4pPr>
-            <a:lvl5pPr>
-              <a:buNone/>
-              <a:defRPr sz="1600" b="1"/>
-            </a:lvl5pPr>
-          </a:lstStyle>
-          <a:p>
-            <a:pPr lvl="0" eaLnBrk="1" latinLnBrk="0" hangingPunct="1"/>
-            <a:r>
-              <a:rPr kumimoji="0" lang="zh-TW" altLang="en-US" smtClean="0"/>
-              <a:t>按一下以編輯母片文字樣式</a:t>
-            </a:r>
-          </a:p>
-        </p:txBody>
-      </p:sp>
-      <p:sp>
-        <p:nvSpPr>
-          <p:cNvPr id="5" name="內容版面配置區 4"/>
-          <p:cNvSpPr>
-            <a:spLocks noGrp="1"/>
-          </p:cNvSpPr>
-          <p:nvPr>
-            <p:ph sz="quarter" idx="2"/>
-          </p:nvPr>
-        </p:nvSpPr>
-        <p:spPr>
-          <a:xfrm>
-            <a:off x="457200" y="2362200"/>
-            <a:ext cx="4040188" cy="3763963"/>
+            <a:off x="457200" y="1631156"/>
+            <a:ext cx="4040188" cy="2963466"/>
           </a:xfrm>
         </p:spPr>
         <p:txBody>
@@ -1542,59 +1521,136 @@
             <a:lvl5pPr>
               <a:defRPr sz="1600"/>
             </a:lvl5pPr>
+            <a:lvl6pPr>
+              <a:defRPr sz="1600"/>
+            </a:lvl6pPr>
+            <a:lvl7pPr>
+              <a:defRPr sz="1600"/>
+            </a:lvl7pPr>
+            <a:lvl8pPr>
+              <a:defRPr sz="1600"/>
+            </a:lvl8pPr>
+            <a:lvl9pPr>
+              <a:defRPr sz="1600"/>
+            </a:lvl9pPr>
           </a:lstStyle>
           <a:p>
-            <a:pPr lvl="0" eaLnBrk="1" latinLnBrk="0" hangingPunct="1"/>
-            <a:r>
-              <a:rPr lang="zh-TW" altLang="en-US" smtClean="0"/>
-              <a:t>按一下以編輯母片文字樣式</a:t>
-            </a:r>
-          </a:p>
-          <a:p>
-            <a:pPr lvl="1" eaLnBrk="1" latinLnBrk="0" hangingPunct="1"/>
-            <a:r>
-              <a:rPr lang="zh-TW" altLang="en-US" smtClean="0"/>
-              <a:t>第二層</a:t>
-            </a:r>
-          </a:p>
-          <a:p>
-            <a:pPr lvl="2" eaLnBrk="1" latinLnBrk="0" hangingPunct="1"/>
-            <a:r>
-              <a:rPr lang="zh-TW" altLang="en-US" smtClean="0"/>
-              <a:t>第三層</a:t>
-            </a:r>
-          </a:p>
-          <a:p>
-            <a:pPr lvl="3" eaLnBrk="1" latinLnBrk="0" hangingPunct="1"/>
-            <a:r>
-              <a:rPr lang="zh-TW" altLang="en-US" smtClean="0"/>
-              <a:t>第四層</a:t>
-            </a:r>
-          </a:p>
-          <a:p>
-            <a:pPr lvl="4" eaLnBrk="1" latinLnBrk="0" hangingPunct="1"/>
-            <a:r>
-              <a:rPr lang="zh-TW" altLang="en-US" smtClean="0"/>
-              <a:t>第五層</a:t>
-            </a:r>
-            <a:endParaRPr kumimoji="0" lang="en-US"/>
-          </a:p>
-        </p:txBody>
-      </p:sp>
-      <p:sp>
-        <p:nvSpPr>
-          <p:cNvPr id="6" name="內容版面配置區 5"/>
-          <p:cNvSpPr>
-            <a:spLocks noGrp="1"/>
-          </p:cNvSpPr>
-          <p:nvPr>
-            <p:ph sz="quarter" idx="4"/>
+            <a:pPr lvl="0"/>
+            <a:r>
+              <a:rPr lang="en-US" altLang="zh-TW" smtClean="0"/>
+              <a:t>Click to edit Master text styles</a:t>
+            </a:r>
+          </a:p>
+          <a:p>
+            <a:pPr lvl="1"/>
+            <a:r>
+              <a:rPr lang="en-US" altLang="zh-TW" smtClean="0"/>
+              <a:t>Second level</a:t>
+            </a:r>
+          </a:p>
+          <a:p>
+            <a:pPr lvl="2"/>
+            <a:r>
+              <a:rPr lang="en-US" altLang="zh-TW" smtClean="0"/>
+              <a:t>Third level</a:t>
+            </a:r>
+          </a:p>
+          <a:p>
+            <a:pPr lvl="3"/>
+            <a:r>
+              <a:rPr lang="en-US" altLang="zh-TW" smtClean="0"/>
+              <a:t>Fourth level</a:t>
+            </a:r>
+          </a:p>
+          <a:p>
+            <a:pPr lvl="4"/>
+            <a:r>
+              <a:rPr lang="en-US" altLang="zh-TW" smtClean="0"/>
+              <a:t>Fifth level</a:t>
+            </a:r>
+            <a:endParaRPr lang="zh-TW" altLang="en-US"/>
+          </a:p>
+        </p:txBody>
+      </p:sp>
+      <p:sp>
+        <p:nvSpPr>
+          <p:cNvPr id="5" name="文字版面配置區 4"/>
+          <p:cNvSpPr>
+            <a:spLocks noGrp="1"/>
+          </p:cNvSpPr>
+          <p:nvPr>
+            <p:ph type="body" sz="quarter" idx="3"/>
           </p:nvPr>
         </p:nvSpPr>
         <p:spPr>
           <a:xfrm>
-            <a:off x="4645025" y="2362200"/>
-            <a:ext cx="4041775" cy="3763963"/>
+            <a:off x="4645026" y="1151335"/>
+            <a:ext cx="4041775" cy="479822"/>
+          </a:xfrm>
+        </p:spPr>
+        <p:txBody>
+          <a:bodyPr anchor="b"/>
+          <a:lstStyle>
+            <a:lvl1pPr marL="0" indent="0">
+              <a:buNone/>
+              <a:defRPr sz="2400" b="1"/>
+            </a:lvl1pPr>
+            <a:lvl2pPr marL="457200" indent="0">
+              <a:buNone/>
+              <a:defRPr sz="2000" b="1"/>
+            </a:lvl2pPr>
+            <a:lvl3pPr marL="914400" indent="0">
+              <a:buNone/>
+              <a:defRPr sz="1800" b="1"/>
+            </a:lvl3pPr>
+            <a:lvl4pPr marL="1371600" indent="0">
+              <a:buNone/>
+              <a:defRPr sz="1600" b="1"/>
+            </a:lvl4pPr>
+            <a:lvl5pPr marL="1828800" indent="0">
+              <a:buNone/>
+              <a:defRPr sz="1600" b="1"/>
+            </a:lvl5pPr>
+            <a:lvl6pPr marL="2286000" indent="0">
+              <a:buNone/>
+              <a:defRPr sz="1600" b="1"/>
+            </a:lvl6pPr>
+            <a:lvl7pPr marL="2743200" indent="0">
+              <a:buNone/>
+              <a:defRPr sz="1600" b="1"/>
+            </a:lvl7pPr>
+            <a:lvl8pPr marL="3200400" indent="0">
+              <a:buNone/>
+              <a:defRPr sz="1600" b="1"/>
+            </a:lvl8pPr>
+            <a:lvl9pPr marL="3657600" indent="0">
+              <a:buNone/>
+              <a:defRPr sz="1600" b="1"/>
+            </a:lvl9pPr>
+          </a:lstStyle>
+          <a:p>
+            <a:pPr lvl="0"/>
+            <a:r>
+              <a:rPr lang="en-US" altLang="zh-TW" smtClean="0"/>
+              <a:t>Click to edit Master text styles</a:t>
+            </a:r>
+          </a:p>
+        </p:txBody>
+      </p:sp>
+      <p:sp>
+        <p:nvSpPr>
+          <p:cNvPr id="6" name="內容版面配置區 5"/>
+          <p:cNvSpPr>
+            <a:spLocks noGrp="1"/>
+          </p:cNvSpPr>
+          <p:nvPr>
+            <p:ph sz="quarter" idx="4"/>
+          </p:nvPr>
+        </p:nvSpPr>
+        <p:spPr>
+          <a:xfrm>
+            <a:off x="4645026" y="1631156"/>
+            <a:ext cx="4041775" cy="2963466"/>
           </a:xfrm>
         </p:spPr>
         <p:txBody>
@@ -1615,42 +1671,54 @@
             <a:lvl5pPr>
               <a:defRPr sz="1600"/>
             </a:lvl5pPr>
+            <a:lvl6pPr>
+              <a:defRPr sz="1600"/>
+            </a:lvl6pPr>
+            <a:lvl7pPr>
+              <a:defRPr sz="1600"/>
+            </a:lvl7pPr>
+            <a:lvl8pPr>
+              <a:defRPr sz="1600"/>
+            </a:lvl8pPr>
+            <a:lvl9pPr>
+              <a:defRPr sz="1600"/>
+            </a:lvl9pPr>
           </a:lstStyle>
           <a:p>
-            <a:pPr lvl="0" eaLnBrk="1" latinLnBrk="0" hangingPunct="1"/>
-            <a:r>
-              <a:rPr lang="zh-TW" altLang="en-US" smtClean="0"/>
-              <a:t>按一下以編輯母片文字樣式</a:t>
-            </a:r>
-          </a:p>
-          <a:p>
-            <a:pPr lvl="1" eaLnBrk="1" latinLnBrk="0" hangingPunct="1"/>
-            <a:r>
-              <a:rPr lang="zh-TW" altLang="en-US" smtClean="0"/>
-              <a:t>第二層</a:t>
-            </a:r>
-          </a:p>
-          <a:p>
-            <a:pPr lvl="2" eaLnBrk="1" latinLnBrk="0" hangingPunct="1"/>
-            <a:r>
-              <a:rPr lang="zh-TW" altLang="en-US" smtClean="0"/>
-              <a:t>第三層</a:t>
-            </a:r>
-          </a:p>
-          <a:p>
-            <a:pPr lvl="3" eaLnBrk="1" latinLnBrk="0" hangingPunct="1"/>
-            <a:r>
-              <a:rPr lang="zh-TW" altLang="en-US" smtClean="0"/>
-              <a:t>第四層</a:t>
-            </a:r>
-          </a:p>
-          <a:p>
-            <a:pPr lvl="4" eaLnBrk="1" latinLnBrk="0" hangingPunct="1"/>
-            <a:r>
-              <a:rPr lang="zh-TW" altLang="en-US" smtClean="0"/>
-              <a:t>第五層</a:t>
-            </a:r>
-            <a:endParaRPr kumimoji="0" lang="en-US"/>
+            <a:pPr lvl="0"/>
+            <a:r>
+              <a:rPr lang="en-US" altLang="zh-TW" smtClean="0"/>
+              <a:t>Click to edit Master text styles</a:t>
+            </a:r>
+          </a:p>
+          <a:p>
+            <a:pPr lvl="1"/>
+            <a:r>
+              <a:rPr lang="en-US" altLang="zh-TW" smtClean="0"/>
+              <a:t>Second level</a:t>
+            </a:r>
+          </a:p>
+          <a:p>
+            <a:pPr lvl="2"/>
+            <a:r>
+              <a:rPr lang="en-US" altLang="zh-TW" smtClean="0"/>
+              <a:t>Third level</a:t>
+            </a:r>
+          </a:p>
+          <a:p>
+            <a:pPr lvl="3"/>
+            <a:r>
+              <a:rPr lang="en-US" altLang="zh-TW" smtClean="0"/>
+              <a:t>Fourth level</a:t>
+            </a:r>
+          </a:p>
+          <a:p>
+            <a:pPr lvl="4"/>
+            <a:r>
+              <a:rPr lang="en-US" altLang="zh-TW" smtClean="0"/>
+              <a:t>Fifth level</a:t>
+            </a:r>
+            <a:endParaRPr lang="zh-TW" altLang="en-US"/>
           </a:p>
         </p:txBody>
       </p:sp>
@@ -1671,7 +1739,7 @@
           <a:p>
             <a:fld id="{4F8614AA-04F7-4909-9E96-E6B7B3B3B86B}" type="datetimeFigureOut">
               <a:rPr lang="zh-TW" altLang="en-US" smtClean="0"/>
-              <a:t>2016/12/3</a:t>
+              <a:t>2019/9/7</a:t>
             </a:fld>
             <a:endParaRPr lang="zh-TW" altLang="en-US"/>
           </a:p>
@@ -1760,10 +1828,10 @@
           <a:lstStyle/>
           <a:p>
             <a:r>
-              <a:rPr kumimoji="0" lang="zh-TW" altLang="en-US" smtClean="0"/>
-              <a:t>按一下以編輯母片標題樣式</a:t>
-            </a:r>
-            <a:endParaRPr kumimoji="0" lang="en-US"/>
+              <a:rPr lang="en-US" altLang="zh-TW" smtClean="0"/>
+              <a:t>Click to edit Master title style</a:t>
+            </a:r>
+            <a:endParaRPr lang="zh-TW" altLang="en-US"/>
           </a:p>
         </p:txBody>
       </p:sp>
@@ -1784,7 +1852,7 @@
           <a:p>
             <a:fld id="{4F8614AA-04F7-4909-9E96-E6B7B3B3B86B}" type="datetimeFigureOut">
               <a:rPr lang="zh-TW" altLang="en-US" smtClean="0"/>
-              <a:t>2016/12/3</a:t>
+              <a:t>2019/9/7</a:t>
             </a:fld>
             <a:endParaRPr lang="zh-TW" altLang="en-US"/>
           </a:p>
@@ -1874,7 +1942,7 @@
           <a:p>
             <a:fld id="{4F8614AA-04F7-4909-9E96-E6B7B3B3B86B}" type="datetimeFigureOut">
               <a:rPr lang="zh-TW" altLang="en-US" smtClean="0"/>
-              <a:t>2016/12/3</a:t>
+              <a:t>2019/9/7</a:t>
             </a:fld>
             <a:endParaRPr lang="zh-TW" altLang="en-US"/>
           </a:p>
@@ -1959,159 +2027,173 @@
         </p:nvSpPr>
         <p:spPr>
           <a:xfrm>
-            <a:off x="457200" y="273050"/>
-            <a:ext cx="3008313" cy="1162050"/>
+            <a:off x="457201" y="204787"/>
+            <a:ext cx="3008313" cy="871538"/>
           </a:xfrm>
         </p:spPr>
         <p:txBody>
-          <a:bodyPr vert="horz" anchor="b">
-            <a:normAutofit/>
-            <a:sp3d prstMaterial="softEdge"/>
-          </a:bodyPr>
+          <a:bodyPr anchor="b"/>
           <a:lstStyle>
             <a:lvl1pPr algn="l">
-              <a:buNone/>
-              <a:defRPr sz="2200" b="0">
-                <a:ln w="6350">
-                  <a:noFill/>
-                </a:ln>
-                <a:solidFill>
-                  <a:schemeClr val="accent1">
-                    <a:tint val="73000"/>
-                    <a:satMod val="180000"/>
-                  </a:schemeClr>
-                </a:solidFill>
-              </a:defRPr>
+              <a:defRPr sz="2000" b="1"/>
             </a:lvl1pPr>
           </a:lstStyle>
           <a:p>
             <a:r>
-              <a:rPr kumimoji="0" lang="zh-TW" altLang="en-US" smtClean="0"/>
-              <a:t>按一下以編輯母片標題樣式</a:t>
-            </a:r>
-            <a:endParaRPr kumimoji="0" lang="en-US"/>
-          </a:p>
-        </p:txBody>
-      </p:sp>
-      <p:sp>
-        <p:nvSpPr>
-          <p:cNvPr id="3" name="文字版面配置區 2"/>
-          <p:cNvSpPr>
-            <a:spLocks noGrp="1"/>
-          </p:cNvSpPr>
-          <p:nvPr>
-            <p:ph type="body" idx="2"/>
+              <a:rPr lang="en-US" altLang="zh-TW" smtClean="0"/>
+              <a:t>Click to edit Master title style</a:t>
+            </a:r>
+            <a:endParaRPr lang="zh-TW" altLang="en-US"/>
+          </a:p>
+        </p:txBody>
+      </p:sp>
+      <p:sp>
+        <p:nvSpPr>
+          <p:cNvPr id="3" name="內容版面配置區 2"/>
+          <p:cNvSpPr>
+            <a:spLocks noGrp="1"/>
+          </p:cNvSpPr>
+          <p:nvPr>
+            <p:ph idx="1"/>
           </p:nvPr>
         </p:nvSpPr>
         <p:spPr>
           <a:xfrm>
-            <a:off x="457200" y="1524000"/>
-            <a:ext cx="3008313" cy="4602163"/>
+            <a:off x="3575050" y="204788"/>
+            <a:ext cx="5111750" cy="4389835"/>
           </a:xfrm>
         </p:spPr>
         <p:txBody>
           <a:bodyPr/>
           <a:lstStyle>
-            <a:lvl1pPr marL="0" indent="0">
-              <a:buNone/>
-              <a:defRPr sz="1400"/>
+            <a:lvl1pPr>
+              <a:defRPr sz="3200"/>
             </a:lvl1pPr>
             <a:lvl2pPr>
-              <a:buNone/>
-              <a:defRPr sz="1200"/>
+              <a:defRPr sz="2800"/>
             </a:lvl2pPr>
             <a:lvl3pPr>
-              <a:buNone/>
-              <a:defRPr sz="1000"/>
-            </a:lvl3pPr>
-            <a:lvl4pPr>
-              <a:buNone/>
-              <a:defRPr sz="900"/>
-            </a:lvl4pPr>
-            <a:lvl5pPr>
-              <a:buNone/>
-              <a:defRPr sz="900"/>
-            </a:lvl5pPr>
-          </a:lstStyle>
-          <a:p>
-            <a:pPr lvl="0" eaLnBrk="1" latinLnBrk="0" hangingPunct="1"/>
-            <a:r>
-              <a:rPr kumimoji="0" lang="zh-TW" altLang="en-US" smtClean="0"/>
-              <a:t>按一下以編輯母片文字樣式</a:t>
-            </a:r>
-          </a:p>
-        </p:txBody>
-      </p:sp>
-      <p:sp>
-        <p:nvSpPr>
-          <p:cNvPr id="4" name="內容版面配置區 3"/>
-          <p:cNvSpPr>
-            <a:spLocks noGrp="1"/>
-          </p:cNvSpPr>
-          <p:nvPr>
-            <p:ph sz="half" idx="1"/>
-          </p:nvPr>
-        </p:nvSpPr>
-        <p:spPr>
-          <a:xfrm>
-            <a:off x="3575050" y="273050"/>
-            <a:ext cx="5111750" cy="5853113"/>
-          </a:xfrm>
-        </p:spPr>
-        <p:txBody>
-          <a:bodyPr/>
-          <a:lstStyle>
-            <a:lvl1pPr>
-              <a:defRPr sz="2600"/>
-            </a:lvl1pPr>
-            <a:lvl2pPr>
               <a:defRPr sz="2400"/>
-            </a:lvl2pPr>
-            <a:lvl3pPr>
-              <a:defRPr sz="2200"/>
             </a:lvl3pPr>
             <a:lvl4pPr>
               <a:defRPr sz="2000"/>
             </a:lvl4pPr>
             <a:lvl5pPr>
-              <a:defRPr sz="1800"/>
+              <a:defRPr sz="2000"/>
             </a:lvl5pPr>
+            <a:lvl6pPr>
+              <a:defRPr sz="2000"/>
+            </a:lvl6pPr>
+            <a:lvl7pPr>
+              <a:defRPr sz="2000"/>
+            </a:lvl7pPr>
+            <a:lvl8pPr>
+              <a:defRPr sz="2000"/>
+            </a:lvl8pPr>
+            <a:lvl9pPr>
+              <a:defRPr sz="2000"/>
+            </a:lvl9pPr>
           </a:lstStyle>
           <a:p>
-            <a:pPr lvl="0" eaLnBrk="1" latinLnBrk="0" hangingPunct="1"/>
-            <a:r>
-              <a:rPr lang="zh-TW" altLang="en-US" smtClean="0"/>
-              <a:t>按一下以編輯母片文字樣式</a:t>
-            </a:r>
-          </a:p>
-          <a:p>
-            <a:pPr lvl="1" eaLnBrk="1" latinLnBrk="0" hangingPunct="1"/>
-            <a:r>
-              <a:rPr lang="zh-TW" altLang="en-US" smtClean="0"/>
-              <a:t>第二層</a:t>
-            </a:r>
-          </a:p>
-          <a:p>
-            <a:pPr lvl="2" eaLnBrk="1" latinLnBrk="0" hangingPunct="1"/>
-            <a:r>
-              <a:rPr lang="zh-TW" altLang="en-US" smtClean="0"/>
-              <a:t>第三層</a:t>
-            </a:r>
-          </a:p>
-          <a:p>
-            <a:pPr lvl="3" eaLnBrk="1" latinLnBrk="0" hangingPunct="1"/>
-            <a:r>
-              <a:rPr lang="zh-TW" altLang="en-US" smtClean="0"/>
-              <a:t>第四層</a:t>
-            </a:r>
-          </a:p>
-          <a:p>
-            <a:pPr lvl="4" eaLnBrk="1" latinLnBrk="0" hangingPunct="1"/>
-            <a:r>
-              <a:rPr lang="zh-TW" altLang="en-US" smtClean="0"/>
-              <a:t>第五層</a:t>
-            </a:r>
-            <a:endParaRPr kumimoji="0" lang="en-US"/>
+            <a:pPr lvl="0"/>
+            <a:r>
+              <a:rPr lang="en-US" altLang="zh-TW" smtClean="0"/>
+              <a:t>Click to edit Master text styles</a:t>
+            </a:r>
+          </a:p>
+          <a:p>
+            <a:pPr lvl="1"/>
+            <a:r>
+              <a:rPr lang="en-US" altLang="zh-TW" smtClean="0"/>
+              <a:t>Second level</a:t>
+            </a:r>
+          </a:p>
+          <a:p>
+            <a:pPr lvl="2"/>
+            <a:r>
+              <a:rPr lang="en-US" altLang="zh-TW" smtClean="0"/>
+              <a:t>Third level</a:t>
+            </a:r>
+          </a:p>
+          <a:p>
+            <a:pPr lvl="3"/>
+            <a:r>
+              <a:rPr lang="en-US" altLang="zh-TW" smtClean="0"/>
+              <a:t>Fourth level</a:t>
+            </a:r>
+          </a:p>
+          <a:p>
+            <a:pPr lvl="4"/>
+            <a:r>
+              <a:rPr lang="en-US" altLang="zh-TW" smtClean="0"/>
+              <a:t>Fifth level</a:t>
+            </a:r>
+            <a:endParaRPr lang="zh-TW" altLang="en-US"/>
+          </a:p>
+        </p:txBody>
+      </p:sp>
+      <p:sp>
+        <p:nvSpPr>
+          <p:cNvPr id="4" name="文字版面配置區 3"/>
+          <p:cNvSpPr>
+            <a:spLocks noGrp="1"/>
+          </p:cNvSpPr>
+          <p:nvPr>
+            <p:ph type="body" sz="half" idx="2"/>
+          </p:nvPr>
+        </p:nvSpPr>
+        <p:spPr>
+          <a:xfrm>
+            <a:off x="457201" y="1076326"/>
+            <a:ext cx="3008313" cy="3518297"/>
+          </a:xfrm>
+        </p:spPr>
+        <p:txBody>
+          <a:bodyPr/>
+          <a:lstStyle>
+            <a:lvl1pPr marL="0" indent="0">
+              <a:buNone/>
+              <a:defRPr sz="1400"/>
+            </a:lvl1pPr>
+            <a:lvl2pPr marL="457200" indent="0">
+              <a:buNone/>
+              <a:defRPr sz="1200"/>
+            </a:lvl2pPr>
+            <a:lvl3pPr marL="914400" indent="0">
+              <a:buNone/>
+              <a:defRPr sz="1000"/>
+            </a:lvl3pPr>
+            <a:lvl4pPr marL="1371600" indent="0">
+              <a:buNone/>
+              <a:defRPr sz="900"/>
+            </a:lvl4pPr>
+            <a:lvl5pPr marL="1828800" indent="0">
+              <a:buNone/>
+              <a:defRPr sz="900"/>
+            </a:lvl5pPr>
+            <a:lvl6pPr marL="2286000" indent="0">
+              <a:buNone/>
+              <a:defRPr sz="900"/>
+            </a:lvl6pPr>
+            <a:lvl7pPr marL="2743200" indent="0">
+              <a:buNone/>
+              <a:defRPr sz="900"/>
+            </a:lvl7pPr>
+            <a:lvl8pPr marL="3200400" indent="0">
+              <a:buNone/>
+              <a:defRPr sz="900"/>
+            </a:lvl8pPr>
+            <a:lvl9pPr marL="3657600" indent="0">
+              <a:buNone/>
+              <a:defRPr sz="900"/>
+            </a:lvl9pPr>
+          </a:lstStyle>
+          <a:p>
+            <a:pPr lvl="0"/>
+            <a:r>
+              <a:rPr lang="en-US" altLang="zh-TW" smtClean="0"/>
+              <a:t>Click to edit Master text styles</a:t>
+            </a:r>
           </a:p>
         </p:txBody>
       </p:sp>
@@ -2132,7 +2214,7 @@
           <a:p>
             <a:fld id="{4F8614AA-04F7-4909-9E96-E6B7B3B3B86B}" type="datetimeFigureOut">
               <a:rPr lang="zh-TW" altLang="en-US" smtClean="0"/>
-              <a:t>2016/12/3</a:t>
+              <a:t>2019/9/7</a:t>
             </a:fld>
             <a:endParaRPr lang="zh-TW" altLang="en-US"/>
           </a:p>
@@ -2217,26 +2299,23 @@
         </p:nvSpPr>
         <p:spPr>
           <a:xfrm>
-            <a:off x="1828800" y="609600"/>
-            <a:ext cx="5486400" cy="522288"/>
+            <a:off x="1792288" y="3600450"/>
+            <a:ext cx="5486400" cy="425054"/>
           </a:xfrm>
         </p:spPr>
         <p:txBody>
-          <a:bodyPr lIns="45720" rIns="45720" bIns="0" anchor="b">
-            <a:sp3d prstMaterial="softEdge"/>
-          </a:bodyPr>
+          <a:bodyPr anchor="b"/>
           <a:lstStyle>
-            <a:lvl1pPr algn="ctr">
-              <a:buNone/>
+            <a:lvl1pPr algn="l">
               <a:defRPr sz="2000" b="1"/>
             </a:lvl1pPr>
           </a:lstStyle>
           <a:p>
             <a:r>
-              <a:rPr kumimoji="0" lang="zh-TW" altLang="en-US" smtClean="0"/>
-              <a:t>按一下以編輯母片標題樣式</a:t>
-            </a:r>
-            <a:endParaRPr kumimoji="0" lang="en-US"/>
+              <a:rPr lang="en-US" altLang="zh-TW" smtClean="0"/>
+              <a:t>Click to edit Master title style</a:t>
+            </a:r>
+            <a:endParaRPr lang="zh-TW" altLang="en-US"/>
           </a:p>
         </p:txBody>
       </p:sp>
@@ -2252,85 +2331,56 @@
         </p:nvSpPr>
         <p:spPr>
           <a:xfrm>
-            <a:off x="1828800" y="1831975"/>
-            <a:ext cx="5486400" cy="3962400"/>
+            <a:off x="1792288" y="459581"/>
+            <a:ext cx="5486400" cy="3086100"/>
           </a:xfrm>
-          <a:solidFill>
-            <a:schemeClr val="bg2"/>
-          </a:solidFill>
-          <a:ln w="44450" cap="sq" cmpd="sng" algn="ctr">
-            <a:solidFill>
-              <a:srgbClr val="FFFFFF"/>
-            </a:solidFill>
-            <a:prstDash val="solid"/>
-            <a:miter lim="800000"/>
-          </a:ln>
-          <a:effectLst>
-            <a:outerShdw blurRad="190500" dist="228600" dir="2700000" sy="90000">
-              <a:srgbClr val="000000">
-                <a:alpha val="25000"/>
-              </a:srgbClr>
-            </a:outerShdw>
-          </a:effectLst>
-          <a:scene3d>
-            <a:camera prst="orthographicFront">
-              <a:rot lat="0" lon="0" rev="0"/>
-            </a:camera>
-            <a:lightRig rig="balanced" dir="tr">
-              <a:rot lat="0" lon="0" rev="2700000"/>
-            </a:lightRig>
-          </a:scene3d>
-          <a:sp3d prstMaterial="matte">
-            <a:contourClr>
-              <a:schemeClr val="tx2">
-                <a:shade val="50000"/>
-              </a:schemeClr>
-            </a:contourClr>
-          </a:sp3d>
         </p:spPr>
-        <p:style>
-          <a:lnRef idx="3">
-            <a:schemeClr val="lt1"/>
-          </a:lnRef>
-          <a:fillRef idx="1">
-            <a:schemeClr val="accent1"/>
-          </a:fillRef>
-          <a:effectRef idx="1">
-            <a:schemeClr val="accent1"/>
-          </a:effectRef>
-          <a:fontRef idx="minor">
-            <a:schemeClr val="lt1"/>
-          </a:fontRef>
-        </p:style>
-        <p:txBody>
-          <a:bodyPr anchor="t"/>
+        <p:txBody>
+          <a:bodyPr/>
           <a:lstStyle>
-            <a:lvl1pPr indent="0">
+            <a:lvl1pPr marL="0" indent="0">
               <a:buNone/>
               <a:defRPr sz="3200"/>
             </a:lvl1pPr>
+            <a:lvl2pPr marL="457200" indent="0">
+              <a:buNone/>
+              <a:defRPr sz="2800"/>
+            </a:lvl2pPr>
+            <a:lvl3pPr marL="914400" indent="0">
+              <a:buNone/>
+              <a:defRPr sz="2400"/>
+            </a:lvl3pPr>
+            <a:lvl4pPr marL="1371600" indent="0">
+              <a:buNone/>
+              <a:defRPr sz="2000"/>
+            </a:lvl4pPr>
+            <a:lvl5pPr marL="1828800" indent="0">
+              <a:buNone/>
+              <a:defRPr sz="2000"/>
+            </a:lvl5pPr>
+            <a:lvl6pPr marL="2286000" indent="0">
+              <a:buNone/>
+              <a:defRPr sz="2000"/>
+            </a:lvl6pPr>
+            <a:lvl7pPr marL="2743200" indent="0">
+              <a:buNone/>
+              <a:defRPr sz="2000"/>
+            </a:lvl7pPr>
+            <a:lvl8pPr marL="3200400" indent="0">
+              <a:buNone/>
+              <a:defRPr sz="2000"/>
+            </a:lvl8pPr>
+            <a:lvl9pPr marL="3657600" indent="0">
+              <a:buNone/>
+              <a:defRPr sz="2000"/>
+            </a:lvl9pPr>
           </a:lstStyle>
           <a:p>
-            <a:pPr marL="0" algn="l" rtl="0" eaLnBrk="1" latinLnBrk="0" hangingPunct="1"/>
-            <a:r>
-              <a:rPr kumimoji="0" lang="zh-TW" altLang="en-US" smtClean="0">
-                <a:solidFill>
-                  <a:schemeClr val="lt1"/>
-                </a:solidFill>
-                <a:latin typeface="+mn-lt"/>
-                <a:ea typeface="+mn-ea"/>
-                <a:cs typeface="+mn-cs"/>
-              </a:rPr>
-              <a:t>按一下圖示以新增圖片</a:t>
-            </a:r>
-            <a:endParaRPr kumimoji="0" lang="en-US" dirty="0">
-              <a:solidFill>
-                <a:schemeClr val="lt1"/>
-              </a:solidFill>
-              <a:latin typeface="+mn-lt"/>
-              <a:ea typeface="+mn-ea"/>
-              <a:cs typeface="+mn-cs"/>
-            </a:endParaRPr>
+            <a:r>
+              <a:rPr lang="en-US" altLang="zh-TW" smtClean="0"/>
+              <a:t>Click icon to add picture</a:t>
+            </a:r>
+            <a:endParaRPr lang="zh-TW" altLang="en-US"/>
           </a:p>
         </p:txBody>
       </p:sp>
@@ -2346,35 +2396,55 @@
         </p:nvSpPr>
         <p:spPr>
           <a:xfrm>
-            <a:off x="1828800" y="1166787"/>
-            <a:ext cx="5486400" cy="530352"/>
+            <a:off x="1792288" y="4025503"/>
+            <a:ext cx="5486400" cy="603647"/>
           </a:xfrm>
         </p:spPr>
         <p:txBody>
-          <a:bodyPr lIns="45720" tIns="45720" rIns="45720" anchor="t"/>
+          <a:bodyPr/>
           <a:lstStyle>
-            <a:lvl1pPr marL="0" indent="0" algn="ctr">
+            <a:lvl1pPr marL="0" indent="0">
               <a:buNone/>
               <a:defRPr sz="1400"/>
             </a:lvl1pPr>
-            <a:lvl2pPr>
+            <a:lvl2pPr marL="457200" indent="0">
+              <a:buNone/>
               <a:defRPr sz="1200"/>
             </a:lvl2pPr>
-            <a:lvl3pPr>
+            <a:lvl3pPr marL="914400" indent="0">
+              <a:buNone/>
               <a:defRPr sz="1000"/>
             </a:lvl3pPr>
-            <a:lvl4pPr>
+            <a:lvl4pPr marL="1371600" indent="0">
+              <a:buNone/>
               <a:defRPr sz="900"/>
             </a:lvl4pPr>
-            <a:lvl5pPr>
+            <a:lvl5pPr marL="1828800" indent="0">
+              <a:buNone/>
               <a:defRPr sz="900"/>
             </a:lvl5pPr>
+            <a:lvl6pPr marL="2286000" indent="0">
+              <a:buNone/>
+              <a:defRPr sz="900"/>
+            </a:lvl6pPr>
+            <a:lvl7pPr marL="2743200" indent="0">
+              <a:buNone/>
+              <a:defRPr sz="900"/>
+            </a:lvl7pPr>
+            <a:lvl8pPr marL="3200400" indent="0">
+              <a:buNone/>
+              <a:defRPr sz="900"/>
+            </a:lvl8pPr>
+            <a:lvl9pPr marL="3657600" indent="0">
+              <a:buNone/>
+              <a:defRPr sz="900"/>
+            </a:lvl9pPr>
           </a:lstStyle>
           <a:p>
-            <a:pPr lvl="0" eaLnBrk="1" latinLnBrk="0" hangingPunct="1"/>
-            <a:r>
-              <a:rPr kumimoji="0" lang="zh-TW" altLang="en-US" smtClean="0"/>
-              <a:t>按一下以編輯母片文字樣式</a:t>
+            <a:pPr lvl="0"/>
+            <a:r>
+              <a:rPr lang="en-US" altLang="zh-TW" smtClean="0"/>
+              <a:t>Click to edit Master text styles</a:t>
             </a:r>
           </a:p>
         </p:txBody>
@@ -2396,7 +2466,7 @@
           <a:p>
             <a:fld id="{4F8614AA-04F7-4909-9E96-E6B7B3B3B86B}" type="datetimeFigureOut">
               <a:rPr lang="zh-TW" altLang="en-US" smtClean="0"/>
-              <a:t>2016/12/3</a:t>
+              <a:t>2019/9/7</a:t>
             </a:fld>
             <a:endParaRPr lang="zh-TW" altLang="en-US"/>
           </a:p>
@@ -2456,9 +2526,14 @@
 <p:sldMaster xmlns:a="http://schemas.openxmlformats.org/drawingml/2006/main" xmlns:r="http://schemas.openxmlformats.org/officeDocument/2006/relationships" xmlns:p="http://schemas.openxmlformats.org/presentationml/2006/main">
   <p:cSld>
     <p:bg>
-      <p:bgRef idx="1003">
-        <a:schemeClr val="bg2"/>
-      </p:bgRef>
+      <p:bgPr>
+        <a:blipFill dpi="0" rotWithShape="1">
+          <a:blip r:embed="rId13"/>
+          <a:srcRect/>
+          <a:tile tx="0" ty="0" sx="100000" sy="100000" flip="none" algn="tl"/>
+        </a:blipFill>
+        <a:effectLst/>
+      </p:bgPr>
     </p:bg>
     <p:spTree>
       <p:nvGrpSpPr>
@@ -2476,7 +2551,7 @@
       </p:grpSpPr>
       <p:sp>
         <p:nvSpPr>
-          <p:cNvPr id="22" name="標題版面配置區 21"/>
+          <p:cNvPr id="2" name="標題版面配置區 1"/>
           <p:cNvSpPr>
             <a:spLocks noGrp="1"/>
           </p:cNvSpPr>
@@ -2486,39 +2561,30 @@
         </p:nvSpPr>
         <p:spPr>
           <a:xfrm>
-            <a:off x="457200" y="274638"/>
-            <a:ext cx="8229600" cy="1143000"/>
+            <a:off x="457200" y="205979"/>
+            <a:ext cx="8229600" cy="857250"/>
           </a:xfrm>
           <a:prstGeom prst="rect">
             <a:avLst/>
           </a:prstGeom>
         </p:spPr>
         <p:txBody>
-          <a:bodyPr vert="horz" anchor="ctr">
+          <a:bodyPr vert="horz" lIns="91440" tIns="45720" rIns="91440" bIns="45720" rtlCol="0" anchor="ctr">
             <a:normAutofit/>
-            <a:scene3d>
-              <a:camera prst="orthographicFront"/>
-              <a:lightRig rig="soft" dir="t">
-                <a:rot lat="0" lon="0" rev="16800000"/>
-              </a:lightRig>
-            </a:scene3d>
-            <a:sp3d prstMaterial="softEdge">
-              <a:bevelT w="38100" h="38100"/>
-            </a:sp3d>
           </a:bodyPr>
           <a:lstStyle/>
           <a:p>
             <a:r>
-              <a:rPr kumimoji="0" lang="zh-TW" altLang="en-US" smtClean="0"/>
+              <a:rPr lang="zh-TW" altLang="en-US" smtClean="0"/>
               <a:t>按一下以編輯母片標題樣式</a:t>
             </a:r>
-            <a:endParaRPr kumimoji="0" lang="en-US"/>
-          </a:p>
-        </p:txBody>
-      </p:sp>
-      <p:sp>
-        <p:nvSpPr>
-          <p:cNvPr id="13" name="文字版面配置區 12"/>
+            <a:endParaRPr lang="zh-TW" altLang="en-US"/>
+          </a:p>
+        </p:txBody>
+      </p:sp>
+      <p:sp>
+        <p:nvSpPr>
+          <p:cNvPr id="3" name="文字版面配置區 2"/>
           <p:cNvSpPr>
             <a:spLocks noGrp="1"/>
           </p:cNvSpPr>
@@ -2528,59 +2594,59 @@
         </p:nvSpPr>
         <p:spPr>
           <a:xfrm>
-            <a:off x="457200" y="1600200"/>
-            <a:ext cx="8229600" cy="4709160"/>
+            <a:off x="457200" y="1200151"/>
+            <a:ext cx="8229600" cy="3394472"/>
           </a:xfrm>
           <a:prstGeom prst="rect">
             <a:avLst/>
           </a:prstGeom>
         </p:spPr>
         <p:txBody>
-          <a:bodyPr vert="horz">
+          <a:bodyPr vert="horz" lIns="91440" tIns="45720" rIns="91440" bIns="45720" rtlCol="0">
             <a:normAutofit/>
           </a:bodyPr>
           <a:lstStyle/>
           <a:p>
-            <a:pPr lvl="0" eaLnBrk="1" latinLnBrk="0" hangingPunct="1"/>
-            <a:r>
-              <a:rPr kumimoji="0" lang="zh-TW" altLang="en-US" smtClean="0"/>
+            <a:pPr lvl="0"/>
+            <a:r>
+              <a:rPr lang="zh-TW" altLang="en-US" smtClean="0"/>
               <a:t>按一下以編輯母片文字樣式</a:t>
             </a:r>
           </a:p>
           <a:p>
-            <a:pPr lvl="1" eaLnBrk="1" latinLnBrk="0" hangingPunct="1"/>
-            <a:r>
-              <a:rPr kumimoji="0" lang="zh-TW" altLang="en-US" smtClean="0"/>
+            <a:pPr lvl="1"/>
+            <a:r>
+              <a:rPr lang="zh-TW" altLang="en-US" smtClean="0"/>
               <a:t>第二層</a:t>
             </a:r>
           </a:p>
           <a:p>
-            <a:pPr lvl="2" eaLnBrk="1" latinLnBrk="0" hangingPunct="1"/>
-            <a:r>
-              <a:rPr kumimoji="0" lang="zh-TW" altLang="en-US" smtClean="0"/>
+            <a:pPr lvl="2"/>
+            <a:r>
+              <a:rPr lang="zh-TW" altLang="en-US" smtClean="0"/>
               <a:t>第三層</a:t>
             </a:r>
           </a:p>
           <a:p>
-            <a:pPr lvl="3" eaLnBrk="1" latinLnBrk="0" hangingPunct="1"/>
-            <a:r>
-              <a:rPr kumimoji="0" lang="zh-TW" altLang="en-US" smtClean="0"/>
+            <a:pPr lvl="3"/>
+            <a:r>
+              <a:rPr lang="zh-TW" altLang="en-US" smtClean="0"/>
               <a:t>第四層</a:t>
             </a:r>
           </a:p>
           <a:p>
-            <a:pPr lvl="4" eaLnBrk="1" latinLnBrk="0" hangingPunct="1"/>
-            <a:r>
-              <a:rPr kumimoji="0" lang="zh-TW" altLang="en-US" smtClean="0"/>
+            <a:pPr lvl="4"/>
+            <a:r>
+              <a:rPr lang="zh-TW" altLang="en-US" smtClean="0"/>
               <a:t>第五層</a:t>
             </a:r>
-            <a:endParaRPr kumimoji="0" lang="en-US"/>
-          </a:p>
-        </p:txBody>
-      </p:sp>
-      <p:sp>
-        <p:nvSpPr>
-          <p:cNvPr id="14" name="日期版面配置區 13"/>
+            <a:endParaRPr lang="zh-TW" altLang="en-US"/>
+          </a:p>
+        </p:txBody>
+      </p:sp>
+      <p:sp>
+        <p:nvSpPr>
+          <p:cNvPr id="4" name="日期版面配置區 3"/>
           <p:cNvSpPr>
             <a:spLocks noGrp="1"/>
           </p:cNvSpPr>
@@ -2590,21 +2656,21 @@
         </p:nvSpPr>
         <p:spPr>
           <a:xfrm>
-            <a:off x="457200" y="6416675"/>
-            <a:ext cx="2133600" cy="365125"/>
+            <a:off x="457200" y="4767263"/>
+            <a:ext cx="2133600" cy="273844"/>
           </a:xfrm>
           <a:prstGeom prst="rect">
             <a:avLst/>
           </a:prstGeom>
         </p:spPr>
         <p:txBody>
-          <a:bodyPr vert="horz" anchor="b"/>
+          <a:bodyPr vert="horz" lIns="91440" tIns="45720" rIns="91440" bIns="45720" rtlCol="0" anchor="ctr"/>
           <a:lstStyle>
-            <a:lvl1pPr algn="l" eaLnBrk="1" latinLnBrk="0" hangingPunct="1">
-              <a:defRPr kumimoji="0" sz="1200">
+            <a:lvl1pPr algn="l">
+              <a:defRPr sz="1200">
                 <a:solidFill>
                   <a:schemeClr val="tx1">
-                    <a:shade val="50000"/>
+                    <a:tint val="75000"/>
                   </a:schemeClr>
                 </a:solidFill>
               </a:defRPr>
@@ -2613,7 +2679,7 @@
           <a:p>
             <a:fld id="{4F8614AA-04F7-4909-9E96-E6B7B3B3B86B}" type="datetimeFigureOut">
               <a:rPr lang="zh-TW" altLang="en-US" smtClean="0"/>
-              <a:t>2016/12/3</a:t>
+              <a:t>2019/9/7</a:t>
             </a:fld>
             <a:endParaRPr lang="zh-TW" altLang="en-US"/>
           </a:p>
@@ -2621,7 +2687,7 @@
       </p:sp>
       <p:sp>
         <p:nvSpPr>
-          <p:cNvPr id="3" name="頁尾版面配置區 2"/>
+          <p:cNvPr id="5" name="頁尾版面配置區 4"/>
           <p:cNvSpPr>
             <a:spLocks noGrp="1"/>
           </p:cNvSpPr>
@@ -2631,21 +2697,21 @@
         </p:nvSpPr>
         <p:spPr>
           <a:xfrm>
-            <a:off x="3124200" y="6416675"/>
-            <a:ext cx="2895600" cy="365125"/>
+            <a:off x="3124200" y="4767263"/>
+            <a:ext cx="2895600" cy="273844"/>
           </a:xfrm>
           <a:prstGeom prst="rect">
             <a:avLst/>
           </a:prstGeom>
         </p:spPr>
         <p:txBody>
-          <a:bodyPr vert="horz" anchor="b"/>
+          <a:bodyPr vert="horz" lIns="91440" tIns="45720" rIns="91440" bIns="45720" rtlCol="0" anchor="ctr"/>
           <a:lstStyle>
-            <a:lvl1pPr algn="ctr" eaLnBrk="1" latinLnBrk="0" hangingPunct="1">
-              <a:defRPr kumimoji="0" sz="1200">
+            <a:lvl1pPr algn="ctr">
+              <a:defRPr sz="1200">
                 <a:solidFill>
                   <a:schemeClr val="tx1">
-                    <a:shade val="50000"/>
+                    <a:tint val="75000"/>
                   </a:schemeClr>
                 </a:solidFill>
               </a:defRPr>
@@ -2658,7 +2724,7 @@
       </p:sp>
       <p:sp>
         <p:nvSpPr>
-          <p:cNvPr id="23" name="投影片編號版面配置區 22"/>
+          <p:cNvPr id="6" name="投影片編號版面配置區 5"/>
           <p:cNvSpPr>
             <a:spLocks noGrp="1"/>
           </p:cNvSpPr>
@@ -2668,21 +2734,21 @@
         </p:nvSpPr>
         <p:spPr>
           <a:xfrm>
-            <a:off x="7924800" y="6416675"/>
-            <a:ext cx="762000" cy="365125"/>
+            <a:off x="6553200" y="4767263"/>
+            <a:ext cx="2133600" cy="273844"/>
           </a:xfrm>
           <a:prstGeom prst="rect">
             <a:avLst/>
           </a:prstGeom>
         </p:spPr>
         <p:txBody>
-          <a:bodyPr vert="horz" lIns="0" rIns="0" anchor="b"/>
+          <a:bodyPr vert="horz" lIns="91440" tIns="45720" rIns="91440" bIns="45720" rtlCol="0" anchor="ctr"/>
           <a:lstStyle>
-            <a:lvl1pPr algn="r" eaLnBrk="1" latinLnBrk="0" hangingPunct="1">
-              <a:defRPr kumimoji="0" sz="1200">
+            <a:lvl1pPr algn="r">
+              <a:defRPr sz="1200">
                 <a:solidFill>
                   <a:schemeClr val="tx1">
-                    <a:shade val="50000"/>
+                    <a:tint val="75000"/>
                   </a:schemeClr>
                 </a:solidFill>
               </a:defRPr>
@@ -2699,61 +2765,31 @@
       </p:sp>
     </p:spTree>
   </p:cSld>
-  <p:clrMap bg1="dk1" tx1="lt1" bg2="dk2" tx2="lt2" accent1="accent1" accent2="accent2" accent3="accent3" accent4="accent4" accent5="accent5" accent6="accent6" hlink="hlink" folHlink="folHlink"/>
+  <p:clrMap bg1="lt1" tx1="dk1" bg2="lt2" tx2="dk2" accent1="accent1" accent2="accent2" accent3="accent3" accent4="accent4" accent5="accent5" accent6="accent6" hlink="hlink" folHlink="folHlink"/>
   <p:sldLayoutIdLst>
-    <p:sldLayoutId id="2147483661" r:id="rId1"/>
-    <p:sldLayoutId id="2147483662" r:id="rId2"/>
-    <p:sldLayoutId id="2147483663" r:id="rId3"/>
-    <p:sldLayoutId id="2147483664" r:id="rId4"/>
-    <p:sldLayoutId id="2147483665" r:id="rId5"/>
-    <p:sldLayoutId id="2147483666" r:id="rId6"/>
-    <p:sldLayoutId id="2147483667" r:id="rId7"/>
-    <p:sldLayoutId id="2147483668" r:id="rId8"/>
-    <p:sldLayoutId id="2147483669" r:id="rId9"/>
-    <p:sldLayoutId id="2147483670" r:id="rId10"/>
-    <p:sldLayoutId id="2147483671" r:id="rId11"/>
+    <p:sldLayoutId id="2147483673" r:id="rId1"/>
+    <p:sldLayoutId id="2147483674" r:id="rId2"/>
+    <p:sldLayoutId id="2147483675" r:id="rId3"/>
+    <p:sldLayoutId id="2147483676" r:id="rId4"/>
+    <p:sldLayoutId id="2147483677" r:id="rId5"/>
+    <p:sldLayoutId id="2147483678" r:id="rId6"/>
+    <p:sldLayoutId id="2147483679" r:id="rId7"/>
+    <p:sldLayoutId id="2147483680" r:id="rId8"/>
+    <p:sldLayoutId id="2147483681" r:id="rId9"/>
+    <p:sldLayoutId id="2147483682" r:id="rId10"/>
+    <p:sldLayoutId id="2147483683" r:id="rId11"/>
   </p:sldLayoutIdLst>
   <p:txStyles>
     <p:titleStyle>
-      <a:lvl1pPr algn="ctr" rtl="0" eaLnBrk="1" latinLnBrk="0" hangingPunct="1">
+      <a:lvl1pPr algn="ctr" defTabSz="914400" rtl="0" eaLnBrk="1" latinLnBrk="0" hangingPunct="1">
         <a:spcBef>
           <a:spcPct val="0"/>
         </a:spcBef>
         <a:buNone/>
-        <a:defRPr kumimoji="0" sz="4100" b="1" kern="1200" cap="none" baseline="0">
-          <a:ln w="6350">
-            <a:noFill/>
-          </a:ln>
-          <a:gradFill>
-            <a:gsLst>
-              <a:gs pos="0">
-                <a:schemeClr val="accent1">
-                  <a:tint val="73000"/>
-                  <a:satMod val="145000"/>
-                </a:schemeClr>
-              </a:gs>
-              <a:gs pos="73000">
-                <a:schemeClr val="accent1">
-                  <a:tint val="73000"/>
-                  <a:satMod val="145000"/>
-                </a:schemeClr>
-              </a:gs>
-              <a:gs pos="100000">
-                <a:schemeClr val="accent1">
-                  <a:tint val="83000"/>
-                  <a:satMod val="143000"/>
-                </a:schemeClr>
-              </a:gs>
-            </a:gsLst>
-            <a:lin ang="4800000" scaled="1"/>
-          </a:gradFill>
-          <a:effectLst>
-            <a:outerShdw blurRad="114300" dist="101600" dir="2700000" algn="tl" rotWithShape="0">
-              <a:srgbClr val="000000">
-                <a:alpha val="40000"/>
-              </a:srgbClr>
-            </a:outerShdw>
-          </a:effectLst>
+        <a:defRPr sz="4400" kern="1200">
+          <a:solidFill>
+            <a:schemeClr val="tx1"/>
+          </a:solidFill>
           <a:latin typeface="+mj-lt"/>
           <a:ea typeface="+mj-ea"/>
           <a:cs typeface="+mj-cs"/>
@@ -2761,19 +2797,13 @@
       </a:lvl1pPr>
     </p:titleStyle>
     <p:bodyStyle>
-      <a:lvl1pPr marL="548640" indent="-411480" algn="l" rtl="0" eaLnBrk="1" latinLnBrk="0" hangingPunct="1">
+      <a:lvl1pPr marL="342900" indent="-342900" algn="l" defTabSz="914400" rtl="0" eaLnBrk="1" latinLnBrk="0" hangingPunct="1">
         <a:spcBef>
           <a:spcPct val="20000"/>
         </a:spcBef>
-        <a:buClr>
-          <a:schemeClr val="tx1">
-            <a:shade val="95000"/>
-          </a:schemeClr>
-        </a:buClr>
-        <a:buSzPct val="65000"/>
-        <a:buFont typeface="Wingdings 2"/>
-        <a:buChar char=""/>
-        <a:defRPr kumimoji="0" sz="2800" kern="1200">
+        <a:buFont typeface="Arial" pitchFamily="34" charset="0"/>
+        <a:buChar char="•"/>
+        <a:defRPr sz="3200" kern="1200">
           <a:solidFill>
             <a:schemeClr val="tx1"/>
           </a:solidFill>
@@ -2782,17 +2812,13 @@
           <a:cs typeface="+mn-cs"/>
         </a:defRPr>
       </a:lvl1pPr>
-      <a:lvl2pPr marL="868680" indent="-283464" algn="l" rtl="0" eaLnBrk="1" latinLnBrk="0" hangingPunct="1">
+      <a:lvl2pPr marL="742950" indent="-285750" algn="l" defTabSz="914400" rtl="0" eaLnBrk="1" latinLnBrk="0" hangingPunct="1">
         <a:spcBef>
           <a:spcPct val="20000"/>
         </a:spcBef>
-        <a:buClr>
-          <a:schemeClr val="tx1"/>
-        </a:buClr>
-        <a:buSzPct val="80000"/>
-        <a:buFont typeface="Wingdings 2"/>
-        <a:buChar char=""/>
-        <a:defRPr kumimoji="0" sz="2400" kern="1200">
+        <a:buFont typeface="Arial" pitchFamily="34" charset="0"/>
+        <a:buChar char="–"/>
+        <a:defRPr sz="2800" kern="1200">
           <a:solidFill>
             <a:schemeClr val="tx1"/>
           </a:solidFill>
@@ -2801,17 +2827,13 @@
           <a:cs typeface="+mn-cs"/>
         </a:defRPr>
       </a:lvl2pPr>
-      <a:lvl3pPr marL="1133856" indent="-228600" algn="l" rtl="0" eaLnBrk="1" latinLnBrk="0" hangingPunct="1">
+      <a:lvl3pPr marL="1143000" indent="-228600" algn="l" defTabSz="914400" rtl="0" eaLnBrk="1" latinLnBrk="0" hangingPunct="1">
         <a:spcBef>
           <a:spcPct val="20000"/>
         </a:spcBef>
-        <a:buClr>
-          <a:schemeClr val="tx1"/>
-        </a:buClr>
-        <a:buSzPct val="95000"/>
-        <a:buFont typeface="Wingdings"/>
-        <a:buChar char=""/>
-        <a:defRPr kumimoji="0" sz="2200" kern="1200">
+        <a:buFont typeface="Arial" pitchFamily="34" charset="0"/>
+        <a:buChar char="•"/>
+        <a:defRPr sz="2400" kern="1200">
           <a:solidFill>
             <a:schemeClr val="tx1"/>
           </a:solidFill>
@@ -2820,17 +2842,13 @@
           <a:cs typeface="+mn-cs"/>
         </a:defRPr>
       </a:lvl3pPr>
-      <a:lvl4pPr marL="1353312" indent="-182880" algn="l" rtl="0" eaLnBrk="1" latinLnBrk="0" hangingPunct="1">
+      <a:lvl4pPr marL="1600200" indent="-228600" algn="l" defTabSz="914400" rtl="0" eaLnBrk="1" latinLnBrk="0" hangingPunct="1">
         <a:spcBef>
           <a:spcPct val="20000"/>
         </a:spcBef>
-        <a:buClr>
-          <a:schemeClr val="tx1"/>
-        </a:buClr>
-        <a:buSzPct val="100000"/>
-        <a:buFont typeface="Wingdings 3"/>
-        <a:buChar char=""/>
-        <a:defRPr kumimoji="0" sz="2000" kern="1200">
+        <a:buFont typeface="Arial" pitchFamily="34" charset="0"/>
+        <a:buChar char="–"/>
+        <a:defRPr sz="2000" kern="1200">
           <a:solidFill>
             <a:schemeClr val="tx1"/>
           </a:solidFill>
@@ -2839,16 +2857,13 @@
           <a:cs typeface="+mn-cs"/>
         </a:defRPr>
       </a:lvl4pPr>
-      <a:lvl5pPr marL="1545336" indent="-182880" algn="l" rtl="0" eaLnBrk="1" latinLnBrk="0" hangingPunct="1">
+      <a:lvl5pPr marL="2057400" indent="-228600" algn="l" defTabSz="914400" rtl="0" eaLnBrk="1" latinLnBrk="0" hangingPunct="1">
         <a:spcBef>
           <a:spcPct val="20000"/>
         </a:spcBef>
-        <a:buClr>
-          <a:schemeClr val="tx1"/>
-        </a:buClr>
-        <a:buFont typeface="Wingdings 2"/>
-        <a:buChar char=""/>
-        <a:defRPr kumimoji="0" sz="2000" kern="1200">
+        <a:buFont typeface="Arial" pitchFamily="34" charset="0"/>
+        <a:buChar char="»"/>
+        <a:defRPr sz="2000" kern="1200">
           <a:solidFill>
             <a:schemeClr val="tx1"/>
           </a:solidFill>
@@ -2857,16 +2872,13 @@
           <a:cs typeface="+mn-cs"/>
         </a:defRPr>
       </a:lvl5pPr>
-      <a:lvl6pPr marL="1764792" indent="-182880" algn="l" rtl="0" eaLnBrk="1" latinLnBrk="0" hangingPunct="1">
+      <a:lvl6pPr marL="2514600" indent="-228600" algn="l" defTabSz="914400" rtl="0" eaLnBrk="1" latinLnBrk="0" hangingPunct="1">
         <a:spcBef>
           <a:spcPct val="20000"/>
         </a:spcBef>
-        <a:buClr>
-          <a:schemeClr val="tx1"/>
-        </a:buClr>
-        <a:buFont typeface="Wingdings 3"/>
-        <a:buChar char=""/>
-        <a:defRPr kumimoji="0" sz="1800" kern="1200">
+        <a:buFont typeface="Arial" pitchFamily="34" charset="0"/>
+        <a:buChar char="•"/>
+        <a:defRPr sz="2000" kern="1200">
           <a:solidFill>
             <a:schemeClr val="tx1"/>
           </a:solidFill>
@@ -2875,16 +2887,13 @@
           <a:cs typeface="+mn-cs"/>
         </a:defRPr>
       </a:lvl6pPr>
-      <a:lvl7pPr marL="1965960" indent="-182880" algn="l" rtl="0" eaLnBrk="1" latinLnBrk="0" hangingPunct="1">
+      <a:lvl7pPr marL="2971800" indent="-228600" algn="l" defTabSz="914400" rtl="0" eaLnBrk="1" latinLnBrk="0" hangingPunct="1">
         <a:spcBef>
           <a:spcPct val="20000"/>
         </a:spcBef>
-        <a:buClr>
-          <a:schemeClr val="tx1"/>
-        </a:buClr>
-        <a:buFont typeface="Wingdings 2"/>
-        <a:buChar char=""/>
-        <a:defRPr kumimoji="0" sz="1600" kern="1200">
+        <a:buFont typeface="Arial" pitchFamily="34" charset="0"/>
+        <a:buChar char="•"/>
+        <a:defRPr sz="2000" kern="1200">
           <a:solidFill>
             <a:schemeClr val="tx1"/>
           </a:solidFill>
@@ -2893,16 +2902,13 @@
           <a:cs typeface="+mn-cs"/>
         </a:defRPr>
       </a:lvl7pPr>
-      <a:lvl8pPr marL="2167128" indent="-182880" algn="l" rtl="0" eaLnBrk="1" latinLnBrk="0" hangingPunct="1">
+      <a:lvl8pPr marL="3429000" indent="-228600" algn="l" defTabSz="914400" rtl="0" eaLnBrk="1" latinLnBrk="0" hangingPunct="1">
         <a:spcBef>
           <a:spcPct val="20000"/>
         </a:spcBef>
-        <a:buClr>
-          <a:schemeClr val="tx1"/>
-        </a:buClr>
-        <a:buFont typeface="Wingdings 2"/>
-        <a:buChar char=""/>
-        <a:defRPr kumimoji="0" sz="1400" kern="1200">
+        <a:buFont typeface="Arial" pitchFamily="34" charset="0"/>
+        <a:buChar char="•"/>
+        <a:defRPr sz="2000" kern="1200">
           <a:solidFill>
             <a:schemeClr val="tx1"/>
           </a:solidFill>
@@ -2911,16 +2917,13 @@
           <a:cs typeface="+mn-cs"/>
         </a:defRPr>
       </a:lvl8pPr>
-      <a:lvl9pPr marL="2368296" indent="-182880" algn="l" rtl="0" eaLnBrk="1" latinLnBrk="0" hangingPunct="1">
+      <a:lvl9pPr marL="3886200" indent="-228600" algn="l" defTabSz="914400" rtl="0" eaLnBrk="1" latinLnBrk="0" hangingPunct="1">
         <a:spcBef>
           <a:spcPct val="20000"/>
         </a:spcBef>
-        <a:buClr>
-          <a:schemeClr val="tx1"/>
-        </a:buClr>
-        <a:buFont typeface="Wingdings 2"/>
-        <a:buChar char=""/>
-        <a:defRPr kumimoji="0" sz="1400" kern="1200" baseline="0">
+        <a:buFont typeface="Arial" pitchFamily="34" charset="0"/>
+        <a:buChar char="•"/>
+        <a:defRPr sz="2000" kern="1200">
           <a:solidFill>
             <a:schemeClr val="tx1"/>
           </a:solidFill>
@@ -2931,8 +2934,11 @@
       </a:lvl9pPr>
     </p:bodyStyle>
     <p:otherStyle>
-      <a:lvl1pPr marL="0" algn="l" rtl="0" eaLnBrk="1" latinLnBrk="0" hangingPunct="1">
-        <a:defRPr kumimoji="0" kern="1200">
+      <a:defPPr>
+        <a:defRPr lang="zh-TW"/>
+      </a:defPPr>
+      <a:lvl1pPr marL="0" algn="l" defTabSz="914400" rtl="0" eaLnBrk="1" latinLnBrk="0" hangingPunct="1">
+        <a:defRPr sz="1800" kern="1200">
           <a:solidFill>
             <a:schemeClr val="tx1"/>
           </a:solidFill>
@@ -2941,8 +2947,8 @@
           <a:cs typeface="+mn-cs"/>
         </a:defRPr>
       </a:lvl1pPr>
-      <a:lvl2pPr marL="457200" algn="l" rtl="0" eaLnBrk="1" latinLnBrk="0" hangingPunct="1">
-        <a:defRPr kumimoji="0" kern="1200">
+      <a:lvl2pPr marL="457200" algn="l" defTabSz="914400" rtl="0" eaLnBrk="1" latinLnBrk="0" hangingPunct="1">
+        <a:defRPr sz="1800" kern="1200">
           <a:solidFill>
             <a:schemeClr val="tx1"/>
           </a:solidFill>
@@ -2951,8 +2957,8 @@
           <a:cs typeface="+mn-cs"/>
         </a:defRPr>
       </a:lvl2pPr>
-      <a:lvl3pPr marL="914400" algn="l" rtl="0" eaLnBrk="1" latinLnBrk="0" hangingPunct="1">
-        <a:defRPr kumimoji="0" kern="1200">
+      <a:lvl3pPr marL="914400" algn="l" defTabSz="914400" rtl="0" eaLnBrk="1" latinLnBrk="0" hangingPunct="1">
+        <a:defRPr sz="1800" kern="1200">
           <a:solidFill>
             <a:schemeClr val="tx1"/>
           </a:solidFill>
@@ -2961,8 +2967,8 @@
           <a:cs typeface="+mn-cs"/>
         </a:defRPr>
       </a:lvl3pPr>
-      <a:lvl4pPr marL="1371600" algn="l" rtl="0" eaLnBrk="1" latinLnBrk="0" hangingPunct="1">
-        <a:defRPr kumimoji="0" kern="1200">
+      <a:lvl4pPr marL="1371600" algn="l" defTabSz="914400" rtl="0" eaLnBrk="1" latinLnBrk="0" hangingPunct="1">
+        <a:defRPr sz="1800" kern="1200">
           <a:solidFill>
             <a:schemeClr val="tx1"/>
           </a:solidFill>
@@ -2971,8 +2977,8 @@
           <a:cs typeface="+mn-cs"/>
         </a:defRPr>
       </a:lvl4pPr>
-      <a:lvl5pPr marL="1828800" algn="l" rtl="0" eaLnBrk="1" latinLnBrk="0" hangingPunct="1">
-        <a:defRPr kumimoji="0" kern="1200">
+      <a:lvl5pPr marL="1828800" algn="l" defTabSz="914400" rtl="0" eaLnBrk="1" latinLnBrk="0" hangingPunct="1">
+        <a:defRPr sz="1800" kern="1200">
           <a:solidFill>
             <a:schemeClr val="tx1"/>
           </a:solidFill>
@@ -2981,8 +2987,8 @@
           <a:cs typeface="+mn-cs"/>
         </a:defRPr>
       </a:lvl5pPr>
-      <a:lvl6pPr marL="2286000" algn="l" rtl="0" eaLnBrk="1" latinLnBrk="0" hangingPunct="1">
-        <a:defRPr kumimoji="0" kern="1200">
+      <a:lvl6pPr marL="2286000" algn="l" defTabSz="914400" rtl="0" eaLnBrk="1" latinLnBrk="0" hangingPunct="1">
+        <a:defRPr sz="1800" kern="1200">
           <a:solidFill>
             <a:schemeClr val="tx1"/>
           </a:solidFill>
@@ -2991,8 +2997,8 @@
           <a:cs typeface="+mn-cs"/>
         </a:defRPr>
       </a:lvl6pPr>
-      <a:lvl7pPr marL="2743200" algn="l" rtl="0" eaLnBrk="1" latinLnBrk="0" hangingPunct="1">
-        <a:defRPr kumimoji="0" kern="1200">
+      <a:lvl7pPr marL="2743200" algn="l" defTabSz="914400" rtl="0" eaLnBrk="1" latinLnBrk="0" hangingPunct="1">
+        <a:defRPr sz="1800" kern="1200">
           <a:solidFill>
             <a:schemeClr val="tx1"/>
           </a:solidFill>
@@ -3001,8 +3007,8 @@
           <a:cs typeface="+mn-cs"/>
         </a:defRPr>
       </a:lvl7pPr>
-      <a:lvl8pPr marL="3200400" algn="l" rtl="0" eaLnBrk="1" latinLnBrk="0" hangingPunct="1">
-        <a:defRPr kumimoji="0" kern="1200">
+      <a:lvl8pPr marL="3200400" algn="l" defTabSz="914400" rtl="0" eaLnBrk="1" latinLnBrk="0" hangingPunct="1">
+        <a:defRPr sz="1800" kern="1200">
           <a:solidFill>
             <a:schemeClr val="tx1"/>
           </a:solidFill>
@@ -3011,8 +3017,8 @@
           <a:cs typeface="+mn-cs"/>
         </a:defRPr>
       </a:lvl8pPr>
-      <a:lvl9pPr marL="3657600" algn="l" rtl="0" eaLnBrk="1" latinLnBrk="0" hangingPunct="1">
-        <a:defRPr kumimoji="0" kern="1200">
+      <a:lvl9pPr marL="3657600" algn="l" defTabSz="914400" rtl="0" eaLnBrk="1" latinLnBrk="0" hangingPunct="1">
+        <a:defRPr sz="1800" kern="1200">
           <a:solidFill>
             <a:schemeClr val="tx1"/>
           </a:solidFill>
@@ -3055,47 +3061,49 @@
         </p:nvSpPr>
         <p:spPr/>
         <p:txBody>
-          <a:bodyPr/>
-          <a:lstStyle/>
-          <a:p>
-            <a:r>
-              <a:rPr lang="zh-CN" altLang="en-US" dirty="0" smtClean="0">
-                <a:latin typeface="標楷體" pitchFamily="65" charset="-120"/>
-                <a:ea typeface="標楷體" pitchFamily="65" charset="-120"/>
-              </a:rPr>
-              <a:t>美麗聖誕明星</a:t>
-            </a:r>
-            <a:endParaRPr lang="zh-TW" altLang="en-US" dirty="0">
-              <a:latin typeface="標楷體" pitchFamily="65" charset="-120"/>
-              <a:ea typeface="標楷體" pitchFamily="65" charset="-120"/>
-            </a:endParaRPr>
-          </a:p>
-        </p:txBody>
-      </p:sp>
-      <p:sp>
-        <p:nvSpPr>
-          <p:cNvPr id="5" name="內容版面配置區 4"/>
-          <p:cNvSpPr>
-            <a:spLocks noGrp="1"/>
-          </p:cNvSpPr>
-          <p:nvPr>
-            <p:ph idx="1"/>
-          </p:nvPr>
-        </p:nvSpPr>
-        <p:spPr/>
-        <p:txBody>
           <a:bodyPr>
             <a:normAutofit/>
           </a:bodyPr>
           <a:lstStyle/>
           <a:p>
+            <a:r>
+              <a:rPr lang="zh-CN" altLang="en-US" sz="4000" b="1" dirty="0">
+                <a:latin typeface="Microsoft JhengHei" pitchFamily="34" charset="-120"/>
+                <a:ea typeface="Microsoft JhengHei" pitchFamily="34" charset="-120"/>
+              </a:rPr>
+              <a:t>美麗聖誕明星</a:t>
+            </a:r>
+            <a:endParaRPr lang="zh-TW" altLang="en-US" sz="4000" b="1" dirty="0">
+              <a:latin typeface="Microsoft JhengHei" pitchFamily="34" charset="-120"/>
+              <a:ea typeface="Microsoft JhengHei" pitchFamily="34" charset="-120"/>
+            </a:endParaRPr>
+          </a:p>
+        </p:txBody>
+      </p:sp>
+      <p:sp>
+        <p:nvSpPr>
+          <p:cNvPr id="5" name="內容版面配置區 4"/>
+          <p:cNvSpPr>
+            <a:spLocks noGrp="1"/>
+          </p:cNvSpPr>
+          <p:nvPr>
+            <p:ph idx="1"/>
+          </p:nvPr>
+        </p:nvSpPr>
+        <p:spPr/>
+        <p:txBody>
+          <a:bodyPr>
+            <a:noAutofit/>
+          </a:bodyPr>
+          <a:lstStyle/>
+          <a:p>
             <a:pPr algn="ctr">
               <a:buNone/>
             </a:pPr>
             <a:r>
-              <a:rPr lang="zh-TW" altLang="en-US" sz="5400" dirty="0">
-                <a:latin typeface="標楷體" pitchFamily="65" charset="-120"/>
-                <a:ea typeface="標楷體" pitchFamily="65" charset="-120"/>
+              <a:rPr lang="zh-TW" altLang="en-US" sz="4800" b="1" dirty="0">
+                <a:latin typeface="Microsoft JhengHei" pitchFamily="34" charset="-120"/>
+                <a:ea typeface="Microsoft JhengHei" pitchFamily="34" charset="-120"/>
               </a:rPr>
               <a:t>普天歡騰同聲歌頌</a:t>
             </a:r>
@@ -3105,9 +3113,9 @@
               <a:buNone/>
             </a:pPr>
             <a:r>
-              <a:rPr lang="zh-TW" altLang="en-US" sz="5400" dirty="0">
-                <a:latin typeface="標楷體" pitchFamily="65" charset="-120"/>
-                <a:ea typeface="標楷體" pitchFamily="65" charset="-120"/>
+              <a:rPr lang="zh-TW" altLang="en-US" sz="4800" b="1" dirty="0">
+                <a:latin typeface="Microsoft JhengHei" pitchFamily="34" charset="-120"/>
+                <a:ea typeface="Microsoft JhengHei" pitchFamily="34" charset="-120"/>
               </a:rPr>
               <a:t>救恩賜下人間</a:t>
             </a:r>
@@ -3117,9 +3125,9 @@
               <a:buNone/>
             </a:pPr>
             <a:r>
-              <a:rPr lang="zh-TW" altLang="en-US" sz="5400" dirty="0">
-                <a:latin typeface="標楷體" pitchFamily="65" charset="-120"/>
-                <a:ea typeface="標楷體" pitchFamily="65" charset="-120"/>
+              <a:rPr lang="zh-TW" altLang="en-US" sz="4800" b="1" dirty="0">
+                <a:latin typeface="Microsoft JhengHei" pitchFamily="34" charset="-120"/>
+                <a:ea typeface="Microsoft JhengHei" pitchFamily="34" charset="-120"/>
               </a:rPr>
               <a:t>牧場鬧市 貧寒農村</a:t>
             </a:r>
@@ -3129,22 +3137,58 @@
               <a:buNone/>
             </a:pPr>
             <a:r>
-              <a:rPr lang="zh-TW" altLang="en-US" sz="5400" dirty="0">
-                <a:latin typeface="標楷體" pitchFamily="65" charset="-120"/>
-                <a:ea typeface="標楷體" pitchFamily="65" charset="-120"/>
+              <a:rPr lang="zh-TW" altLang="en-US" sz="4800" b="1" dirty="0">
+                <a:latin typeface="Microsoft JhengHei" pitchFamily="34" charset="-120"/>
+                <a:ea typeface="Microsoft JhengHei" pitchFamily="34" charset="-120"/>
               </a:rPr>
               <a:t>滄海也見大</a:t>
             </a:r>
             <a:r>
-              <a:rPr lang="zh-TW" altLang="en-US" sz="5400" dirty="0" smtClean="0">
-                <a:latin typeface="標楷體" pitchFamily="65" charset="-120"/>
-                <a:ea typeface="標楷體" pitchFamily="65" charset="-120"/>
+              <a:rPr lang="zh-TW" altLang="en-US" sz="4800" b="1" dirty="0">
+                <a:latin typeface="Microsoft JhengHei" pitchFamily="34" charset="-120"/>
+                <a:ea typeface="Microsoft JhengHei" pitchFamily="34" charset="-120"/>
               </a:rPr>
               <a:t>光</a:t>
             </a:r>
-            <a:endParaRPr lang="zh-TW" altLang="en-US" sz="5400" dirty="0">
-              <a:latin typeface="標楷體" pitchFamily="65" charset="-120"/>
-              <a:ea typeface="標楷體" pitchFamily="65" charset="-120"/>
+            <a:endParaRPr lang="zh-TW" altLang="en-US" sz="4800" b="1" dirty="0">
+              <a:latin typeface="Microsoft JhengHei" pitchFamily="34" charset="-120"/>
+              <a:ea typeface="Microsoft JhengHei" pitchFamily="34" charset="-120"/>
+            </a:endParaRPr>
+          </a:p>
+        </p:txBody>
+      </p:sp>
+      <p:sp>
+        <p:nvSpPr>
+          <p:cNvPr id="2" name="TextBox 1"/>
+          <p:cNvSpPr txBox="1"/>
+          <p:nvPr/>
+        </p:nvSpPr>
+        <p:spPr>
+          <a:xfrm>
+            <a:off x="1403648" y="1275606"/>
+            <a:ext cx="720080" cy="707886"/>
+          </a:xfrm>
+          <a:prstGeom prst="rect">
+            <a:avLst/>
+          </a:prstGeom>
+          <a:noFill/>
+        </p:spPr>
+        <p:txBody>
+          <a:bodyPr wrap="square" rtlCol="0">
+            <a:spAutoFit/>
+          </a:bodyPr>
+          <a:lstStyle/>
+          <a:p>
+            <a:r>
+              <a:rPr lang="en-US" altLang="zh-CN" sz="4000" b="1" dirty="0">
+                <a:latin typeface="Microsoft JhengHei" pitchFamily="34" charset="-120"/>
+                <a:ea typeface="Microsoft JhengHei" pitchFamily="34" charset="-120"/>
+              </a:rPr>
+              <a:t>1.</a:t>
+            </a:r>
+            <a:endParaRPr lang="en-US" sz="4000" b="1" dirty="0">
+              <a:latin typeface="Microsoft JhengHei" pitchFamily="34" charset="-120"/>
+              <a:ea typeface="Microsoft JhengHei" pitchFamily="34" charset="-120"/>
             </a:endParaRPr>
           </a:p>
         </p:txBody>
@@ -3186,47 +3230,49 @@
         </p:nvSpPr>
         <p:spPr/>
         <p:txBody>
-          <a:bodyPr/>
-          <a:lstStyle/>
-          <a:p>
-            <a:r>
-              <a:rPr lang="zh-CN" altLang="en-US" dirty="0" smtClean="0">
-                <a:latin typeface="標楷體" pitchFamily="65" charset="-120"/>
-                <a:ea typeface="標楷體" pitchFamily="65" charset="-120"/>
-              </a:rPr>
-              <a:t>美麗聖誕明星</a:t>
-            </a:r>
-            <a:endParaRPr lang="zh-TW" altLang="en-US" dirty="0">
-              <a:latin typeface="標楷體" pitchFamily="65" charset="-120"/>
-              <a:ea typeface="標楷體" pitchFamily="65" charset="-120"/>
-            </a:endParaRPr>
-          </a:p>
-        </p:txBody>
-      </p:sp>
-      <p:sp>
-        <p:nvSpPr>
-          <p:cNvPr id="5" name="內容版面配置區 4"/>
-          <p:cNvSpPr>
-            <a:spLocks noGrp="1"/>
-          </p:cNvSpPr>
-          <p:nvPr>
-            <p:ph idx="1"/>
-          </p:nvPr>
-        </p:nvSpPr>
-        <p:spPr/>
-        <p:txBody>
           <a:bodyPr>
             <a:normAutofit/>
           </a:bodyPr>
           <a:lstStyle/>
           <a:p>
+            <a:r>
+              <a:rPr lang="zh-CN" altLang="en-US" sz="4000" b="1" dirty="0" smtClean="0">
+                <a:latin typeface="Microsoft JhengHei" pitchFamily="34" charset="-120"/>
+                <a:ea typeface="Microsoft JhengHei" pitchFamily="34" charset="-120"/>
+              </a:rPr>
+              <a:t>美麗聖誕明星</a:t>
+            </a:r>
+            <a:endParaRPr lang="zh-TW" altLang="en-US" sz="4000" b="1" dirty="0">
+              <a:latin typeface="Microsoft JhengHei" pitchFamily="34" charset="-120"/>
+              <a:ea typeface="Microsoft JhengHei" pitchFamily="34" charset="-120"/>
+            </a:endParaRPr>
+          </a:p>
+        </p:txBody>
+      </p:sp>
+      <p:sp>
+        <p:nvSpPr>
+          <p:cNvPr id="5" name="內容版面配置區 4"/>
+          <p:cNvSpPr>
+            <a:spLocks noGrp="1"/>
+          </p:cNvSpPr>
+          <p:nvPr>
+            <p:ph idx="1"/>
+          </p:nvPr>
+        </p:nvSpPr>
+        <p:spPr/>
+        <p:txBody>
+          <a:bodyPr>
+            <a:noAutofit/>
+          </a:bodyPr>
+          <a:lstStyle/>
+          <a:p>
             <a:pPr algn="ctr">
               <a:buNone/>
             </a:pPr>
             <a:r>
-              <a:rPr lang="zh-TW" altLang="en-US" sz="5400" dirty="0">
-                <a:latin typeface="標楷體" pitchFamily="65" charset="-120"/>
-                <a:ea typeface="標楷體" pitchFamily="65" charset="-120"/>
+              <a:rPr lang="zh-TW" altLang="en-US" sz="4800" b="1" dirty="0">
+                <a:latin typeface="Microsoft JhengHei" pitchFamily="34" charset="-120"/>
+                <a:ea typeface="Microsoft JhengHei" pitchFamily="34" charset="-120"/>
               </a:rPr>
               <a:t>明星閃於黑夜</a:t>
             </a:r>
@@ -3236,9 +3282,9 @@
               <a:buNone/>
             </a:pPr>
             <a:r>
-              <a:rPr lang="zh-TW" altLang="en-US" sz="5400" dirty="0">
-                <a:latin typeface="標楷體" pitchFamily="65" charset="-120"/>
-                <a:ea typeface="標楷體" pitchFamily="65" charset="-120"/>
+              <a:rPr lang="zh-TW" altLang="en-US" sz="4800" b="1" dirty="0">
+                <a:latin typeface="Microsoft JhengHei" pitchFamily="34" charset="-120"/>
+                <a:ea typeface="Microsoft JhengHei" pitchFamily="34" charset="-120"/>
               </a:rPr>
               <a:t>是我生命領航</a:t>
             </a:r>
@@ -3248,9 +3294,9 @@
               <a:buNone/>
             </a:pPr>
             <a:r>
-              <a:rPr lang="zh-TW" altLang="en-US" sz="5400" dirty="0">
-                <a:latin typeface="標楷體" pitchFamily="65" charset="-120"/>
-                <a:ea typeface="標楷體" pitchFamily="65" charset="-120"/>
+              <a:rPr lang="zh-TW" altLang="en-US" sz="4800" b="1" dirty="0">
+                <a:latin typeface="Microsoft JhengHei" pitchFamily="34" charset="-120"/>
+                <a:ea typeface="Microsoft JhengHei" pitchFamily="34" charset="-120"/>
               </a:rPr>
               <a:t>慈愛馬槽神子</a:t>
             </a:r>
@@ -3260,29 +3306,29 @@
               <a:buNone/>
             </a:pPr>
             <a:r>
-              <a:rPr lang="zh-TW" altLang="en-US" sz="5400" dirty="0">
-                <a:latin typeface="標楷體" pitchFamily="65" charset="-120"/>
-                <a:ea typeface="標楷體" pitchFamily="65" charset="-120"/>
+              <a:rPr lang="zh-TW" altLang="en-US" sz="4800" b="1" dirty="0">
+                <a:latin typeface="Microsoft JhengHei" pitchFamily="34" charset="-120"/>
+                <a:ea typeface="Microsoft JhengHei" pitchFamily="34" charset="-120"/>
               </a:rPr>
               <a:t>今為救贖</a:t>
             </a:r>
             <a:r>
-              <a:rPr lang="zh-TW" altLang="en-US" sz="5400" dirty="0" smtClean="0">
-                <a:latin typeface="標楷體" pitchFamily="65" charset="-120"/>
-                <a:ea typeface="標楷體" pitchFamily="65" charset="-120"/>
+              <a:rPr lang="zh-TW" altLang="en-US" sz="4800" b="1" dirty="0" smtClean="0">
+                <a:latin typeface="Microsoft JhengHei" pitchFamily="34" charset="-120"/>
+                <a:ea typeface="Microsoft JhengHei" pitchFamily="34" charset="-120"/>
               </a:rPr>
               <a:t>而</a:t>
             </a:r>
             <a:r>
-              <a:rPr lang="zh-CN" altLang="en-US" sz="5400" dirty="0" smtClean="0">
-                <a:latin typeface="標楷體" pitchFamily="65" charset="-120"/>
-                <a:ea typeface="標楷體" pitchFamily="65" charset="-120"/>
+              <a:rPr lang="zh-CN" altLang="en-US" sz="4800" b="1" dirty="0" smtClean="0">
+                <a:latin typeface="Microsoft JhengHei" pitchFamily="34" charset="-120"/>
+                <a:ea typeface="Microsoft JhengHei" pitchFamily="34" charset="-120"/>
               </a:rPr>
               <a:t>降</a:t>
             </a:r>
-            <a:endParaRPr lang="zh-TW" altLang="en-US" sz="5400" dirty="0">
-              <a:latin typeface="標楷體" pitchFamily="65" charset="-120"/>
-              <a:ea typeface="標楷體" pitchFamily="65" charset="-120"/>
+            <a:endParaRPr lang="zh-TW" altLang="en-US" sz="4800" b="1" dirty="0">
+              <a:latin typeface="Microsoft JhengHei" pitchFamily="34" charset="-120"/>
+              <a:ea typeface="Microsoft JhengHei" pitchFamily="34" charset="-120"/>
             </a:endParaRPr>
           </a:p>
         </p:txBody>
@@ -3324,47 +3370,49 @@
         </p:nvSpPr>
         <p:spPr/>
         <p:txBody>
-          <a:bodyPr/>
-          <a:lstStyle/>
-          <a:p>
-            <a:r>
-              <a:rPr lang="zh-CN" altLang="en-US" dirty="0" smtClean="0">
-                <a:latin typeface="標楷體" pitchFamily="65" charset="-120"/>
-                <a:ea typeface="標楷體" pitchFamily="65" charset="-120"/>
-              </a:rPr>
-              <a:t>美麗聖誕明星</a:t>
-            </a:r>
-            <a:endParaRPr lang="zh-TW" altLang="en-US" dirty="0">
-              <a:latin typeface="標楷體" pitchFamily="65" charset="-120"/>
-              <a:ea typeface="標楷體" pitchFamily="65" charset="-120"/>
-            </a:endParaRPr>
-          </a:p>
-        </p:txBody>
-      </p:sp>
-      <p:sp>
-        <p:nvSpPr>
-          <p:cNvPr id="5" name="內容版面配置區 4"/>
-          <p:cNvSpPr>
-            <a:spLocks noGrp="1"/>
-          </p:cNvSpPr>
-          <p:nvPr>
-            <p:ph idx="1"/>
-          </p:nvPr>
-        </p:nvSpPr>
-        <p:spPr/>
-        <p:txBody>
           <a:bodyPr>
             <a:normAutofit/>
           </a:bodyPr>
           <a:lstStyle/>
           <a:p>
+            <a:r>
+              <a:rPr lang="zh-CN" altLang="en-US" sz="4000" b="1" dirty="0">
+                <a:latin typeface="Microsoft JhengHei" pitchFamily="34" charset="-120"/>
+                <a:ea typeface="Microsoft JhengHei" pitchFamily="34" charset="-120"/>
+              </a:rPr>
+              <a:t>美麗聖誕明星</a:t>
+            </a:r>
+            <a:endParaRPr lang="zh-TW" altLang="en-US" sz="4000" b="1" dirty="0">
+              <a:latin typeface="Microsoft JhengHei" pitchFamily="34" charset="-120"/>
+              <a:ea typeface="Microsoft JhengHei" pitchFamily="34" charset="-120"/>
+            </a:endParaRPr>
+          </a:p>
+        </p:txBody>
+      </p:sp>
+      <p:sp>
+        <p:nvSpPr>
+          <p:cNvPr id="5" name="內容版面配置區 4"/>
+          <p:cNvSpPr>
+            <a:spLocks noGrp="1"/>
+          </p:cNvSpPr>
+          <p:nvPr>
+            <p:ph idx="1"/>
+          </p:nvPr>
+        </p:nvSpPr>
+        <p:spPr/>
+        <p:txBody>
+          <a:bodyPr>
+            <a:noAutofit/>
+          </a:bodyPr>
+          <a:lstStyle/>
+          <a:p>
             <a:pPr algn="ctr">
               <a:buNone/>
             </a:pPr>
             <a:r>
-              <a:rPr lang="zh-TW" altLang="en-US" sz="5400" dirty="0" smtClean="0">
-                <a:latin typeface="標楷體" pitchFamily="65" charset="-120"/>
-                <a:ea typeface="標楷體" pitchFamily="65" charset="-120"/>
+              <a:rPr lang="zh-TW" altLang="en-US" sz="4800" b="1" dirty="0">
+                <a:latin typeface="Microsoft JhengHei" pitchFamily="34" charset="-120"/>
+                <a:ea typeface="Microsoft JhengHei" pitchFamily="34" charset="-120"/>
               </a:rPr>
               <a:t>看遍世途人生苦難</a:t>
             </a:r>
@@ -3374,9 +3422,9 @@
               <a:buNone/>
             </a:pPr>
             <a:r>
-              <a:rPr lang="zh-TW" altLang="en-US" sz="5400" dirty="0" smtClean="0">
-                <a:latin typeface="標楷體" pitchFamily="65" charset="-120"/>
-                <a:ea typeface="標楷體" pitchFamily="65" charset="-120"/>
+              <a:rPr lang="zh-TW" altLang="en-US" sz="4800" b="1" dirty="0">
+                <a:latin typeface="Microsoft JhengHei" pitchFamily="34" charset="-120"/>
+                <a:ea typeface="Microsoft JhengHei" pitchFamily="34" charset="-120"/>
               </a:rPr>
               <a:t>這生似霧如煙</a:t>
             </a:r>
@@ -3386,9 +3434,9 @@
               <a:buNone/>
             </a:pPr>
             <a:r>
-              <a:rPr lang="zh-TW" altLang="en-US" sz="5400" dirty="0" smtClean="0">
-                <a:latin typeface="標楷體" pitchFamily="65" charset="-120"/>
-                <a:ea typeface="標楷體" pitchFamily="65" charset="-120"/>
+              <a:rPr lang="zh-TW" altLang="en-US" sz="4800" b="1" dirty="0">
+                <a:latin typeface="Microsoft JhengHei" pitchFamily="34" charset="-120"/>
+                <a:ea typeface="Microsoft JhengHei" pitchFamily="34" charset="-120"/>
               </a:rPr>
               <a:t>讓神大愛進入內心</a:t>
             </a:r>
@@ -3398,15 +3446,51 @@
               <a:buNone/>
             </a:pPr>
             <a:r>
-              <a:rPr lang="zh-TW" altLang="en-US" sz="5400" dirty="0" smtClean="0">
-                <a:latin typeface="標楷體" pitchFamily="65" charset="-120"/>
-                <a:ea typeface="標楷體" pitchFamily="65" charset="-120"/>
+              <a:rPr lang="zh-TW" altLang="en-US" sz="4800" b="1" dirty="0">
+                <a:latin typeface="Microsoft JhengHei" pitchFamily="34" charset="-120"/>
+                <a:ea typeface="Microsoft JhengHei" pitchFamily="34" charset="-120"/>
               </a:rPr>
               <a:t>驅憂困賜平安</a:t>
             </a:r>
-            <a:endParaRPr lang="zh-TW" altLang="en-US" sz="5400" dirty="0">
-              <a:latin typeface="標楷體" pitchFamily="65" charset="-120"/>
-              <a:ea typeface="標楷體" pitchFamily="65" charset="-120"/>
+            <a:endParaRPr lang="zh-TW" altLang="en-US" sz="4800" b="1" dirty="0">
+              <a:latin typeface="Microsoft JhengHei" pitchFamily="34" charset="-120"/>
+              <a:ea typeface="Microsoft JhengHei" pitchFamily="34" charset="-120"/>
+            </a:endParaRPr>
+          </a:p>
+        </p:txBody>
+      </p:sp>
+      <p:sp>
+        <p:nvSpPr>
+          <p:cNvPr id="6" name="TextBox 5"/>
+          <p:cNvSpPr txBox="1"/>
+          <p:nvPr/>
+        </p:nvSpPr>
+        <p:spPr>
+          <a:xfrm>
+            <a:off x="1403648" y="1275606"/>
+            <a:ext cx="720080" cy="707886"/>
+          </a:xfrm>
+          <a:prstGeom prst="rect">
+            <a:avLst/>
+          </a:prstGeom>
+          <a:noFill/>
+        </p:spPr>
+        <p:txBody>
+          <a:bodyPr wrap="square" rtlCol="0">
+            <a:spAutoFit/>
+          </a:bodyPr>
+          <a:lstStyle/>
+          <a:p>
+            <a:r>
+              <a:rPr lang="en-US" altLang="zh-CN" sz="4000" b="1" dirty="0" smtClean="0">
+                <a:latin typeface="Microsoft JhengHei" pitchFamily="34" charset="-120"/>
+                <a:ea typeface="Microsoft JhengHei" pitchFamily="34" charset="-120"/>
+              </a:rPr>
+              <a:t>2.</a:t>
+            </a:r>
+            <a:endParaRPr lang="en-US" sz="4000" b="1" dirty="0">
+              <a:latin typeface="Microsoft JhengHei" pitchFamily="34" charset="-120"/>
+              <a:ea typeface="Microsoft JhengHei" pitchFamily="34" charset="-120"/>
             </a:endParaRPr>
           </a:p>
         </p:txBody>
@@ -3448,47 +3532,49 @@
         </p:nvSpPr>
         <p:spPr/>
         <p:txBody>
-          <a:bodyPr/>
-          <a:lstStyle/>
-          <a:p>
-            <a:r>
-              <a:rPr lang="zh-CN" altLang="en-US" dirty="0" smtClean="0">
-                <a:latin typeface="標楷體" pitchFamily="65" charset="-120"/>
-                <a:ea typeface="標楷體" pitchFamily="65" charset="-120"/>
-              </a:rPr>
-              <a:t>美麗聖誕明星</a:t>
-            </a:r>
-            <a:endParaRPr lang="zh-TW" altLang="en-US" dirty="0">
-              <a:latin typeface="標楷體" pitchFamily="65" charset="-120"/>
-              <a:ea typeface="標楷體" pitchFamily="65" charset="-120"/>
-            </a:endParaRPr>
-          </a:p>
-        </p:txBody>
-      </p:sp>
-      <p:sp>
-        <p:nvSpPr>
-          <p:cNvPr id="5" name="內容版面配置區 4"/>
-          <p:cNvSpPr>
-            <a:spLocks noGrp="1"/>
-          </p:cNvSpPr>
-          <p:nvPr>
-            <p:ph idx="1"/>
-          </p:nvPr>
-        </p:nvSpPr>
-        <p:spPr/>
-        <p:txBody>
           <a:bodyPr>
             <a:normAutofit/>
           </a:bodyPr>
           <a:lstStyle/>
           <a:p>
+            <a:r>
+              <a:rPr lang="zh-CN" altLang="en-US" sz="4000" b="1" dirty="0">
+                <a:latin typeface="Microsoft JhengHei" pitchFamily="34" charset="-120"/>
+                <a:ea typeface="Microsoft JhengHei" pitchFamily="34" charset="-120"/>
+              </a:rPr>
+              <a:t>美麗聖誕明星</a:t>
+            </a:r>
+            <a:endParaRPr lang="zh-TW" altLang="en-US" sz="4000" b="1" dirty="0">
+              <a:latin typeface="Microsoft JhengHei" pitchFamily="34" charset="-120"/>
+              <a:ea typeface="Microsoft JhengHei" pitchFamily="34" charset="-120"/>
+            </a:endParaRPr>
+          </a:p>
+        </p:txBody>
+      </p:sp>
+      <p:sp>
+        <p:nvSpPr>
+          <p:cNvPr id="5" name="內容版面配置區 4"/>
+          <p:cNvSpPr>
+            <a:spLocks noGrp="1"/>
+          </p:cNvSpPr>
+          <p:nvPr>
+            <p:ph idx="1"/>
+          </p:nvPr>
+        </p:nvSpPr>
+        <p:spPr/>
+        <p:txBody>
+          <a:bodyPr>
+            <a:noAutofit/>
+          </a:bodyPr>
+          <a:lstStyle/>
+          <a:p>
             <a:pPr algn="ctr">
               <a:buNone/>
             </a:pPr>
             <a:r>
-              <a:rPr lang="zh-TW" altLang="en-US" sz="5400" dirty="0">
-                <a:latin typeface="標楷體" pitchFamily="65" charset="-120"/>
-                <a:ea typeface="標楷體" pitchFamily="65" charset="-120"/>
+              <a:rPr lang="zh-TW" altLang="en-US" sz="4800" b="1" dirty="0">
+                <a:latin typeface="Microsoft JhengHei" pitchFamily="34" charset="-120"/>
+                <a:ea typeface="Microsoft JhengHei" pitchFamily="34" charset="-120"/>
               </a:rPr>
               <a:t>明星閃於黑夜</a:t>
             </a:r>
@@ -3498,9 +3584,9 @@
               <a:buNone/>
             </a:pPr>
             <a:r>
-              <a:rPr lang="zh-TW" altLang="en-US" sz="5400" dirty="0">
-                <a:latin typeface="標楷體" pitchFamily="65" charset="-120"/>
-                <a:ea typeface="標楷體" pitchFamily="65" charset="-120"/>
+              <a:rPr lang="zh-TW" altLang="en-US" sz="4800" b="1" dirty="0">
+                <a:latin typeface="Microsoft JhengHei" pitchFamily="34" charset="-120"/>
+                <a:ea typeface="Microsoft JhengHei" pitchFamily="34" charset="-120"/>
               </a:rPr>
               <a:t>是我生命領航</a:t>
             </a:r>
@@ -3510,9 +3596,9 @@
               <a:buNone/>
             </a:pPr>
             <a:r>
-              <a:rPr lang="zh-TW" altLang="en-US" sz="5400" dirty="0">
-                <a:latin typeface="標楷體" pitchFamily="65" charset="-120"/>
-                <a:ea typeface="標楷體" pitchFamily="65" charset="-120"/>
+              <a:rPr lang="zh-TW" altLang="en-US" sz="4800" b="1" dirty="0">
+                <a:latin typeface="Microsoft JhengHei" pitchFamily="34" charset="-120"/>
+                <a:ea typeface="Microsoft JhengHei" pitchFamily="34" charset="-120"/>
               </a:rPr>
               <a:t>慈愛馬槽神子</a:t>
             </a:r>
@@ -3522,29 +3608,29 @@
               <a:buNone/>
             </a:pPr>
             <a:r>
-              <a:rPr lang="zh-TW" altLang="en-US" sz="5400" dirty="0">
-                <a:latin typeface="標楷體" pitchFamily="65" charset="-120"/>
-                <a:ea typeface="標楷體" pitchFamily="65" charset="-120"/>
+              <a:rPr lang="zh-TW" altLang="en-US" sz="4800" b="1" dirty="0">
+                <a:latin typeface="Microsoft JhengHei" pitchFamily="34" charset="-120"/>
+                <a:ea typeface="Microsoft JhengHei" pitchFamily="34" charset="-120"/>
               </a:rPr>
               <a:t>今為救贖</a:t>
             </a:r>
             <a:r>
-              <a:rPr lang="zh-TW" altLang="en-US" sz="5400" dirty="0" smtClean="0">
-                <a:latin typeface="標楷體" pitchFamily="65" charset="-120"/>
-                <a:ea typeface="標楷體" pitchFamily="65" charset="-120"/>
+              <a:rPr lang="zh-TW" altLang="en-US" sz="4800" b="1" dirty="0">
+                <a:latin typeface="Microsoft JhengHei" pitchFamily="34" charset="-120"/>
+                <a:ea typeface="Microsoft JhengHei" pitchFamily="34" charset="-120"/>
               </a:rPr>
               <a:t>而</a:t>
             </a:r>
             <a:r>
-              <a:rPr lang="zh-CN" altLang="en-US" sz="5400" dirty="0" smtClean="0">
-                <a:latin typeface="標楷體" pitchFamily="65" charset="-120"/>
-                <a:ea typeface="標楷體" pitchFamily="65" charset="-120"/>
+              <a:rPr lang="zh-CN" altLang="en-US" sz="4800" b="1" dirty="0">
+                <a:latin typeface="Microsoft JhengHei" pitchFamily="34" charset="-120"/>
+                <a:ea typeface="Microsoft JhengHei" pitchFamily="34" charset="-120"/>
               </a:rPr>
               <a:t>降</a:t>
             </a:r>
-            <a:endParaRPr lang="zh-TW" altLang="en-US" sz="5400" dirty="0">
-              <a:latin typeface="標楷體" pitchFamily="65" charset="-120"/>
-              <a:ea typeface="標楷體" pitchFamily="65" charset="-120"/>
+            <a:endParaRPr lang="zh-TW" altLang="en-US" sz="4800" b="1" dirty="0">
+              <a:latin typeface="Microsoft JhengHei" pitchFamily="34" charset="-120"/>
+              <a:ea typeface="Microsoft JhengHei" pitchFamily="34" charset="-120"/>
             </a:endParaRPr>
           </a:p>
         </p:txBody>
@@ -3586,47 +3672,49 @@
         </p:nvSpPr>
         <p:spPr/>
         <p:txBody>
-          <a:bodyPr/>
-          <a:lstStyle/>
-          <a:p>
-            <a:r>
-              <a:rPr lang="zh-CN" altLang="en-US" dirty="0" smtClean="0">
-                <a:latin typeface="標楷體" pitchFamily="65" charset="-120"/>
-                <a:ea typeface="標楷體" pitchFamily="65" charset="-120"/>
-              </a:rPr>
-              <a:t>美麗聖誕明星</a:t>
-            </a:r>
-            <a:endParaRPr lang="zh-TW" altLang="en-US" dirty="0">
-              <a:latin typeface="標楷體" pitchFamily="65" charset="-120"/>
-              <a:ea typeface="標楷體" pitchFamily="65" charset="-120"/>
-            </a:endParaRPr>
-          </a:p>
-        </p:txBody>
-      </p:sp>
-      <p:sp>
-        <p:nvSpPr>
-          <p:cNvPr id="5" name="內容版面配置區 4"/>
-          <p:cNvSpPr>
-            <a:spLocks noGrp="1"/>
-          </p:cNvSpPr>
-          <p:nvPr>
-            <p:ph idx="1"/>
-          </p:nvPr>
-        </p:nvSpPr>
-        <p:spPr/>
-        <p:txBody>
           <a:bodyPr>
             <a:normAutofit/>
           </a:bodyPr>
           <a:lstStyle/>
           <a:p>
+            <a:r>
+              <a:rPr lang="zh-CN" altLang="en-US" sz="4000" b="1" dirty="0">
+                <a:latin typeface="Microsoft JhengHei" pitchFamily="34" charset="-120"/>
+                <a:ea typeface="Microsoft JhengHei" pitchFamily="34" charset="-120"/>
+              </a:rPr>
+              <a:t>美麗聖誕明星</a:t>
+            </a:r>
+            <a:endParaRPr lang="zh-TW" altLang="en-US" sz="4000" b="1" dirty="0">
+              <a:latin typeface="Microsoft JhengHei" pitchFamily="34" charset="-120"/>
+              <a:ea typeface="Microsoft JhengHei" pitchFamily="34" charset="-120"/>
+            </a:endParaRPr>
+          </a:p>
+        </p:txBody>
+      </p:sp>
+      <p:sp>
+        <p:nvSpPr>
+          <p:cNvPr id="5" name="內容版面配置區 4"/>
+          <p:cNvSpPr>
+            <a:spLocks noGrp="1"/>
+          </p:cNvSpPr>
+          <p:nvPr>
+            <p:ph idx="1"/>
+          </p:nvPr>
+        </p:nvSpPr>
+        <p:spPr/>
+        <p:txBody>
+          <a:bodyPr>
+            <a:noAutofit/>
+          </a:bodyPr>
+          <a:lstStyle/>
+          <a:p>
             <a:pPr algn="ctr">
               <a:buNone/>
             </a:pPr>
             <a:r>
-              <a:rPr lang="zh-TW" altLang="en-US" sz="5400" dirty="0">
-                <a:latin typeface="標楷體" pitchFamily="65" charset="-120"/>
-                <a:ea typeface="標楷體" pitchFamily="65" charset="-120"/>
+              <a:rPr lang="zh-TW" altLang="en-US" sz="4800" b="1" dirty="0">
+                <a:latin typeface="Microsoft JhengHei" pitchFamily="34" charset="-120"/>
+                <a:ea typeface="Microsoft JhengHei" pitchFamily="34" charset="-120"/>
               </a:rPr>
               <a:t>聖誕再臨我心歡樂</a:t>
             </a:r>
@@ -3636,9 +3724,9 @@
               <a:buNone/>
             </a:pPr>
             <a:r>
-              <a:rPr lang="zh-TW" altLang="en-US" sz="5400" dirty="0">
-                <a:latin typeface="標楷體" pitchFamily="65" charset="-120"/>
-                <a:ea typeface="標楷體" pitchFamily="65" charset="-120"/>
+              <a:rPr lang="zh-TW" altLang="en-US" sz="4800" b="1" dirty="0">
+                <a:latin typeface="Microsoft JhengHei" pitchFamily="34" charset="-120"/>
+                <a:ea typeface="Microsoft JhengHei" pitchFamily="34" charset="-120"/>
               </a:rPr>
               <a:t>四海宇宙揚聲</a:t>
             </a:r>
@@ -3648,9 +3736,9 @@
               <a:buNone/>
             </a:pPr>
             <a:r>
-              <a:rPr lang="zh-TW" altLang="en-US" sz="5400" dirty="0">
-                <a:latin typeface="標楷體" pitchFamily="65" charset="-120"/>
-                <a:ea typeface="標楷體" pitchFamily="65" charset="-120"/>
+              <a:rPr lang="zh-TW" altLang="en-US" sz="4800" b="1" dirty="0">
+                <a:latin typeface="Microsoft JhengHei" pitchFamily="34" charset="-120"/>
+                <a:ea typeface="Microsoft JhengHei" pitchFamily="34" charset="-120"/>
               </a:rPr>
               <a:t>齊來頌讚 奇妙鴻恩</a:t>
             </a:r>
@@ -3660,12 +3748,48 @@
               <a:buNone/>
             </a:pPr>
             <a:r>
-              <a:rPr lang="zh-TW" altLang="en-US" sz="5400" dirty="0">
-                <a:latin typeface="標楷體" pitchFamily="65" charset="-120"/>
-                <a:ea typeface="標楷體" pitchFamily="65" charset="-120"/>
+              <a:rPr lang="zh-TW" altLang="en-US" sz="4800" b="1" dirty="0">
+                <a:latin typeface="Microsoft JhengHei" pitchFamily="34" charset="-120"/>
+                <a:ea typeface="Microsoft JhengHei" pitchFamily="34" charset="-120"/>
               </a:rPr>
               <a:t>將音訊告萬邦</a:t>
             </a:r>
+          </a:p>
+        </p:txBody>
+      </p:sp>
+      <p:sp>
+        <p:nvSpPr>
+          <p:cNvPr id="6" name="TextBox 5"/>
+          <p:cNvSpPr txBox="1"/>
+          <p:nvPr/>
+        </p:nvSpPr>
+        <p:spPr>
+          <a:xfrm>
+            <a:off x="1403648" y="1275606"/>
+            <a:ext cx="720080" cy="707886"/>
+          </a:xfrm>
+          <a:prstGeom prst="rect">
+            <a:avLst/>
+          </a:prstGeom>
+          <a:noFill/>
+        </p:spPr>
+        <p:txBody>
+          <a:bodyPr wrap="square" rtlCol="0">
+            <a:spAutoFit/>
+          </a:bodyPr>
+          <a:lstStyle/>
+          <a:p>
+            <a:r>
+              <a:rPr lang="en-US" altLang="zh-CN" sz="4000" b="1" dirty="0" smtClean="0">
+                <a:latin typeface="Microsoft JhengHei" pitchFamily="34" charset="-120"/>
+                <a:ea typeface="Microsoft JhengHei" pitchFamily="34" charset="-120"/>
+              </a:rPr>
+              <a:t>3.</a:t>
+            </a:r>
+            <a:endParaRPr lang="en-US" sz="4000" b="1" dirty="0">
+              <a:latin typeface="Microsoft JhengHei" pitchFamily="34" charset="-120"/>
+              <a:ea typeface="Microsoft JhengHei" pitchFamily="34" charset="-120"/>
+            </a:endParaRPr>
           </a:p>
         </p:txBody>
       </p:sp>
@@ -3706,47 +3830,49 @@
         </p:nvSpPr>
         <p:spPr/>
         <p:txBody>
-          <a:bodyPr/>
-          <a:lstStyle/>
-          <a:p>
-            <a:r>
-              <a:rPr lang="zh-CN" altLang="en-US" dirty="0" smtClean="0">
-                <a:latin typeface="標楷體" pitchFamily="65" charset="-120"/>
-                <a:ea typeface="標楷體" pitchFamily="65" charset="-120"/>
-              </a:rPr>
-              <a:t>美麗聖誕明星</a:t>
-            </a:r>
-            <a:endParaRPr lang="zh-TW" altLang="en-US" dirty="0">
-              <a:latin typeface="標楷體" pitchFamily="65" charset="-120"/>
-              <a:ea typeface="標楷體" pitchFamily="65" charset="-120"/>
-            </a:endParaRPr>
-          </a:p>
-        </p:txBody>
-      </p:sp>
-      <p:sp>
-        <p:nvSpPr>
-          <p:cNvPr id="5" name="內容版面配置區 4"/>
-          <p:cNvSpPr>
-            <a:spLocks noGrp="1"/>
-          </p:cNvSpPr>
-          <p:nvPr>
-            <p:ph idx="1"/>
-          </p:nvPr>
-        </p:nvSpPr>
-        <p:spPr/>
-        <p:txBody>
           <a:bodyPr>
             <a:normAutofit/>
           </a:bodyPr>
           <a:lstStyle/>
           <a:p>
+            <a:r>
+              <a:rPr lang="zh-CN" altLang="en-US" sz="4000" b="1" dirty="0">
+                <a:latin typeface="Microsoft JhengHei" pitchFamily="34" charset="-120"/>
+                <a:ea typeface="Microsoft JhengHei" pitchFamily="34" charset="-120"/>
+              </a:rPr>
+              <a:t>美麗聖誕明星</a:t>
+            </a:r>
+            <a:endParaRPr lang="zh-TW" altLang="en-US" sz="4000" b="1" dirty="0">
+              <a:latin typeface="Microsoft JhengHei" pitchFamily="34" charset="-120"/>
+              <a:ea typeface="Microsoft JhengHei" pitchFamily="34" charset="-120"/>
+            </a:endParaRPr>
+          </a:p>
+        </p:txBody>
+      </p:sp>
+      <p:sp>
+        <p:nvSpPr>
+          <p:cNvPr id="5" name="內容版面配置區 4"/>
+          <p:cNvSpPr>
+            <a:spLocks noGrp="1"/>
+          </p:cNvSpPr>
+          <p:nvPr>
+            <p:ph idx="1"/>
+          </p:nvPr>
+        </p:nvSpPr>
+        <p:spPr/>
+        <p:txBody>
+          <a:bodyPr>
+            <a:noAutofit/>
+          </a:bodyPr>
+          <a:lstStyle/>
+          <a:p>
             <a:pPr algn="ctr">
               <a:buNone/>
             </a:pPr>
             <a:r>
-              <a:rPr lang="zh-TW" altLang="en-US" sz="5400" dirty="0">
-                <a:latin typeface="標楷體" pitchFamily="65" charset="-120"/>
-                <a:ea typeface="標楷體" pitchFamily="65" charset="-120"/>
+              <a:rPr lang="zh-TW" altLang="en-US" sz="4800" b="1" dirty="0">
+                <a:latin typeface="Microsoft JhengHei" pitchFamily="34" charset="-120"/>
+                <a:ea typeface="Microsoft JhengHei" pitchFamily="34" charset="-120"/>
               </a:rPr>
               <a:t>明星閃於黑夜</a:t>
             </a:r>
@@ -3756,9 +3882,9 @@
               <a:buNone/>
             </a:pPr>
             <a:r>
-              <a:rPr lang="zh-TW" altLang="en-US" sz="5400" dirty="0">
-                <a:latin typeface="標楷體" pitchFamily="65" charset="-120"/>
-                <a:ea typeface="標楷體" pitchFamily="65" charset="-120"/>
+              <a:rPr lang="zh-TW" altLang="en-US" sz="4800" b="1" dirty="0">
+                <a:latin typeface="Microsoft JhengHei" pitchFamily="34" charset="-120"/>
+                <a:ea typeface="Microsoft JhengHei" pitchFamily="34" charset="-120"/>
               </a:rPr>
               <a:t>是我生命領航</a:t>
             </a:r>
@@ -3768,9 +3894,9 @@
               <a:buNone/>
             </a:pPr>
             <a:r>
-              <a:rPr lang="zh-TW" altLang="en-US" sz="5400" dirty="0">
-                <a:latin typeface="標楷體" pitchFamily="65" charset="-120"/>
-                <a:ea typeface="標楷體" pitchFamily="65" charset="-120"/>
+              <a:rPr lang="zh-TW" altLang="en-US" sz="4800" b="1" dirty="0">
+                <a:latin typeface="Microsoft JhengHei" pitchFamily="34" charset="-120"/>
+                <a:ea typeface="Microsoft JhengHei" pitchFamily="34" charset="-120"/>
               </a:rPr>
               <a:t>慈愛馬槽神子</a:t>
             </a:r>
@@ -3780,29 +3906,29 @@
               <a:buNone/>
             </a:pPr>
             <a:r>
-              <a:rPr lang="zh-TW" altLang="en-US" sz="5400" dirty="0">
-                <a:latin typeface="標楷體" pitchFamily="65" charset="-120"/>
-                <a:ea typeface="標楷體" pitchFamily="65" charset="-120"/>
+              <a:rPr lang="zh-TW" altLang="en-US" sz="4800" b="1" dirty="0">
+                <a:latin typeface="Microsoft JhengHei" pitchFamily="34" charset="-120"/>
+                <a:ea typeface="Microsoft JhengHei" pitchFamily="34" charset="-120"/>
               </a:rPr>
               <a:t>今為救贖</a:t>
             </a:r>
             <a:r>
-              <a:rPr lang="zh-TW" altLang="en-US" sz="5400" dirty="0" smtClean="0">
-                <a:latin typeface="標楷體" pitchFamily="65" charset="-120"/>
-                <a:ea typeface="標楷體" pitchFamily="65" charset="-120"/>
+              <a:rPr lang="zh-TW" altLang="en-US" sz="4800" b="1" dirty="0">
+                <a:latin typeface="Microsoft JhengHei" pitchFamily="34" charset="-120"/>
+                <a:ea typeface="Microsoft JhengHei" pitchFamily="34" charset="-120"/>
               </a:rPr>
               <a:t>而</a:t>
             </a:r>
             <a:r>
-              <a:rPr lang="zh-CN" altLang="en-US" sz="5400" dirty="0" smtClean="0">
-                <a:latin typeface="標楷體" pitchFamily="65" charset="-120"/>
-                <a:ea typeface="標楷體" pitchFamily="65" charset="-120"/>
+              <a:rPr lang="zh-CN" altLang="en-US" sz="4800" b="1" dirty="0">
+                <a:latin typeface="Microsoft JhengHei" pitchFamily="34" charset="-120"/>
+                <a:ea typeface="Microsoft JhengHei" pitchFamily="34" charset="-120"/>
               </a:rPr>
               <a:t>降</a:t>
             </a:r>
-            <a:endParaRPr lang="zh-TW" altLang="en-US" sz="5400" dirty="0">
-              <a:latin typeface="標楷體" pitchFamily="65" charset="-120"/>
-              <a:ea typeface="標楷體" pitchFamily="65" charset="-120"/>
+            <a:endParaRPr lang="zh-TW" altLang="en-US" sz="4800" b="1" dirty="0">
+              <a:latin typeface="Microsoft JhengHei" pitchFamily="34" charset="-120"/>
+              <a:ea typeface="Microsoft JhengHei" pitchFamily="34" charset="-120"/>
             </a:endParaRPr>
           </a:p>
         </p:txBody>
@@ -3816,9 +3942,9 @@
 </file>
 
 <file path=ppt/theme/theme1.xml><?xml version="1.0" encoding="utf-8"?>
-<a:theme xmlns:a="http://schemas.openxmlformats.org/drawingml/2006/main" name="鋒芒">
+<a:theme xmlns:a="http://schemas.openxmlformats.org/drawingml/2006/main" name="Church Theme">
   <a:themeElements>
-    <a:clrScheme name="鋒芒">
+    <a:clrScheme name="Office">
       <a:dk1>
         <a:sysClr val="windowText" lastClr="000000"/>
       </a:dk1>
@@ -3826,86 +3952,48 @@
         <a:sysClr val="window" lastClr="FFFFFF"/>
       </a:lt1>
       <a:dk2>
-        <a:srgbClr val="69676D"/>
+        <a:srgbClr val="1F497D"/>
       </a:dk2>
       <a:lt2>
-        <a:srgbClr val="C9C2D1"/>
+        <a:srgbClr val="EEECE1"/>
       </a:lt2>
       <a:accent1>
-        <a:srgbClr val="CEB966"/>
+        <a:srgbClr val="4F81BD"/>
       </a:accent1>
       <a:accent2>
-        <a:srgbClr val="9CB084"/>
+        <a:srgbClr val="C0504D"/>
       </a:accent2>
       <a:accent3>
-        <a:srgbClr val="6BB1C9"/>
+        <a:srgbClr val="9BBB59"/>
       </a:accent3>
       <a:accent4>
-        <a:srgbClr val="6585CF"/>
+        <a:srgbClr val="8064A2"/>
       </a:accent4>
       <a:accent5>
-        <a:srgbClr val="7E6BC9"/>
+        <a:srgbClr val="4BACC6"/>
       </a:accent5>
       <a:accent6>
-        <a:srgbClr val="A379BB"/>
+        <a:srgbClr val="F79646"/>
       </a:accent6>
       <a:hlink>
-        <a:srgbClr val="410082"/>
+        <a:srgbClr val="0000FF"/>
       </a:hlink>
       <a:folHlink>
-        <a:srgbClr val="932968"/>
+        <a:srgbClr val="800080"/>
       </a:folHlink>
     </a:clrScheme>
-    <a:fontScheme name="鋒芒">
+    <a:fontScheme name="Office">
       <a:majorFont>
-        <a:latin typeface="Lucida Sans"/>
+        <a:latin typeface="Calibri"/>
         <a:ea typeface=""/>
         <a:cs typeface=""/>
-        <a:font script="Grek" typeface="Arial"/>
-        <a:font script="Cyrl" typeface="Arial"/>
-        <a:font script="Jpan" typeface="HG丸ｺﾞｼｯｸM-PRO"/>
-        <a:font script="Hang" typeface="휴먼옛체"/>
-        <a:font script="Hans" typeface="黑体"/>
-        <a:font script="Hant" typeface="微軟正黑體"/>
-        <a:font script="Arab" typeface="Tahoma"/>
-        <a:font script="Hebr" typeface="Levenim MT"/>
-        <a:font script="Thai" typeface="FreesiaUPC"/>
-        <a:font script="Ethi" typeface="Nyala"/>
-        <a:font script="Beng" typeface="Vrinda"/>
-        <a:font script="Gujr" typeface="Shruti"/>
-        <a:font script="Khmr" typeface="DaunPenh"/>
-        <a:font script="Knda" typeface="Tunga"/>
-        <a:font script="Guru" typeface="Raavi"/>
-        <a:font script="Cans" typeface="Euphemia"/>
-        <a:font script="Cher" typeface="Plantagenet Cherokee"/>
-        <a:font script="Yiii" typeface="Microsoft Yi Baiti"/>
-        <a:font script="Tibt" typeface="Microsoft Himalaya"/>
-        <a:font script="Thaa" typeface="MV Boli"/>
-        <a:font script="Deva" typeface="Mangal"/>
-        <a:font script="Telu" typeface="Gautami"/>
-        <a:font script="Taml" typeface="Latha"/>
-        <a:font script="Syrc" typeface="Estrangelo Edessa"/>
-        <a:font script="Orya" typeface="Kalinga"/>
-        <a:font script="Mlym" typeface="Kartika"/>
-        <a:font script="Laoo" typeface="DokChampa"/>
-        <a:font script="Sinh" typeface="Iskoola Pota"/>
-        <a:font script="Mong" typeface="Mongolian Baiti"/>
-        <a:font script="Viet" typeface="Tahoma"/>
-        <a:font script="Uigh" typeface="Microsoft Uighur"/>
-      </a:majorFont>
-      <a:minorFont>
-        <a:latin typeface="Book Antiqua"/>
-        <a:ea typeface=""/>
-        <a:cs typeface=""/>
-        <a:font script="Grek" typeface="Times New Roman"/>
-        <a:font script="Cyrl" typeface="Times New Roman"/>
-        <a:font script="Jpan" typeface="HG明朝B"/>
-        <a:font script="Hang" typeface="돋움"/>
+        <a:font script="Jpan" typeface="ＭＳ Ｐゴシック"/>
+        <a:font script="Hang" typeface="맑은 고딕"/>
         <a:font script="Hans" typeface="宋体"/>
         <a:font script="Hant" typeface="新細明體"/>
         <a:font script="Arab" typeface="Times New Roman"/>
-        <a:font script="Hebr" typeface="David"/>
-        <a:font script="Thai" typeface="EucrosiaUPC"/>
+        <a:font script="Hebr" typeface="Times New Roman"/>
+        <a:font script="Thai" typeface="Angsana New"/>
         <a:font script="Ethi" typeface="Nyala"/>
         <a:font script="Beng" typeface="Vrinda"/>
         <a:font script="Gujr" typeface="Shruti"/>
@@ -3928,75 +4016,100 @@
         <a:font script="Mong" typeface="Mongolian Baiti"/>
         <a:font script="Viet" typeface="Times New Roman"/>
         <a:font script="Uigh" typeface="Microsoft Uighur"/>
+      </a:majorFont>
+      <a:minorFont>
+        <a:latin typeface="Calibri"/>
+        <a:ea typeface=""/>
+        <a:cs typeface=""/>
+        <a:font script="Jpan" typeface="ＭＳ Ｐゴシック"/>
+        <a:font script="Hang" typeface="맑은 고딕"/>
+        <a:font script="Hans" typeface="宋体"/>
+        <a:font script="Hant" typeface="新細明體"/>
+        <a:font script="Arab" typeface="Arial"/>
+        <a:font script="Hebr" typeface="Arial"/>
+        <a:font script="Thai" typeface="Cordia New"/>
+        <a:font script="Ethi" typeface="Nyala"/>
+        <a:font script="Beng" typeface="Vrinda"/>
+        <a:font script="Gujr" typeface="Shruti"/>
+        <a:font script="Khmr" typeface="DaunPenh"/>
+        <a:font script="Knda" typeface="Tunga"/>
+        <a:font script="Guru" typeface="Raavi"/>
+        <a:font script="Cans" typeface="Euphemia"/>
+        <a:font script="Cher" typeface="Plantagenet Cherokee"/>
+        <a:font script="Yiii" typeface="Microsoft Yi Baiti"/>
+        <a:font script="Tibt" typeface="Microsoft Himalaya"/>
+        <a:font script="Thaa" typeface="MV Boli"/>
+        <a:font script="Deva" typeface="Mangal"/>
+        <a:font script="Telu" typeface="Gautami"/>
+        <a:font script="Taml" typeface="Latha"/>
+        <a:font script="Syrc" typeface="Estrangelo Edessa"/>
+        <a:font script="Orya" typeface="Kalinga"/>
+        <a:font script="Mlym" typeface="Kartika"/>
+        <a:font script="Laoo" typeface="DokChampa"/>
+        <a:font script="Sinh" typeface="Iskoola Pota"/>
+        <a:font script="Mong" typeface="Mongolian Baiti"/>
+        <a:font script="Viet" typeface="Arial"/>
+        <a:font script="Uigh" typeface="Microsoft Uighur"/>
       </a:minorFont>
     </a:fontScheme>
-    <a:fmtScheme name="鋒芒">
+    <a:fmtScheme name="Office">
       <a:fillStyleLst>
         <a:solidFill>
           <a:schemeClr val="phClr"/>
         </a:solidFill>
         <a:gradFill rotWithShape="1">
           <a:gsLst>
-            <a:gs pos="20000">
+            <a:gs pos="0">
               <a:schemeClr val="phClr">
-                <a:tint val="9000"/>
+                <a:tint val="50000"/>
+                <a:satMod val="300000"/>
+              </a:schemeClr>
+            </a:gs>
+            <a:gs pos="35000">
+              <a:schemeClr val="phClr">
+                <a:tint val="37000"/>
+                <a:satMod val="300000"/>
               </a:schemeClr>
             </a:gs>
             <a:gs pos="100000">
               <a:schemeClr val="phClr">
-                <a:tint val="70000"/>
-                <a:satMod val="100000"/>
+                <a:tint val="15000"/>
+                <a:satMod val="350000"/>
               </a:schemeClr>
             </a:gs>
           </a:gsLst>
-          <a:path path="circle">
-            <a:fillToRect l="-15000" t="-15000" r="115000" b="115000"/>
-          </a:path>
+          <a:lin ang="16200000" scaled="1"/>
         </a:gradFill>
         <a:gradFill rotWithShape="1">
           <a:gsLst>
             <a:gs pos="0">
               <a:schemeClr val="phClr">
-                <a:shade val="60000"/>
+                <a:shade val="51000"/>
+                <a:satMod val="130000"/>
               </a:schemeClr>
             </a:gs>
-            <a:gs pos="33000">
+            <a:gs pos="80000">
               <a:schemeClr val="phClr">
-                <a:tint val="86500"/>
-              </a:schemeClr>
-            </a:gs>
-            <a:gs pos="46750">
-              <a:schemeClr val="phClr">
-                <a:tint val="71000"/>
-                <a:satMod val="112000"/>
-              </a:schemeClr>
-            </a:gs>
-            <a:gs pos="53000">
-              <a:schemeClr val="phClr">
-                <a:tint val="71000"/>
-                <a:satMod val="112000"/>
-              </a:schemeClr>
-            </a:gs>
-            <a:gs pos="68000">
-              <a:schemeClr val="phClr">
-                <a:tint val="86000"/>
+                <a:shade val="93000"/>
+                <a:satMod val="130000"/>
               </a:schemeClr>
             </a:gs>
             <a:gs pos="100000">
               <a:schemeClr val="phClr">
-                <a:shade val="60000"/>
+                <a:shade val="94000"/>
+                <a:satMod val="135000"/>
               </a:schemeClr>
             </a:gs>
           </a:gsLst>
-          <a:lin ang="8350000" scaled="1"/>
+          <a:lin ang="16200000" scaled="0"/>
         </a:gradFill>
       </a:fillStyleLst>
       <a:lnStyleLst>
         <a:ln w="9525" cap="flat" cmpd="sng" algn="ctr">
           <a:solidFill>
             <a:schemeClr val="phClr">
-              <a:shade val="48000"/>
-              <a:satMod val="110000"/>
+              <a:shade val="95000"/>
+              <a:satMod val="105000"/>
             </a:schemeClr>
           </a:solidFill>
           <a:prstDash val="solid"/>
@@ -4017,7 +4130,16 @@
       <a:effectStyleLst>
         <a:effectStyle>
           <a:effectLst>
-            <a:outerShdw blurRad="130000" dist="101600" dir="2700000" algn="tl" rotWithShape="0">
+            <a:outerShdw blurRad="40000" dist="20000" dir="5400000" rotWithShape="0">
+              <a:srgbClr val="000000">
+                <a:alpha val="38000"/>
+              </a:srgbClr>
+            </a:outerShdw>
+          </a:effectLst>
+        </a:effectStyle>
+        <a:effectStyle>
+          <a:effectLst>
+            <a:outerShdw blurRad="40000" dist="23000" dir="5400000" rotWithShape="0">
               <a:srgbClr val="000000">
                 <a:alpha val="35000"/>
               </a:srgbClr>
@@ -4026,31 +4148,22 @@
         </a:effectStyle>
         <a:effectStyle>
           <a:effectLst>
-            <a:outerShdw blurRad="190500" dist="228600" dir="2700000" sy="90000" rotWithShape="0">
+            <a:outerShdw blurRad="40000" dist="23000" dir="5400000" rotWithShape="0">
               <a:srgbClr val="000000">
-                <a:alpha val="25500"/>
-              </a:srgbClr>
-            </a:outerShdw>
-          </a:effectLst>
-        </a:effectStyle>
-        <a:effectStyle>
-          <a:effectLst>
-            <a:outerShdw blurRad="190500" dist="228600" dir="2700000" sy="90000" rotWithShape="0">
-              <a:srgbClr val="000000">
-                <a:alpha val="25500"/>
+                <a:alpha val="35000"/>
               </a:srgbClr>
             </a:outerShdw>
           </a:effectLst>
           <a:scene3d>
-            <a:camera prst="orthographicFront" fov="0">
+            <a:camera prst="orthographicFront">
               <a:rot lat="0" lon="0" rev="0"/>
             </a:camera>
-            <a:lightRig rig="soft" dir="tl">
-              <a:rot lat="0" lon="0" rev="20100000"/>
+            <a:lightRig rig="threePt" dir="t">
+              <a:rot lat="0" lon="0" rev="1200000"/>
             </a:lightRig>
           </a:scene3d>
           <a:sp3d>
-            <a:bevelT w="50800" h="50800"/>
+            <a:bevelT w="63500" h="25400"/>
           </a:sp3d>
         </a:effectStyle>
       </a:effectStyleLst>
@@ -4062,38 +4175,47 @@
           <a:gsLst>
             <a:gs pos="0">
               <a:schemeClr val="phClr">
-                <a:tint val="50000"/>
-                <a:satMod val="180000"/>
+                <a:tint val="40000"/>
+                <a:satMod val="350000"/>
+              </a:schemeClr>
+            </a:gs>
+            <a:gs pos="40000">
+              <a:schemeClr val="phClr">
+                <a:tint val="45000"/>
+                <a:shade val="99000"/>
+                <a:satMod val="350000"/>
               </a:schemeClr>
             </a:gs>
             <a:gs pos="100000">
               <a:schemeClr val="phClr">
-                <a:shade val="45000"/>
-                <a:satMod val="120000"/>
+                <a:shade val="20000"/>
+                <a:satMod val="255000"/>
               </a:schemeClr>
             </a:gs>
           </a:gsLst>
           <a:path path="circle">
-            <a:fillToRect r="100000" b="100000"/>
+            <a:fillToRect l="50000" t="-80000" r="50000" b="180000"/>
           </a:path>
         </a:gradFill>
-        <a:blipFill>
-          <a:blip xmlns:r="http://schemas.openxmlformats.org/officeDocument/2006/relationships" r:embed="rId1">
-            <a:duotone>
+        <a:gradFill rotWithShape="1">
+          <a:gsLst>
+            <a:gs pos="0">
               <a:schemeClr val="phClr">
-                <a:shade val="3000"/>
-                <a:satMod val="110000"/>
+                <a:tint val="80000"/>
+                <a:satMod val="300000"/>
               </a:schemeClr>
+            </a:gs>
+            <a:gs pos="100000">
               <a:schemeClr val="phClr">
-                <a:tint val="60000"/>
-                <a:satMod val="425000"/>
+                <a:shade val="30000"/>
+                <a:satMod val="200000"/>
               </a:schemeClr>
-            </a:duotone>
-          </a:blip>
-          <a:stretch>
-            <a:fillRect/>
-          </a:stretch>
-        </a:blipFill>
+            </a:gs>
+          </a:gsLst>
+          <a:path path="circle">
+            <a:fillToRect l="50000" t="50000" r="50000" b="50000"/>
+          </a:path>
+        </a:gradFill>
       </a:bgFillStyleLst>
     </a:fmtScheme>
   </a:themeElements>

--- a/美麗聖誕明星.pptx
+++ b/美麗聖誕明星.pptx
@@ -5,12 +5,16 @@
     <p:sldMasterId id="2147483672" r:id="rId1"/>
   </p:sldMasterIdLst>
   <p:sldIdLst>
-    <p:sldId id="256" r:id="rId2"/>
-    <p:sldId id="257" r:id="rId3"/>
-    <p:sldId id="258" r:id="rId4"/>
-    <p:sldId id="259" r:id="rId5"/>
-    <p:sldId id="260" r:id="rId6"/>
-    <p:sldId id="261" r:id="rId7"/>
+    <p:sldId id="262" r:id="rId2"/>
+    <p:sldId id="263" r:id="rId3"/>
+    <p:sldId id="264" r:id="rId4"/>
+    <p:sldId id="265" r:id="rId5"/>
+    <p:sldId id="266" r:id="rId6"/>
+    <p:sldId id="267" r:id="rId7"/>
+    <p:sldId id="268" r:id="rId8"/>
+    <p:sldId id="269" r:id="rId9"/>
+    <p:sldId id="270" r:id="rId10"/>
+    <p:sldId id="271" r:id="rId11"/>
   </p:sldIdLst>
   <p:sldSz cx="9144000" cy="5143500" type="screen16x9"/>
   <p:notesSz cx="6858000" cy="9144000"/>
@@ -109,6 +113,22 @@
       </a:defRPr>
     </a:lvl9pPr>
   </p:defaultTextStyle>
+  <p:extLst>
+    <p:ext uri="{EFAFB233-063F-42B5-8137-9DF3F51BA10A}">
+      <p15:sldGuideLst xmlns:p15="http://schemas.microsoft.com/office/powerpoint/2012/main">
+        <p15:guide id="1" orient="horz" pos="1620">
+          <p15:clr>
+            <a:srgbClr val="A4A3A4"/>
+          </p15:clr>
+        </p15:guide>
+        <p15:guide id="2" pos="2880">
+          <p15:clr>
+            <a:srgbClr val="A4A3A4"/>
+          </p15:clr>
+        </p15:guide>
+      </p15:sldGuideLst>
+    </p:ext>
+  </p:extLst>
 </p:presentation>
 </file>
 
@@ -293,7 +313,7 @@
           <a:p>
             <a:fld id="{4F8614AA-04F7-4909-9E96-E6B7B3B3B86B}" type="datetimeFigureOut">
               <a:rPr lang="zh-TW" altLang="en-US" smtClean="0"/>
-              <a:t>2019/9/7</a:t>
+              <a:t>2022/12/24</a:t>
             </a:fld>
             <a:endParaRPr lang="zh-TW" altLang="en-US"/>
           </a:p>
@@ -458,7 +478,7 @@
           <a:p>
             <a:fld id="{4F8614AA-04F7-4909-9E96-E6B7B3B3B86B}" type="datetimeFigureOut">
               <a:rPr lang="zh-TW" altLang="en-US" smtClean="0"/>
-              <a:t>2019/9/7</a:t>
+              <a:t>2022/12/24</a:t>
             </a:fld>
             <a:endParaRPr lang="zh-TW" altLang="en-US"/>
           </a:p>
@@ -633,7 +653,7 @@
           <a:p>
             <a:fld id="{4F8614AA-04F7-4909-9E96-E6B7B3B3B86B}" type="datetimeFigureOut">
               <a:rPr lang="zh-TW" altLang="en-US" smtClean="0"/>
-              <a:t>2019/9/7</a:t>
+              <a:t>2022/12/24</a:t>
             </a:fld>
             <a:endParaRPr lang="zh-TW" altLang="en-US"/>
           </a:p>
@@ -798,7 +818,7 @@
           <a:p>
             <a:fld id="{4F8614AA-04F7-4909-9E96-E6B7B3B3B86B}" type="datetimeFigureOut">
               <a:rPr lang="zh-TW" altLang="en-US" smtClean="0"/>
-              <a:t>2019/9/7</a:t>
+              <a:t>2022/12/24</a:t>
             </a:fld>
             <a:endParaRPr lang="zh-TW" altLang="en-US"/>
           </a:p>
@@ -1039,7 +1059,7 @@
           <a:p>
             <a:fld id="{4F8614AA-04F7-4909-9E96-E6B7B3B3B86B}" type="datetimeFigureOut">
               <a:rPr lang="zh-TW" altLang="en-US" smtClean="0"/>
-              <a:t>2019/9/7</a:t>
+              <a:t>2022/12/24</a:t>
             </a:fld>
             <a:endParaRPr lang="zh-TW" altLang="en-US"/>
           </a:p>
@@ -1322,7 +1342,7 @@
           <a:p>
             <a:fld id="{4F8614AA-04F7-4909-9E96-E6B7B3B3B86B}" type="datetimeFigureOut">
               <a:rPr lang="zh-TW" altLang="en-US" smtClean="0"/>
-              <a:t>2019/9/7</a:t>
+              <a:t>2022/12/24</a:t>
             </a:fld>
             <a:endParaRPr lang="zh-TW" altLang="en-US"/>
           </a:p>
@@ -1739,7 +1759,7 @@
           <a:p>
             <a:fld id="{4F8614AA-04F7-4909-9E96-E6B7B3B3B86B}" type="datetimeFigureOut">
               <a:rPr lang="zh-TW" altLang="en-US" smtClean="0"/>
-              <a:t>2019/9/7</a:t>
+              <a:t>2022/12/24</a:t>
             </a:fld>
             <a:endParaRPr lang="zh-TW" altLang="en-US"/>
           </a:p>
@@ -1852,7 +1872,7 @@
           <a:p>
             <a:fld id="{4F8614AA-04F7-4909-9E96-E6B7B3B3B86B}" type="datetimeFigureOut">
               <a:rPr lang="zh-TW" altLang="en-US" smtClean="0"/>
-              <a:t>2019/9/7</a:t>
+              <a:t>2022/12/24</a:t>
             </a:fld>
             <a:endParaRPr lang="zh-TW" altLang="en-US"/>
           </a:p>
@@ -1942,7 +1962,7 @@
           <a:p>
             <a:fld id="{4F8614AA-04F7-4909-9E96-E6B7B3B3B86B}" type="datetimeFigureOut">
               <a:rPr lang="zh-TW" altLang="en-US" smtClean="0"/>
-              <a:t>2019/9/7</a:t>
+              <a:t>2022/12/24</a:t>
             </a:fld>
             <a:endParaRPr lang="zh-TW" altLang="en-US"/>
           </a:p>
@@ -2214,7 +2234,7 @@
           <a:p>
             <a:fld id="{4F8614AA-04F7-4909-9E96-E6B7B3B3B86B}" type="datetimeFigureOut">
               <a:rPr lang="zh-TW" altLang="en-US" smtClean="0"/>
-              <a:t>2019/9/7</a:t>
+              <a:t>2022/12/24</a:t>
             </a:fld>
             <a:endParaRPr lang="zh-TW" altLang="en-US"/>
           </a:p>
@@ -2466,7 +2486,7 @@
           <a:p>
             <a:fld id="{4F8614AA-04F7-4909-9E96-E6B7B3B3B86B}" type="datetimeFigureOut">
               <a:rPr lang="zh-TW" altLang="en-US" smtClean="0"/>
-              <a:t>2019/9/7</a:t>
+              <a:t>2022/12/24</a:t>
             </a:fld>
             <a:endParaRPr lang="zh-TW" altLang="en-US"/>
           </a:p>
@@ -2679,7 +2699,7 @@
           <a:p>
             <a:fld id="{4F8614AA-04F7-4909-9E96-E6B7B3B3B86B}" type="datetimeFigureOut">
               <a:rPr lang="zh-TW" altLang="en-US" smtClean="0"/>
-              <a:t>2019/9/7</a:t>
+              <a:t>2022/12/24</a:t>
             </a:fld>
             <a:endParaRPr lang="zh-TW" altLang="en-US"/>
           </a:p>
@@ -3059,141 +3079,215 @@
             <p:ph type="title"/>
           </p:nvPr>
         </p:nvSpPr>
-        <p:spPr/>
-        <p:txBody>
-          <a:bodyPr>
-            <a:normAutofit/>
-          </a:bodyPr>
-          <a:lstStyle/>
-          <a:p>
-            <a:r>
-              <a:rPr lang="zh-CN" altLang="en-US" sz="4000" b="1" dirty="0">
-                <a:latin typeface="Microsoft JhengHei" pitchFamily="34" charset="-120"/>
-                <a:ea typeface="Microsoft JhengHei" pitchFamily="34" charset="-120"/>
-              </a:rPr>
-              <a:t>美麗聖誕明星</a:t>
-            </a:r>
-            <a:endParaRPr lang="zh-TW" altLang="en-US" sz="4000" b="1" dirty="0">
-              <a:latin typeface="Microsoft JhengHei" pitchFamily="34" charset="-120"/>
-              <a:ea typeface="Microsoft JhengHei" pitchFamily="34" charset="-120"/>
-            </a:endParaRPr>
-          </a:p>
-        </p:txBody>
-      </p:sp>
-      <p:sp>
-        <p:nvSpPr>
-          <p:cNvPr id="5" name="內容版面配置區 4"/>
-          <p:cNvSpPr>
-            <a:spLocks noGrp="1"/>
-          </p:cNvSpPr>
-          <p:nvPr>
-            <p:ph idx="1"/>
-          </p:nvPr>
-        </p:nvSpPr>
-        <p:spPr/>
+        <p:spPr>
+          <a:xfrm>
+            <a:off x="0" y="1995686"/>
+            <a:ext cx="9144000" cy="857250"/>
+          </a:xfrm>
+        </p:spPr>
         <p:txBody>
           <a:bodyPr>
             <a:noAutofit/>
           </a:bodyPr>
           <a:lstStyle/>
           <a:p>
-            <a:pPr algn="ctr">
-              <a:buNone/>
-            </a:pPr>
-            <a:r>
-              <a:rPr lang="zh-TW" altLang="en-US" sz="4800" b="1" dirty="0">
-                <a:latin typeface="Microsoft JhengHei" pitchFamily="34" charset="-120"/>
-                <a:ea typeface="Microsoft JhengHei" pitchFamily="34" charset="-120"/>
-              </a:rPr>
-              <a:t>普天歡騰同聲歌頌</a:t>
-            </a:r>
-          </a:p>
-          <a:p>
-            <a:pPr algn="ctr">
-              <a:buNone/>
-            </a:pPr>
-            <a:r>
-              <a:rPr lang="zh-TW" altLang="en-US" sz="4800" b="1" dirty="0">
-                <a:latin typeface="Microsoft JhengHei" pitchFamily="34" charset="-120"/>
-                <a:ea typeface="Microsoft JhengHei" pitchFamily="34" charset="-120"/>
-              </a:rPr>
-              <a:t>救恩賜下人間</a:t>
-            </a:r>
-          </a:p>
-          <a:p>
-            <a:pPr algn="ctr">
-              <a:buNone/>
-            </a:pPr>
-            <a:r>
-              <a:rPr lang="zh-TW" altLang="en-US" sz="4800" b="1" dirty="0">
-                <a:latin typeface="Microsoft JhengHei" pitchFamily="34" charset="-120"/>
-                <a:ea typeface="Microsoft JhengHei" pitchFamily="34" charset="-120"/>
-              </a:rPr>
-              <a:t>牧場鬧市 貧寒農村</a:t>
-            </a:r>
-          </a:p>
-          <a:p>
-            <a:pPr algn="ctr">
-              <a:buNone/>
-            </a:pPr>
-            <a:r>
-              <a:rPr lang="zh-TW" altLang="en-US" sz="4800" b="1" dirty="0">
-                <a:latin typeface="Microsoft JhengHei" pitchFamily="34" charset="-120"/>
-                <a:ea typeface="Microsoft JhengHei" pitchFamily="34" charset="-120"/>
-              </a:rPr>
-              <a:t>滄海也見大</a:t>
-            </a:r>
-            <a:r>
-              <a:rPr lang="zh-TW" altLang="en-US" sz="4800" b="1" dirty="0">
-                <a:latin typeface="Microsoft JhengHei" pitchFamily="34" charset="-120"/>
-                <a:ea typeface="Microsoft JhengHei" pitchFamily="34" charset="-120"/>
-              </a:rPr>
-              <a:t>光</a:t>
-            </a:r>
-            <a:endParaRPr lang="zh-TW" altLang="en-US" sz="4800" b="1" dirty="0">
-              <a:latin typeface="Microsoft JhengHei" pitchFamily="34" charset="-120"/>
-              <a:ea typeface="Microsoft JhengHei" pitchFamily="34" charset="-120"/>
+            <a:r>
+              <a:rPr lang="zh-CN" altLang="en-US" sz="5400" b="1" i="1" dirty="0">
+                <a:solidFill>
+                  <a:srgbClr val="660033"/>
+                </a:solidFill>
+                <a:effectLst>
+                  <a:outerShdw blurRad="38100" dist="38100" dir="2700000" algn="tl">
+                    <a:srgbClr val="000000">
+                      <a:alpha val="43137"/>
+                    </a:srgbClr>
+                  </a:outerShdw>
+                </a:effectLst>
+                <a:latin typeface="微軟正黑體" pitchFamily="34" charset="-120"/>
+                <a:ea typeface="微軟正黑體" pitchFamily="34" charset="-120"/>
+              </a:rPr>
+              <a:t>美</a:t>
+            </a:r>
+            <a:r>
+              <a:rPr lang="zh-CN" altLang="en-US" sz="5400" b="1" i="1" dirty="0">
+                <a:solidFill>
+                  <a:srgbClr val="660033"/>
+                </a:solidFill>
+                <a:effectLst>
+                  <a:outerShdw blurRad="38100" dist="38100" dir="2700000" algn="tl">
+                    <a:srgbClr val="000000">
+                      <a:alpha val="43137"/>
+                    </a:srgbClr>
+                  </a:outerShdw>
+                </a:effectLst>
+                <a:latin typeface="微軟正黑體" pitchFamily="34" charset="-120"/>
+                <a:ea typeface="微軟正黑體" pitchFamily="34" charset="-120"/>
+              </a:rPr>
+              <a:t>麗聖誕明星</a:t>
+            </a:r>
+            <a:endParaRPr lang="zh-TW" altLang="en-US" sz="5400" b="1" i="1" dirty="0">
+              <a:solidFill>
+                <a:srgbClr val="660033"/>
+              </a:solidFill>
+              <a:effectLst>
+                <a:outerShdw blurRad="38100" dist="38100" dir="2700000" algn="tl">
+                  <a:srgbClr val="000000">
+                    <a:alpha val="43137"/>
+                  </a:srgbClr>
+                </a:outerShdw>
+              </a:effectLst>
+              <a:latin typeface="微軟正黑體" pitchFamily="34" charset="-120"/>
+              <a:ea typeface="微軟正黑體" pitchFamily="34" charset="-120"/>
             </a:endParaRPr>
           </a:p>
         </p:txBody>
       </p:sp>
-      <p:sp>
-        <p:nvSpPr>
-          <p:cNvPr id="2" name="TextBox 1"/>
-          <p:cNvSpPr txBox="1"/>
-          <p:nvPr/>
+    </p:spTree>
+    <p:extLst>
+      <p:ext uri="{BB962C8B-B14F-4D97-AF65-F5344CB8AC3E}">
+        <p14:creationId xmlns:p14="http://schemas.microsoft.com/office/powerpoint/2010/main" val="3168412726"/>
+      </p:ext>
+    </p:extLst>
+  </p:cSld>
+  <p:clrMapOvr>
+    <a:masterClrMapping/>
+  </p:clrMapOvr>
+</p:sld>
+</file>
+
+<file path=ppt/slides/slide10.xml><?xml version="1.0" encoding="utf-8"?>
+<p:sld xmlns:a="http://schemas.openxmlformats.org/drawingml/2006/main" xmlns:r="http://schemas.openxmlformats.org/officeDocument/2006/relationships" xmlns:p="http://schemas.openxmlformats.org/presentationml/2006/main">
+  <p:cSld>
+    <p:spTree>
+      <p:nvGrpSpPr>
+        <p:cNvPr id="1" name=""/>
+        <p:cNvGrpSpPr/>
+        <p:nvPr/>
+      </p:nvGrpSpPr>
+      <p:grpSpPr>
+        <a:xfrm>
+          <a:off x="0" y="0"/>
+          <a:ext cx="0" cy="0"/>
+          <a:chOff x="0" y="0"/>
+          <a:chExt cx="0" cy="0"/>
+        </a:xfrm>
+      </p:grpSpPr>
+      <p:sp>
+        <p:nvSpPr>
+          <p:cNvPr id="5" name="內容版面配置區 4"/>
+          <p:cNvSpPr>
+            <a:spLocks noGrp="1"/>
+          </p:cNvSpPr>
+          <p:nvPr>
+            <p:ph idx="1"/>
+          </p:nvPr>
         </p:nvSpPr>
         <p:spPr>
           <a:xfrm>
-            <a:off x="1403648" y="1275606"/>
-            <a:ext cx="720080" cy="707886"/>
+            <a:off x="0" y="1563639"/>
+            <a:ext cx="9144000" cy="1803647"/>
           </a:xfrm>
-          <a:prstGeom prst="rect">
-            <a:avLst/>
-          </a:prstGeom>
-          <a:noFill/>
         </p:spPr>
         <p:txBody>
-          <a:bodyPr wrap="square" rtlCol="0">
-            <a:spAutoFit/>
+          <a:bodyPr anchor="ctr">
+            <a:normAutofit/>
           </a:bodyPr>
           <a:lstStyle/>
           <a:p>
-            <a:r>
-              <a:rPr lang="en-US" altLang="zh-CN" sz="4000" b="1" dirty="0">
-                <a:latin typeface="Microsoft JhengHei" pitchFamily="34" charset="-120"/>
-                <a:ea typeface="Microsoft JhengHei" pitchFamily="34" charset="-120"/>
-              </a:rPr>
-              <a:t>1.</a:t>
-            </a:r>
-            <a:endParaRPr lang="en-US" sz="4000" b="1" dirty="0">
-              <a:latin typeface="Microsoft JhengHei" pitchFamily="34" charset="-120"/>
-              <a:ea typeface="Microsoft JhengHei" pitchFamily="34" charset="-120"/>
+            <a:pPr algn="ctr">
+              <a:buNone/>
+            </a:pPr>
+            <a:r>
+              <a:rPr lang="zh-TW" altLang="en-US" sz="4800" b="1" dirty="0">
+                <a:solidFill>
+                  <a:srgbClr val="660033"/>
+                </a:solidFill>
+                <a:latin typeface="微軟正黑體" pitchFamily="34" charset="-120"/>
+                <a:ea typeface="微軟正黑體" pitchFamily="34" charset="-120"/>
+              </a:rPr>
+              <a:t>明星閃於黑</a:t>
+            </a:r>
+            <a:r>
+              <a:rPr lang="zh-TW" altLang="en-US" sz="4800" b="1" dirty="0">
+                <a:solidFill>
+                  <a:srgbClr val="660033"/>
+                </a:solidFill>
+                <a:latin typeface="微軟正黑體" pitchFamily="34" charset="-120"/>
+                <a:ea typeface="微軟正黑體" pitchFamily="34" charset="-120"/>
+              </a:rPr>
+              <a:t>夜  是</a:t>
+            </a:r>
+            <a:r>
+              <a:rPr lang="zh-TW" altLang="en-US" sz="4800" b="1" dirty="0">
+                <a:solidFill>
+                  <a:srgbClr val="660033"/>
+                </a:solidFill>
+                <a:latin typeface="微軟正黑體" pitchFamily="34" charset="-120"/>
+                <a:ea typeface="微軟正黑體" pitchFamily="34" charset="-120"/>
+              </a:rPr>
+              <a:t>我生命領航</a:t>
+            </a:r>
+          </a:p>
+          <a:p>
+            <a:pPr algn="ctr">
+              <a:buNone/>
+            </a:pPr>
+            <a:r>
+              <a:rPr lang="zh-TW" altLang="en-US" sz="4800" b="1" dirty="0">
+                <a:solidFill>
+                  <a:srgbClr val="660033"/>
+                </a:solidFill>
+                <a:latin typeface="微軟正黑體" pitchFamily="34" charset="-120"/>
+                <a:ea typeface="微軟正黑體" pitchFamily="34" charset="-120"/>
+              </a:rPr>
+              <a:t>慈愛馬槽神</a:t>
+            </a:r>
+            <a:r>
+              <a:rPr lang="zh-TW" altLang="en-US" sz="4800" b="1" dirty="0">
+                <a:solidFill>
+                  <a:srgbClr val="660033"/>
+                </a:solidFill>
+                <a:latin typeface="微軟正黑體" pitchFamily="34" charset="-120"/>
+                <a:ea typeface="微軟正黑體" pitchFamily="34" charset="-120"/>
+              </a:rPr>
+              <a:t>子  今</a:t>
+            </a:r>
+            <a:r>
+              <a:rPr lang="zh-TW" altLang="en-US" sz="4800" b="1" dirty="0">
+                <a:solidFill>
+                  <a:srgbClr val="660033"/>
+                </a:solidFill>
+                <a:latin typeface="微軟正黑體" pitchFamily="34" charset="-120"/>
+                <a:ea typeface="微軟正黑體" pitchFamily="34" charset="-120"/>
+              </a:rPr>
+              <a:t>為救贖而</a:t>
+            </a:r>
+            <a:r>
+              <a:rPr lang="zh-CN" altLang="en-US" sz="4800" b="1" dirty="0">
+                <a:solidFill>
+                  <a:srgbClr val="660033"/>
+                </a:solidFill>
+                <a:latin typeface="微軟正黑體" pitchFamily="34" charset="-120"/>
+                <a:ea typeface="微軟正黑體" pitchFamily="34" charset="-120"/>
+              </a:rPr>
+              <a:t>降</a:t>
+            </a:r>
+            <a:endParaRPr lang="zh-TW" altLang="en-US" sz="4800" b="1" dirty="0">
+              <a:solidFill>
+                <a:srgbClr val="660033"/>
+              </a:solidFill>
+              <a:latin typeface="微軟正黑體" pitchFamily="34" charset="-120"/>
+              <a:ea typeface="微軟正黑體" pitchFamily="34" charset="-120"/>
             </a:endParaRPr>
           </a:p>
         </p:txBody>
       </p:sp>
     </p:spTree>
+    <p:extLst>
+      <p:ext uri="{BB962C8B-B14F-4D97-AF65-F5344CB8AC3E}">
+        <p14:creationId xmlns:p14="http://schemas.microsoft.com/office/powerpoint/2010/main" val="1164935017"/>
+      </p:ext>
+    </p:extLst>
   </p:cSld>
   <p:clrMapOvr>
     <a:masterClrMapping/>
@@ -3220,120 +3314,132 @@
       </p:grpSpPr>
       <p:sp>
         <p:nvSpPr>
-          <p:cNvPr id="4" name="標題 3"/>
-          <p:cNvSpPr>
-            <a:spLocks noGrp="1"/>
-          </p:cNvSpPr>
-          <p:nvPr>
-            <p:ph type="title"/>
-          </p:nvPr>
-        </p:nvSpPr>
-        <p:spPr/>
-        <p:txBody>
-          <a:bodyPr>
+          <p:cNvPr id="5" name="內容版面配置區 4"/>
+          <p:cNvSpPr>
+            <a:spLocks noGrp="1"/>
+          </p:cNvSpPr>
+          <p:nvPr>
+            <p:ph idx="1"/>
+          </p:nvPr>
+        </p:nvSpPr>
+        <p:spPr>
+          <a:xfrm>
+            <a:off x="0" y="1563639"/>
+            <a:ext cx="9144000" cy="1803647"/>
+          </a:xfrm>
+        </p:spPr>
+        <p:txBody>
+          <a:bodyPr anchor="ctr">
             <a:normAutofit/>
           </a:bodyPr>
           <a:lstStyle/>
           <a:p>
-            <a:r>
-              <a:rPr lang="zh-CN" altLang="en-US" sz="4000" b="1" dirty="0" smtClean="0">
-                <a:latin typeface="Microsoft JhengHei" pitchFamily="34" charset="-120"/>
-                <a:ea typeface="Microsoft JhengHei" pitchFamily="34" charset="-120"/>
-              </a:rPr>
-              <a:t>美麗聖誕明星</a:t>
-            </a:r>
-            <a:endParaRPr lang="zh-TW" altLang="en-US" sz="4000" b="1" dirty="0">
-              <a:latin typeface="Microsoft JhengHei" pitchFamily="34" charset="-120"/>
-              <a:ea typeface="Microsoft JhengHei" pitchFamily="34" charset="-120"/>
+            <a:pPr algn="ctr">
+              <a:buNone/>
+            </a:pPr>
+            <a:r>
+              <a:rPr lang="zh-TW" altLang="en-US" sz="4800" b="1" dirty="0">
+                <a:solidFill>
+                  <a:srgbClr val="660033"/>
+                </a:solidFill>
+                <a:latin typeface="微軟正黑體" pitchFamily="34" charset="-120"/>
+                <a:ea typeface="微軟正黑體" pitchFamily="34" charset="-120"/>
+              </a:rPr>
+              <a:t>普</a:t>
+            </a:r>
+            <a:r>
+              <a:rPr lang="zh-TW" altLang="en-US" sz="4800" b="1" dirty="0">
+                <a:solidFill>
+                  <a:srgbClr val="660033"/>
+                </a:solidFill>
+                <a:latin typeface="微軟正黑體" pitchFamily="34" charset="-120"/>
+                <a:ea typeface="微軟正黑體" pitchFamily="34" charset="-120"/>
+              </a:rPr>
+              <a:t>天歡騰同聲歌頌</a:t>
+            </a:r>
+          </a:p>
+          <a:p>
+            <a:pPr algn="ctr">
+              <a:buNone/>
+            </a:pPr>
+            <a:r>
+              <a:rPr lang="zh-TW" altLang="en-US" sz="4800" b="1" dirty="0">
+                <a:solidFill>
+                  <a:srgbClr val="660033"/>
+                </a:solidFill>
+                <a:latin typeface="微軟正黑體" pitchFamily="34" charset="-120"/>
+                <a:ea typeface="微軟正黑體" pitchFamily="34" charset="-120"/>
+              </a:rPr>
+              <a:t>救恩賜下人間</a:t>
+            </a:r>
+          </a:p>
+        </p:txBody>
+      </p:sp>
+      <p:sp>
+        <p:nvSpPr>
+          <p:cNvPr id="3" name="TextBox 2"/>
+          <p:cNvSpPr txBox="1"/>
+          <p:nvPr/>
+        </p:nvSpPr>
+        <p:spPr>
+          <a:xfrm>
+            <a:off x="0" y="3867894"/>
+            <a:ext cx="9144000" cy="553998"/>
+          </a:xfrm>
+          <a:prstGeom prst="rect">
+            <a:avLst/>
+          </a:prstGeom>
+          <a:noFill/>
+        </p:spPr>
+        <p:txBody>
+          <a:bodyPr wrap="square" rtlCol="0">
+            <a:spAutoFit/>
+          </a:bodyPr>
+          <a:lstStyle/>
+          <a:p>
+            <a:pPr algn="ctr"/>
+            <a:r>
+              <a:rPr lang="en-US" sz="3000" b="1" dirty="0">
+                <a:solidFill>
+                  <a:srgbClr val="660033"/>
+                </a:solidFill>
+                <a:ea typeface="Microsoft JhengHei" panose="020B0604030504040204" pitchFamily="34" charset="-120"/>
+              </a:rPr>
+              <a:t>( </a:t>
+            </a:r>
+            <a:r>
+              <a:rPr lang="en-US" altLang="zh-CN" sz="3000" b="1" dirty="0">
+                <a:solidFill>
+                  <a:srgbClr val="660033"/>
+                </a:solidFill>
+                <a:ea typeface="Microsoft JhengHei" panose="020B0604030504040204" pitchFamily="34" charset="-120"/>
+              </a:rPr>
+              <a:t>1 / 3</a:t>
+            </a:r>
+            <a:r>
+              <a:rPr lang="en-US" sz="3000" b="1" dirty="0">
+                <a:solidFill>
+                  <a:srgbClr val="660033"/>
+                </a:solidFill>
+                <a:ea typeface="Microsoft JhengHei" panose="020B0604030504040204" pitchFamily="34" charset="-120"/>
+              </a:rPr>
+              <a:t> )</a:t>
+            </a:r>
+            <a:endParaRPr lang="vi-VN" sz="3000" b="1" dirty="0">
+              <a:solidFill>
+                <a:srgbClr val="660033"/>
+              </a:solidFill>
+              <a:ea typeface="Microsoft JhengHei" panose="020B0604030504040204" pitchFamily="34" charset="-120"/>
             </a:endParaRPr>
           </a:p>
         </p:txBody>
       </p:sp>
-      <p:sp>
-        <p:nvSpPr>
-          <p:cNvPr id="5" name="內容版面配置區 4"/>
-          <p:cNvSpPr>
-            <a:spLocks noGrp="1"/>
-          </p:cNvSpPr>
-          <p:nvPr>
-            <p:ph idx="1"/>
-          </p:nvPr>
-        </p:nvSpPr>
-        <p:spPr/>
-        <p:txBody>
-          <a:bodyPr>
-            <a:noAutofit/>
-          </a:bodyPr>
-          <a:lstStyle/>
-          <a:p>
-            <a:pPr algn="ctr">
-              <a:buNone/>
-            </a:pPr>
-            <a:r>
-              <a:rPr lang="zh-TW" altLang="en-US" sz="4800" b="1" dirty="0">
-                <a:latin typeface="Microsoft JhengHei" pitchFamily="34" charset="-120"/>
-                <a:ea typeface="Microsoft JhengHei" pitchFamily="34" charset="-120"/>
-              </a:rPr>
-              <a:t>明星閃於黑夜</a:t>
-            </a:r>
-          </a:p>
-          <a:p>
-            <a:pPr algn="ctr">
-              <a:buNone/>
-            </a:pPr>
-            <a:r>
-              <a:rPr lang="zh-TW" altLang="en-US" sz="4800" b="1" dirty="0">
-                <a:latin typeface="Microsoft JhengHei" pitchFamily="34" charset="-120"/>
-                <a:ea typeface="Microsoft JhengHei" pitchFamily="34" charset="-120"/>
-              </a:rPr>
-              <a:t>是我生命領航</a:t>
-            </a:r>
-          </a:p>
-          <a:p>
-            <a:pPr algn="ctr">
-              <a:buNone/>
-            </a:pPr>
-            <a:r>
-              <a:rPr lang="zh-TW" altLang="en-US" sz="4800" b="1" dirty="0">
-                <a:latin typeface="Microsoft JhengHei" pitchFamily="34" charset="-120"/>
-                <a:ea typeface="Microsoft JhengHei" pitchFamily="34" charset="-120"/>
-              </a:rPr>
-              <a:t>慈愛馬槽神子</a:t>
-            </a:r>
-          </a:p>
-          <a:p>
-            <a:pPr algn="ctr">
-              <a:buNone/>
-            </a:pPr>
-            <a:r>
-              <a:rPr lang="zh-TW" altLang="en-US" sz="4800" b="1" dirty="0">
-                <a:latin typeface="Microsoft JhengHei" pitchFamily="34" charset="-120"/>
-                <a:ea typeface="Microsoft JhengHei" pitchFamily="34" charset="-120"/>
-              </a:rPr>
-              <a:t>今為救贖</a:t>
-            </a:r>
-            <a:r>
-              <a:rPr lang="zh-TW" altLang="en-US" sz="4800" b="1" dirty="0" smtClean="0">
-                <a:latin typeface="Microsoft JhengHei" pitchFamily="34" charset="-120"/>
-                <a:ea typeface="Microsoft JhengHei" pitchFamily="34" charset="-120"/>
-              </a:rPr>
-              <a:t>而</a:t>
-            </a:r>
-            <a:r>
-              <a:rPr lang="zh-CN" altLang="en-US" sz="4800" b="1" dirty="0" smtClean="0">
-                <a:latin typeface="Microsoft JhengHei" pitchFamily="34" charset="-120"/>
-                <a:ea typeface="Microsoft JhengHei" pitchFamily="34" charset="-120"/>
-              </a:rPr>
-              <a:t>降</a:t>
-            </a:r>
-            <a:endParaRPr lang="zh-TW" altLang="en-US" sz="4800" b="1" dirty="0">
-              <a:latin typeface="Microsoft JhengHei" pitchFamily="34" charset="-120"/>
-              <a:ea typeface="Microsoft JhengHei" pitchFamily="34" charset="-120"/>
-            </a:endParaRPr>
-          </a:p>
-        </p:txBody>
-      </p:sp>
     </p:spTree>
+    <p:extLst>
+      <p:ext uri="{BB962C8B-B14F-4D97-AF65-F5344CB8AC3E}">
+        <p14:creationId xmlns:p14="http://schemas.microsoft.com/office/powerpoint/2010/main" val="1566888559"/>
+      </p:ext>
+    </p:extLst>
   </p:cSld>
   <p:clrMapOvr>
     <a:masterClrMapping/>
@@ -3360,61 +3466,58 @@
       </p:grpSpPr>
       <p:sp>
         <p:nvSpPr>
-          <p:cNvPr id="4" name="標題 3"/>
-          <p:cNvSpPr>
-            <a:spLocks noGrp="1"/>
-          </p:cNvSpPr>
-          <p:nvPr>
-            <p:ph type="title"/>
-          </p:nvPr>
-        </p:nvSpPr>
-        <p:spPr/>
-        <p:txBody>
-          <a:bodyPr>
+          <p:cNvPr id="5" name="內容版面配置區 4"/>
+          <p:cNvSpPr>
+            <a:spLocks noGrp="1"/>
+          </p:cNvSpPr>
+          <p:nvPr>
+            <p:ph idx="1"/>
+          </p:nvPr>
+        </p:nvSpPr>
+        <p:spPr>
+          <a:xfrm>
+            <a:off x="0" y="1563639"/>
+            <a:ext cx="9144000" cy="1803647"/>
+          </a:xfrm>
+        </p:spPr>
+        <p:txBody>
+          <a:bodyPr anchor="ctr">
             <a:normAutofit/>
           </a:bodyPr>
           <a:lstStyle/>
           <a:p>
-            <a:r>
-              <a:rPr lang="zh-CN" altLang="en-US" sz="4000" b="1" dirty="0">
-                <a:latin typeface="Microsoft JhengHei" pitchFamily="34" charset="-120"/>
-                <a:ea typeface="Microsoft JhengHei" pitchFamily="34" charset="-120"/>
-              </a:rPr>
-              <a:t>美麗聖誕明星</a:t>
-            </a:r>
-            <a:endParaRPr lang="zh-TW" altLang="en-US" sz="4000" b="1" dirty="0">
-              <a:latin typeface="Microsoft JhengHei" pitchFamily="34" charset="-120"/>
-              <a:ea typeface="Microsoft JhengHei" pitchFamily="34" charset="-120"/>
-            </a:endParaRPr>
-          </a:p>
-        </p:txBody>
-      </p:sp>
-      <p:sp>
-        <p:nvSpPr>
-          <p:cNvPr id="5" name="內容版面配置區 4"/>
-          <p:cNvSpPr>
-            <a:spLocks noGrp="1"/>
-          </p:cNvSpPr>
-          <p:nvPr>
-            <p:ph idx="1"/>
-          </p:nvPr>
-        </p:nvSpPr>
-        <p:spPr/>
-        <p:txBody>
-          <a:bodyPr>
-            <a:noAutofit/>
-          </a:bodyPr>
-          <a:lstStyle/>
-          <a:p>
             <a:pPr algn="ctr">
               <a:buNone/>
             </a:pPr>
             <a:r>
               <a:rPr lang="zh-TW" altLang="en-US" sz="4800" b="1" dirty="0">
-                <a:latin typeface="Microsoft JhengHei" pitchFamily="34" charset="-120"/>
-                <a:ea typeface="Microsoft JhengHei" pitchFamily="34" charset="-120"/>
-              </a:rPr>
-              <a:t>看遍世途人生苦難</a:t>
+                <a:solidFill>
+                  <a:srgbClr val="660033"/>
+                </a:solidFill>
+                <a:latin typeface="微軟正黑體" pitchFamily="34" charset="-120"/>
+                <a:ea typeface="微軟正黑體" pitchFamily="34" charset="-120"/>
+              </a:rPr>
+              <a:t>牧場鬧市 </a:t>
+            </a:r>
+            <a:r>
+              <a:rPr lang="zh-TW" altLang="en-US" sz="4800" b="1" dirty="0">
+                <a:solidFill>
+                  <a:srgbClr val="660033"/>
+                </a:solidFill>
+                <a:latin typeface="微軟正黑體" pitchFamily="34" charset="-120"/>
+                <a:ea typeface="微軟正黑體" pitchFamily="34" charset="-120"/>
+              </a:rPr>
+              <a:t> 貧</a:t>
+            </a:r>
+            <a:r>
+              <a:rPr lang="zh-TW" altLang="en-US" sz="4800" b="1" dirty="0">
+                <a:solidFill>
+                  <a:srgbClr val="660033"/>
+                </a:solidFill>
+                <a:latin typeface="微軟正黑體" pitchFamily="34" charset="-120"/>
+                <a:ea typeface="微軟正黑體" pitchFamily="34" charset="-120"/>
+              </a:rPr>
+              <a:t>寒農村</a:t>
             </a:r>
           </a:p>
           <a:p>
@@ -3423,52 +3526,27 @@
             </a:pPr>
             <a:r>
               <a:rPr lang="zh-TW" altLang="en-US" sz="4800" b="1" dirty="0">
-                <a:latin typeface="Microsoft JhengHei" pitchFamily="34" charset="-120"/>
-                <a:ea typeface="Microsoft JhengHei" pitchFamily="34" charset="-120"/>
-              </a:rPr>
-              <a:t>這生似霧如煙</a:t>
-            </a:r>
-          </a:p>
-          <a:p>
-            <a:pPr algn="ctr">
-              <a:buNone/>
-            </a:pPr>
-            <a:r>
-              <a:rPr lang="zh-TW" altLang="en-US" sz="4800" b="1" dirty="0">
-                <a:latin typeface="Microsoft JhengHei" pitchFamily="34" charset="-120"/>
-                <a:ea typeface="Microsoft JhengHei" pitchFamily="34" charset="-120"/>
-              </a:rPr>
-              <a:t>讓神大愛進入內心</a:t>
-            </a:r>
-          </a:p>
-          <a:p>
-            <a:pPr algn="ctr">
-              <a:buNone/>
-            </a:pPr>
-            <a:r>
-              <a:rPr lang="zh-TW" altLang="en-US" sz="4800" b="1" dirty="0">
-                <a:latin typeface="Microsoft JhengHei" pitchFamily="34" charset="-120"/>
-                <a:ea typeface="Microsoft JhengHei" pitchFamily="34" charset="-120"/>
-              </a:rPr>
-              <a:t>驅憂困賜平安</a:t>
-            </a:r>
-            <a:endParaRPr lang="zh-TW" altLang="en-US" sz="4800" b="1" dirty="0">
-              <a:latin typeface="Microsoft JhengHei" pitchFamily="34" charset="-120"/>
-              <a:ea typeface="Microsoft JhengHei" pitchFamily="34" charset="-120"/>
-            </a:endParaRPr>
-          </a:p>
-        </p:txBody>
-      </p:sp>
-      <p:sp>
-        <p:nvSpPr>
-          <p:cNvPr id="6" name="TextBox 5"/>
+                <a:solidFill>
+                  <a:srgbClr val="660033"/>
+                </a:solidFill>
+                <a:latin typeface="微軟正黑體" pitchFamily="34" charset="-120"/>
+                <a:ea typeface="微軟正黑體" pitchFamily="34" charset="-120"/>
+              </a:rPr>
+              <a:t>滄海也見大光</a:t>
+            </a:r>
+          </a:p>
+        </p:txBody>
+      </p:sp>
+      <p:sp>
+        <p:nvSpPr>
+          <p:cNvPr id="3" name="TextBox 2"/>
           <p:cNvSpPr txBox="1"/>
           <p:nvPr/>
         </p:nvSpPr>
         <p:spPr>
           <a:xfrm>
-            <a:off x="1403648" y="1275606"/>
-            <a:ext cx="720080" cy="707886"/>
+            <a:off x="0" y="3867894"/>
+            <a:ext cx="9144000" cy="553998"/>
           </a:xfrm>
           <a:prstGeom prst="rect">
             <a:avLst/>
@@ -3481,21 +3559,49 @@
           </a:bodyPr>
           <a:lstStyle/>
           <a:p>
-            <a:r>
-              <a:rPr lang="en-US" altLang="zh-CN" sz="4000" b="1" dirty="0" smtClean="0">
-                <a:latin typeface="Microsoft JhengHei" pitchFamily="34" charset="-120"/>
-                <a:ea typeface="Microsoft JhengHei" pitchFamily="34" charset="-120"/>
-              </a:rPr>
-              <a:t>2.</a:t>
-            </a:r>
-            <a:endParaRPr lang="en-US" sz="4000" b="1" dirty="0">
-              <a:latin typeface="Microsoft JhengHei" pitchFamily="34" charset="-120"/>
-              <a:ea typeface="Microsoft JhengHei" pitchFamily="34" charset="-120"/>
+            <a:pPr algn="ctr"/>
+            <a:r>
+              <a:rPr lang="en-US" sz="3000" b="1" dirty="0">
+                <a:solidFill>
+                  <a:srgbClr val="660033"/>
+                </a:solidFill>
+                <a:ea typeface="Microsoft JhengHei" panose="020B0604030504040204" pitchFamily="34" charset="-120"/>
+              </a:rPr>
+              <a:t>( </a:t>
+            </a:r>
+            <a:r>
+              <a:rPr lang="en-US" altLang="zh-CN" sz="3000" b="1" dirty="0">
+                <a:solidFill>
+                  <a:srgbClr val="660033"/>
+                </a:solidFill>
+                <a:ea typeface="Microsoft JhengHei" panose="020B0604030504040204" pitchFamily="34" charset="-120"/>
+              </a:rPr>
+              <a:t>1 / 3</a:t>
+            </a:r>
+            <a:r>
+              <a:rPr lang="en-US" sz="3000" b="1" dirty="0">
+                <a:solidFill>
+                  <a:srgbClr val="660033"/>
+                </a:solidFill>
+                <a:ea typeface="Microsoft JhengHei" panose="020B0604030504040204" pitchFamily="34" charset="-120"/>
+              </a:rPr>
+              <a:t> )</a:t>
+            </a:r>
+            <a:endParaRPr lang="vi-VN" sz="3000" b="1" dirty="0">
+              <a:solidFill>
+                <a:srgbClr val="660033"/>
+              </a:solidFill>
+              <a:ea typeface="Microsoft JhengHei" panose="020B0604030504040204" pitchFamily="34" charset="-120"/>
             </a:endParaRPr>
           </a:p>
         </p:txBody>
       </p:sp>
     </p:spTree>
+    <p:extLst>
+      <p:ext uri="{BB962C8B-B14F-4D97-AF65-F5344CB8AC3E}">
+        <p14:creationId xmlns:p14="http://schemas.microsoft.com/office/powerpoint/2010/main" val="3457419638"/>
+      </p:ext>
+    </p:extLst>
   </p:cSld>
   <p:clrMapOvr>
     <a:masterClrMapping/>
@@ -3522,120 +3628,120 @@
       </p:grpSpPr>
       <p:sp>
         <p:nvSpPr>
-          <p:cNvPr id="4" name="標題 3"/>
-          <p:cNvSpPr>
-            <a:spLocks noGrp="1"/>
-          </p:cNvSpPr>
-          <p:nvPr>
-            <p:ph type="title"/>
-          </p:nvPr>
-        </p:nvSpPr>
-        <p:spPr/>
-        <p:txBody>
-          <a:bodyPr>
+          <p:cNvPr id="5" name="內容版面配置區 4"/>
+          <p:cNvSpPr>
+            <a:spLocks noGrp="1"/>
+          </p:cNvSpPr>
+          <p:nvPr>
+            <p:ph idx="1"/>
+          </p:nvPr>
+        </p:nvSpPr>
+        <p:spPr>
+          <a:xfrm>
+            <a:off x="0" y="1563639"/>
+            <a:ext cx="9144000" cy="1803647"/>
+          </a:xfrm>
+        </p:spPr>
+        <p:txBody>
+          <a:bodyPr anchor="ctr">
             <a:normAutofit/>
           </a:bodyPr>
           <a:lstStyle/>
           <a:p>
-            <a:r>
-              <a:rPr lang="zh-CN" altLang="en-US" sz="4000" b="1" dirty="0">
-                <a:latin typeface="Microsoft JhengHei" pitchFamily="34" charset="-120"/>
-                <a:ea typeface="Microsoft JhengHei" pitchFamily="34" charset="-120"/>
-              </a:rPr>
-              <a:t>美麗聖誕明星</a:t>
-            </a:r>
-            <a:endParaRPr lang="zh-TW" altLang="en-US" sz="4000" b="1" dirty="0">
-              <a:latin typeface="Microsoft JhengHei" pitchFamily="34" charset="-120"/>
-              <a:ea typeface="Microsoft JhengHei" pitchFamily="34" charset="-120"/>
+            <a:pPr algn="ctr">
+              <a:buNone/>
+            </a:pPr>
+            <a:r>
+              <a:rPr lang="zh-TW" altLang="en-US" sz="4800" b="1" dirty="0">
+                <a:solidFill>
+                  <a:srgbClr val="660033"/>
+                </a:solidFill>
+                <a:latin typeface="微軟正黑體" pitchFamily="34" charset="-120"/>
+                <a:ea typeface="微軟正黑體" pitchFamily="34" charset="-120"/>
+              </a:rPr>
+              <a:t>明星閃於黑</a:t>
+            </a:r>
+            <a:r>
+              <a:rPr lang="zh-TW" altLang="en-US" sz="4800" b="1" dirty="0">
+                <a:solidFill>
+                  <a:srgbClr val="660033"/>
+                </a:solidFill>
+                <a:latin typeface="微軟正黑體" pitchFamily="34" charset="-120"/>
+                <a:ea typeface="微軟正黑體" pitchFamily="34" charset="-120"/>
+              </a:rPr>
+              <a:t>夜  是</a:t>
+            </a:r>
+            <a:r>
+              <a:rPr lang="zh-TW" altLang="en-US" sz="4800" b="1" dirty="0">
+                <a:solidFill>
+                  <a:srgbClr val="660033"/>
+                </a:solidFill>
+                <a:latin typeface="微軟正黑體" pitchFamily="34" charset="-120"/>
+                <a:ea typeface="微軟正黑體" pitchFamily="34" charset="-120"/>
+              </a:rPr>
+              <a:t>我生命領航</a:t>
+            </a:r>
+          </a:p>
+          <a:p>
+            <a:pPr algn="ctr">
+              <a:buNone/>
+            </a:pPr>
+            <a:r>
+              <a:rPr lang="zh-TW" altLang="en-US" sz="4800" b="1" dirty="0">
+                <a:solidFill>
+                  <a:srgbClr val="660033"/>
+                </a:solidFill>
+                <a:latin typeface="微軟正黑體" pitchFamily="34" charset="-120"/>
+                <a:ea typeface="微軟正黑體" pitchFamily="34" charset="-120"/>
+              </a:rPr>
+              <a:t>慈愛馬槽神</a:t>
+            </a:r>
+            <a:r>
+              <a:rPr lang="zh-TW" altLang="en-US" sz="4800" b="1" dirty="0">
+                <a:solidFill>
+                  <a:srgbClr val="660033"/>
+                </a:solidFill>
+                <a:latin typeface="微軟正黑體" pitchFamily="34" charset="-120"/>
+                <a:ea typeface="微軟正黑體" pitchFamily="34" charset="-120"/>
+              </a:rPr>
+              <a:t>子  今</a:t>
+            </a:r>
+            <a:r>
+              <a:rPr lang="zh-TW" altLang="en-US" sz="4800" b="1" dirty="0">
+                <a:solidFill>
+                  <a:srgbClr val="660033"/>
+                </a:solidFill>
+                <a:latin typeface="微軟正黑體" pitchFamily="34" charset="-120"/>
+                <a:ea typeface="微軟正黑體" pitchFamily="34" charset="-120"/>
+              </a:rPr>
+              <a:t>為救贖而</a:t>
+            </a:r>
+            <a:r>
+              <a:rPr lang="zh-CN" altLang="en-US" sz="4800" b="1" dirty="0">
+                <a:solidFill>
+                  <a:srgbClr val="660033"/>
+                </a:solidFill>
+                <a:latin typeface="微軟正黑體" pitchFamily="34" charset="-120"/>
+                <a:ea typeface="微軟正黑體" pitchFamily="34" charset="-120"/>
+              </a:rPr>
+              <a:t>降</a:t>
+            </a:r>
+            <a:endParaRPr lang="zh-TW" altLang="en-US" sz="4800" b="1" dirty="0">
+              <a:solidFill>
+                <a:srgbClr val="660033"/>
+              </a:solidFill>
+              <a:latin typeface="微軟正黑體" pitchFamily="34" charset="-120"/>
+              <a:ea typeface="微軟正黑體" pitchFamily="34" charset="-120"/>
             </a:endParaRPr>
           </a:p>
         </p:txBody>
       </p:sp>
-      <p:sp>
-        <p:nvSpPr>
-          <p:cNvPr id="5" name="內容版面配置區 4"/>
-          <p:cNvSpPr>
-            <a:spLocks noGrp="1"/>
-          </p:cNvSpPr>
-          <p:nvPr>
-            <p:ph idx="1"/>
-          </p:nvPr>
-        </p:nvSpPr>
-        <p:spPr/>
-        <p:txBody>
-          <a:bodyPr>
-            <a:noAutofit/>
-          </a:bodyPr>
-          <a:lstStyle/>
-          <a:p>
-            <a:pPr algn="ctr">
-              <a:buNone/>
-            </a:pPr>
-            <a:r>
-              <a:rPr lang="zh-TW" altLang="en-US" sz="4800" b="1" dirty="0">
-                <a:latin typeface="Microsoft JhengHei" pitchFamily="34" charset="-120"/>
-                <a:ea typeface="Microsoft JhengHei" pitchFamily="34" charset="-120"/>
-              </a:rPr>
-              <a:t>明星閃於黑夜</a:t>
-            </a:r>
-          </a:p>
-          <a:p>
-            <a:pPr algn="ctr">
-              <a:buNone/>
-            </a:pPr>
-            <a:r>
-              <a:rPr lang="zh-TW" altLang="en-US" sz="4800" b="1" dirty="0">
-                <a:latin typeface="Microsoft JhengHei" pitchFamily="34" charset="-120"/>
-                <a:ea typeface="Microsoft JhengHei" pitchFamily="34" charset="-120"/>
-              </a:rPr>
-              <a:t>是我生命領航</a:t>
-            </a:r>
-          </a:p>
-          <a:p>
-            <a:pPr algn="ctr">
-              <a:buNone/>
-            </a:pPr>
-            <a:r>
-              <a:rPr lang="zh-TW" altLang="en-US" sz="4800" b="1" dirty="0">
-                <a:latin typeface="Microsoft JhengHei" pitchFamily="34" charset="-120"/>
-                <a:ea typeface="Microsoft JhengHei" pitchFamily="34" charset="-120"/>
-              </a:rPr>
-              <a:t>慈愛馬槽神子</a:t>
-            </a:r>
-          </a:p>
-          <a:p>
-            <a:pPr algn="ctr">
-              <a:buNone/>
-            </a:pPr>
-            <a:r>
-              <a:rPr lang="zh-TW" altLang="en-US" sz="4800" b="1" dirty="0">
-                <a:latin typeface="Microsoft JhengHei" pitchFamily="34" charset="-120"/>
-                <a:ea typeface="Microsoft JhengHei" pitchFamily="34" charset="-120"/>
-              </a:rPr>
-              <a:t>今為救贖</a:t>
-            </a:r>
-            <a:r>
-              <a:rPr lang="zh-TW" altLang="en-US" sz="4800" b="1" dirty="0">
-                <a:latin typeface="Microsoft JhengHei" pitchFamily="34" charset="-120"/>
-                <a:ea typeface="Microsoft JhengHei" pitchFamily="34" charset="-120"/>
-              </a:rPr>
-              <a:t>而</a:t>
-            </a:r>
-            <a:r>
-              <a:rPr lang="zh-CN" altLang="en-US" sz="4800" b="1" dirty="0">
-                <a:latin typeface="Microsoft JhengHei" pitchFamily="34" charset="-120"/>
-                <a:ea typeface="Microsoft JhengHei" pitchFamily="34" charset="-120"/>
-              </a:rPr>
-              <a:t>降</a:t>
-            </a:r>
-            <a:endParaRPr lang="zh-TW" altLang="en-US" sz="4800" b="1" dirty="0">
-              <a:latin typeface="Microsoft JhengHei" pitchFamily="34" charset="-120"/>
-              <a:ea typeface="Microsoft JhengHei" pitchFamily="34" charset="-120"/>
-            </a:endParaRPr>
-          </a:p>
-        </p:txBody>
-      </p:sp>
     </p:spTree>
+    <p:extLst>
+      <p:ext uri="{BB962C8B-B14F-4D97-AF65-F5344CB8AC3E}">
+        <p14:creationId xmlns:p14="http://schemas.microsoft.com/office/powerpoint/2010/main" val="225713782"/>
+      </p:ext>
+    </p:extLst>
   </p:cSld>
   <p:clrMapOvr>
     <a:masterClrMapping/>
@@ -3662,61 +3768,38 @@
       </p:grpSpPr>
       <p:sp>
         <p:nvSpPr>
-          <p:cNvPr id="4" name="標題 3"/>
-          <p:cNvSpPr>
-            <a:spLocks noGrp="1"/>
-          </p:cNvSpPr>
-          <p:nvPr>
-            <p:ph type="title"/>
-          </p:nvPr>
-        </p:nvSpPr>
-        <p:spPr/>
-        <p:txBody>
-          <a:bodyPr>
+          <p:cNvPr id="5" name="內容版面配置區 4"/>
+          <p:cNvSpPr>
+            <a:spLocks noGrp="1"/>
+          </p:cNvSpPr>
+          <p:nvPr>
+            <p:ph idx="1"/>
+          </p:nvPr>
+        </p:nvSpPr>
+        <p:spPr>
+          <a:xfrm>
+            <a:off x="0" y="1563639"/>
+            <a:ext cx="9144000" cy="1803647"/>
+          </a:xfrm>
+        </p:spPr>
+        <p:txBody>
+          <a:bodyPr anchor="ctr">
             <a:normAutofit/>
           </a:bodyPr>
           <a:lstStyle/>
           <a:p>
-            <a:r>
-              <a:rPr lang="zh-CN" altLang="en-US" sz="4000" b="1" dirty="0">
-                <a:latin typeface="Microsoft JhengHei" pitchFamily="34" charset="-120"/>
-                <a:ea typeface="Microsoft JhengHei" pitchFamily="34" charset="-120"/>
-              </a:rPr>
-              <a:t>美麗聖誕明星</a:t>
-            </a:r>
-            <a:endParaRPr lang="zh-TW" altLang="en-US" sz="4000" b="1" dirty="0">
-              <a:latin typeface="Microsoft JhengHei" pitchFamily="34" charset="-120"/>
-              <a:ea typeface="Microsoft JhengHei" pitchFamily="34" charset="-120"/>
-            </a:endParaRPr>
-          </a:p>
-        </p:txBody>
-      </p:sp>
-      <p:sp>
-        <p:nvSpPr>
-          <p:cNvPr id="5" name="內容版面配置區 4"/>
-          <p:cNvSpPr>
-            <a:spLocks noGrp="1"/>
-          </p:cNvSpPr>
-          <p:nvPr>
-            <p:ph idx="1"/>
-          </p:nvPr>
-        </p:nvSpPr>
-        <p:spPr/>
-        <p:txBody>
-          <a:bodyPr>
-            <a:noAutofit/>
-          </a:bodyPr>
-          <a:lstStyle/>
-          <a:p>
             <a:pPr algn="ctr">
               <a:buNone/>
             </a:pPr>
             <a:r>
               <a:rPr lang="zh-TW" altLang="en-US" sz="4800" b="1" dirty="0">
-                <a:latin typeface="Microsoft JhengHei" pitchFamily="34" charset="-120"/>
-                <a:ea typeface="Microsoft JhengHei" pitchFamily="34" charset="-120"/>
-              </a:rPr>
-              <a:t>聖誕再臨我心歡樂</a:t>
+                <a:solidFill>
+                  <a:srgbClr val="660033"/>
+                </a:solidFill>
+                <a:latin typeface="微軟正黑體" pitchFamily="34" charset="-120"/>
+                <a:ea typeface="微軟正黑體" pitchFamily="34" charset="-120"/>
+              </a:rPr>
+              <a:t>看遍世途人生苦難</a:t>
             </a:r>
           </a:p>
           <a:p>
@@ -3725,48 +3808,27 @@
             </a:pPr>
             <a:r>
               <a:rPr lang="zh-TW" altLang="en-US" sz="4800" b="1" dirty="0">
-                <a:latin typeface="Microsoft JhengHei" pitchFamily="34" charset="-120"/>
-                <a:ea typeface="Microsoft JhengHei" pitchFamily="34" charset="-120"/>
-              </a:rPr>
-              <a:t>四海宇宙揚聲</a:t>
-            </a:r>
-          </a:p>
-          <a:p>
-            <a:pPr algn="ctr">
-              <a:buNone/>
-            </a:pPr>
-            <a:r>
-              <a:rPr lang="zh-TW" altLang="en-US" sz="4800" b="1" dirty="0">
-                <a:latin typeface="Microsoft JhengHei" pitchFamily="34" charset="-120"/>
-                <a:ea typeface="Microsoft JhengHei" pitchFamily="34" charset="-120"/>
-              </a:rPr>
-              <a:t>齊來頌讚 奇妙鴻恩</a:t>
-            </a:r>
-          </a:p>
-          <a:p>
-            <a:pPr algn="ctr">
-              <a:buNone/>
-            </a:pPr>
-            <a:r>
-              <a:rPr lang="zh-TW" altLang="en-US" sz="4800" b="1" dirty="0">
-                <a:latin typeface="Microsoft JhengHei" pitchFamily="34" charset="-120"/>
-                <a:ea typeface="Microsoft JhengHei" pitchFamily="34" charset="-120"/>
-              </a:rPr>
-              <a:t>將音訊告萬邦</a:t>
-            </a:r>
-          </a:p>
-        </p:txBody>
-      </p:sp>
-      <p:sp>
-        <p:nvSpPr>
-          <p:cNvPr id="6" name="TextBox 5"/>
+                <a:solidFill>
+                  <a:srgbClr val="660033"/>
+                </a:solidFill>
+                <a:latin typeface="微軟正黑體" pitchFamily="34" charset="-120"/>
+                <a:ea typeface="微軟正黑體" pitchFamily="34" charset="-120"/>
+              </a:rPr>
+              <a:t>這生似霧如煙</a:t>
+            </a:r>
+          </a:p>
+        </p:txBody>
+      </p:sp>
+      <p:sp>
+        <p:nvSpPr>
+          <p:cNvPr id="3" name="TextBox 2"/>
           <p:cNvSpPr txBox="1"/>
           <p:nvPr/>
         </p:nvSpPr>
         <p:spPr>
           <a:xfrm>
-            <a:off x="1403648" y="1275606"/>
-            <a:ext cx="720080" cy="707886"/>
+            <a:off x="0" y="3867894"/>
+            <a:ext cx="9144000" cy="553998"/>
           </a:xfrm>
           <a:prstGeom prst="rect">
             <a:avLst/>
@@ -3779,21 +3841,49 @@
           </a:bodyPr>
           <a:lstStyle/>
           <a:p>
-            <a:r>
-              <a:rPr lang="en-US" altLang="zh-CN" sz="4000" b="1" dirty="0" smtClean="0">
-                <a:latin typeface="Microsoft JhengHei" pitchFamily="34" charset="-120"/>
-                <a:ea typeface="Microsoft JhengHei" pitchFamily="34" charset="-120"/>
-              </a:rPr>
-              <a:t>3.</a:t>
-            </a:r>
-            <a:endParaRPr lang="en-US" sz="4000" b="1" dirty="0">
-              <a:latin typeface="Microsoft JhengHei" pitchFamily="34" charset="-120"/>
-              <a:ea typeface="Microsoft JhengHei" pitchFamily="34" charset="-120"/>
+            <a:pPr algn="ctr"/>
+            <a:r>
+              <a:rPr lang="en-US" sz="3000" b="1" dirty="0">
+                <a:solidFill>
+                  <a:srgbClr val="660033"/>
+                </a:solidFill>
+                <a:ea typeface="Microsoft JhengHei" panose="020B0604030504040204" pitchFamily="34" charset="-120"/>
+              </a:rPr>
+              <a:t>( </a:t>
+            </a:r>
+            <a:r>
+              <a:rPr lang="en-US" altLang="zh-CN" sz="3000" b="1" dirty="0">
+                <a:solidFill>
+                  <a:srgbClr val="660033"/>
+                </a:solidFill>
+                <a:ea typeface="Microsoft JhengHei" panose="020B0604030504040204" pitchFamily="34" charset="-120"/>
+              </a:rPr>
+              <a:t>2 / 3</a:t>
+            </a:r>
+            <a:r>
+              <a:rPr lang="en-US" sz="3000" b="1" dirty="0">
+                <a:solidFill>
+                  <a:srgbClr val="660033"/>
+                </a:solidFill>
+                <a:ea typeface="Microsoft JhengHei" panose="020B0604030504040204" pitchFamily="34" charset="-120"/>
+              </a:rPr>
+              <a:t> )</a:t>
+            </a:r>
+            <a:endParaRPr lang="vi-VN" sz="3000" b="1" dirty="0">
+              <a:solidFill>
+                <a:srgbClr val="660033"/>
+              </a:solidFill>
+              <a:ea typeface="Microsoft JhengHei" panose="020B0604030504040204" pitchFamily="34" charset="-120"/>
             </a:endParaRPr>
           </a:p>
         </p:txBody>
       </p:sp>
     </p:spTree>
+    <p:extLst>
+      <p:ext uri="{BB962C8B-B14F-4D97-AF65-F5344CB8AC3E}">
+        <p14:creationId xmlns:p14="http://schemas.microsoft.com/office/powerpoint/2010/main" val="3338984404"/>
+      </p:ext>
+    </p:extLst>
   </p:cSld>
   <p:clrMapOvr>
     <a:masterClrMapping/>
@@ -3820,35 +3910,146 @@
       </p:grpSpPr>
       <p:sp>
         <p:nvSpPr>
-          <p:cNvPr id="4" name="標題 3"/>
-          <p:cNvSpPr>
-            <a:spLocks noGrp="1"/>
-          </p:cNvSpPr>
-          <p:nvPr>
-            <p:ph type="title"/>
-          </p:nvPr>
-        </p:nvSpPr>
-        <p:spPr/>
-        <p:txBody>
-          <a:bodyPr>
+          <p:cNvPr id="5" name="內容版面配置區 4"/>
+          <p:cNvSpPr>
+            <a:spLocks noGrp="1"/>
+          </p:cNvSpPr>
+          <p:nvPr>
+            <p:ph idx="1"/>
+          </p:nvPr>
+        </p:nvSpPr>
+        <p:spPr>
+          <a:xfrm>
+            <a:off x="0" y="1563639"/>
+            <a:ext cx="9144000" cy="1803647"/>
+          </a:xfrm>
+        </p:spPr>
+        <p:txBody>
+          <a:bodyPr anchor="ctr">
             <a:normAutofit/>
           </a:bodyPr>
           <a:lstStyle/>
           <a:p>
-            <a:r>
-              <a:rPr lang="zh-CN" altLang="en-US" sz="4000" b="1" dirty="0">
-                <a:latin typeface="Microsoft JhengHei" pitchFamily="34" charset="-120"/>
-                <a:ea typeface="Microsoft JhengHei" pitchFamily="34" charset="-120"/>
-              </a:rPr>
-              <a:t>美麗聖誕明星</a:t>
-            </a:r>
-            <a:endParaRPr lang="zh-TW" altLang="en-US" sz="4000" b="1" dirty="0">
-              <a:latin typeface="Microsoft JhengHei" pitchFamily="34" charset="-120"/>
-              <a:ea typeface="Microsoft JhengHei" pitchFamily="34" charset="-120"/>
+            <a:pPr algn="ctr">
+              <a:buNone/>
+            </a:pPr>
+            <a:r>
+              <a:rPr lang="zh-TW" altLang="en-US" sz="4800" b="1" dirty="0">
+                <a:solidFill>
+                  <a:srgbClr val="660033"/>
+                </a:solidFill>
+                <a:latin typeface="微軟正黑體" pitchFamily="34" charset="-120"/>
+                <a:ea typeface="微軟正黑體" pitchFamily="34" charset="-120"/>
+              </a:rPr>
+              <a:t>讓神大愛進入內心</a:t>
+            </a:r>
+          </a:p>
+          <a:p>
+            <a:pPr algn="ctr">
+              <a:buNone/>
+            </a:pPr>
+            <a:r>
+              <a:rPr lang="zh-TW" altLang="en-US" sz="4800" b="1" dirty="0">
+                <a:solidFill>
+                  <a:srgbClr val="660033"/>
+                </a:solidFill>
+                <a:latin typeface="微軟正黑體" pitchFamily="34" charset="-120"/>
+                <a:ea typeface="微軟正黑體" pitchFamily="34" charset="-120"/>
+              </a:rPr>
+              <a:t>驅憂困賜平安</a:t>
+            </a:r>
+          </a:p>
+        </p:txBody>
+      </p:sp>
+      <p:sp>
+        <p:nvSpPr>
+          <p:cNvPr id="3" name="TextBox 2"/>
+          <p:cNvSpPr txBox="1"/>
+          <p:nvPr/>
+        </p:nvSpPr>
+        <p:spPr>
+          <a:xfrm>
+            <a:off x="0" y="3867894"/>
+            <a:ext cx="9144000" cy="553998"/>
+          </a:xfrm>
+          <a:prstGeom prst="rect">
+            <a:avLst/>
+          </a:prstGeom>
+          <a:noFill/>
+        </p:spPr>
+        <p:txBody>
+          <a:bodyPr wrap="square" rtlCol="0">
+            <a:spAutoFit/>
+          </a:bodyPr>
+          <a:lstStyle/>
+          <a:p>
+            <a:pPr algn="ctr"/>
+            <a:r>
+              <a:rPr lang="en-US" sz="3000" b="1" dirty="0">
+                <a:solidFill>
+                  <a:srgbClr val="660033"/>
+                </a:solidFill>
+                <a:ea typeface="Microsoft JhengHei" panose="020B0604030504040204" pitchFamily="34" charset="-120"/>
+              </a:rPr>
+              <a:t>( </a:t>
+            </a:r>
+            <a:r>
+              <a:rPr lang="en-US" altLang="zh-CN" sz="3000" b="1" dirty="0">
+                <a:solidFill>
+                  <a:srgbClr val="660033"/>
+                </a:solidFill>
+                <a:ea typeface="Microsoft JhengHei" panose="020B0604030504040204" pitchFamily="34" charset="-120"/>
+              </a:rPr>
+              <a:t>2 / 3</a:t>
+            </a:r>
+            <a:r>
+              <a:rPr lang="en-US" sz="3000" b="1" dirty="0">
+                <a:solidFill>
+                  <a:srgbClr val="660033"/>
+                </a:solidFill>
+                <a:ea typeface="Microsoft JhengHei" panose="020B0604030504040204" pitchFamily="34" charset="-120"/>
+              </a:rPr>
+              <a:t> )</a:t>
+            </a:r>
+            <a:endParaRPr lang="vi-VN" sz="3000" b="1" dirty="0">
+              <a:solidFill>
+                <a:srgbClr val="660033"/>
+              </a:solidFill>
+              <a:ea typeface="Microsoft JhengHei" panose="020B0604030504040204" pitchFamily="34" charset="-120"/>
             </a:endParaRPr>
           </a:p>
         </p:txBody>
       </p:sp>
+    </p:spTree>
+    <p:extLst>
+      <p:ext uri="{BB962C8B-B14F-4D97-AF65-F5344CB8AC3E}">
+        <p14:creationId xmlns:p14="http://schemas.microsoft.com/office/powerpoint/2010/main" val="3508105192"/>
+      </p:ext>
+    </p:extLst>
+  </p:cSld>
+  <p:clrMapOvr>
+    <a:masterClrMapping/>
+  </p:clrMapOvr>
+</p:sld>
+</file>
+
+<file path=ppt/slides/slide7.xml><?xml version="1.0" encoding="utf-8"?>
+<p:sld xmlns:a="http://schemas.openxmlformats.org/drawingml/2006/main" xmlns:r="http://schemas.openxmlformats.org/officeDocument/2006/relationships" xmlns:p="http://schemas.openxmlformats.org/presentationml/2006/main">
+  <p:cSld>
+    <p:spTree>
+      <p:nvGrpSpPr>
+        <p:cNvPr id="1" name=""/>
+        <p:cNvGrpSpPr/>
+        <p:nvPr/>
+      </p:nvGrpSpPr>
+      <p:grpSpPr>
+        <a:xfrm>
+          <a:off x="0" y="0"/>
+          <a:ext cx="0" cy="0"/>
+          <a:chOff x="0" y="0"/>
+          <a:chExt cx="0" cy="0"/>
+        </a:xfrm>
+      </p:grpSpPr>
       <p:sp>
         <p:nvSpPr>
           <p:cNvPr id="5" name="內容版面配置區 4"/>
@@ -3859,10 +4060,15 @@
             <p:ph idx="1"/>
           </p:nvPr>
         </p:nvSpPr>
-        <p:spPr/>
-        <p:txBody>
-          <a:bodyPr>
-            <a:noAutofit/>
+        <p:spPr>
+          <a:xfrm>
+            <a:off x="0" y="1563639"/>
+            <a:ext cx="9144000" cy="1803647"/>
+          </a:xfrm>
+        </p:spPr>
+        <p:txBody>
+          <a:bodyPr anchor="ctr">
+            <a:normAutofit/>
           </a:bodyPr>
           <a:lstStyle/>
           <a:p>
@@ -3871,10 +4077,33 @@
             </a:pPr>
             <a:r>
               <a:rPr lang="zh-TW" altLang="en-US" sz="4800" b="1" dirty="0">
-                <a:latin typeface="Microsoft JhengHei" pitchFamily="34" charset="-120"/>
-                <a:ea typeface="Microsoft JhengHei" pitchFamily="34" charset="-120"/>
-              </a:rPr>
-              <a:t>明星閃於黑夜</a:t>
+                <a:solidFill>
+                  <a:srgbClr val="660033"/>
+                </a:solidFill>
+                <a:latin typeface="微軟正黑體" pitchFamily="34" charset="-120"/>
+                <a:ea typeface="微軟正黑體" pitchFamily="34" charset="-120"/>
+              </a:rPr>
+              <a:t>明星閃於黑</a:t>
+            </a:r>
+            <a:r>
+              <a:rPr lang="zh-TW" altLang="en-US" sz="4800" b="1" dirty="0">
+                <a:solidFill>
+                  <a:srgbClr val="660033"/>
+                </a:solidFill>
+                <a:latin typeface="微軟正黑體" pitchFamily="34" charset="-120"/>
+                <a:ea typeface="微軟正黑體" pitchFamily="34" charset="-120"/>
+              </a:rPr>
+              <a:t>夜  是</a:t>
+            </a:r>
+            <a:r>
+              <a:rPr lang="zh-TW" altLang="en-US" sz="4800" b="1" dirty="0">
+                <a:solidFill>
+                  <a:srgbClr val="660033"/>
+                </a:solidFill>
+                <a:latin typeface="微軟正黑體" pitchFamily="34" charset="-120"/>
+                <a:ea typeface="微軟正黑體" pitchFamily="34" charset="-120"/>
+              </a:rPr>
+              <a:t>我生命領航</a:t>
             </a:r>
           </a:p>
           <a:p>
@@ -3883,22 +4112,118 @@
             </a:pPr>
             <a:r>
               <a:rPr lang="zh-TW" altLang="en-US" sz="4800" b="1" dirty="0">
-                <a:latin typeface="Microsoft JhengHei" pitchFamily="34" charset="-120"/>
-                <a:ea typeface="Microsoft JhengHei" pitchFamily="34" charset="-120"/>
-              </a:rPr>
-              <a:t>是我生命領航</a:t>
-            </a:r>
-          </a:p>
+                <a:solidFill>
+                  <a:srgbClr val="660033"/>
+                </a:solidFill>
+                <a:latin typeface="微軟正黑體" pitchFamily="34" charset="-120"/>
+                <a:ea typeface="微軟正黑體" pitchFamily="34" charset="-120"/>
+              </a:rPr>
+              <a:t>慈愛馬槽神</a:t>
+            </a:r>
+            <a:r>
+              <a:rPr lang="zh-TW" altLang="en-US" sz="4800" b="1" dirty="0">
+                <a:solidFill>
+                  <a:srgbClr val="660033"/>
+                </a:solidFill>
+                <a:latin typeface="微軟正黑體" pitchFamily="34" charset="-120"/>
+                <a:ea typeface="微軟正黑體" pitchFamily="34" charset="-120"/>
+              </a:rPr>
+              <a:t>子  今</a:t>
+            </a:r>
+            <a:r>
+              <a:rPr lang="zh-TW" altLang="en-US" sz="4800" b="1" dirty="0">
+                <a:solidFill>
+                  <a:srgbClr val="660033"/>
+                </a:solidFill>
+                <a:latin typeface="微軟正黑體" pitchFamily="34" charset="-120"/>
+                <a:ea typeface="微軟正黑體" pitchFamily="34" charset="-120"/>
+              </a:rPr>
+              <a:t>為救贖而</a:t>
+            </a:r>
+            <a:r>
+              <a:rPr lang="zh-CN" altLang="en-US" sz="4800" b="1" dirty="0">
+                <a:solidFill>
+                  <a:srgbClr val="660033"/>
+                </a:solidFill>
+                <a:latin typeface="微軟正黑體" pitchFamily="34" charset="-120"/>
+                <a:ea typeface="微軟正黑體" pitchFamily="34" charset="-120"/>
+              </a:rPr>
+              <a:t>降</a:t>
+            </a:r>
+            <a:endParaRPr lang="zh-TW" altLang="en-US" sz="4800" b="1" dirty="0">
+              <a:solidFill>
+                <a:srgbClr val="660033"/>
+              </a:solidFill>
+              <a:latin typeface="微軟正黑體" pitchFamily="34" charset="-120"/>
+              <a:ea typeface="微軟正黑體" pitchFamily="34" charset="-120"/>
+            </a:endParaRPr>
+          </a:p>
+        </p:txBody>
+      </p:sp>
+    </p:spTree>
+    <p:extLst>
+      <p:ext uri="{BB962C8B-B14F-4D97-AF65-F5344CB8AC3E}">
+        <p14:creationId xmlns:p14="http://schemas.microsoft.com/office/powerpoint/2010/main" val="3592269063"/>
+      </p:ext>
+    </p:extLst>
+  </p:cSld>
+  <p:clrMapOvr>
+    <a:masterClrMapping/>
+  </p:clrMapOvr>
+</p:sld>
+</file>
+
+<file path=ppt/slides/slide8.xml><?xml version="1.0" encoding="utf-8"?>
+<p:sld xmlns:a="http://schemas.openxmlformats.org/drawingml/2006/main" xmlns:r="http://schemas.openxmlformats.org/officeDocument/2006/relationships" xmlns:p="http://schemas.openxmlformats.org/presentationml/2006/main">
+  <p:cSld>
+    <p:spTree>
+      <p:nvGrpSpPr>
+        <p:cNvPr id="1" name=""/>
+        <p:cNvGrpSpPr/>
+        <p:nvPr/>
+      </p:nvGrpSpPr>
+      <p:grpSpPr>
+        <a:xfrm>
+          <a:off x="0" y="0"/>
+          <a:ext cx="0" cy="0"/>
+          <a:chOff x="0" y="0"/>
+          <a:chExt cx="0" cy="0"/>
+        </a:xfrm>
+      </p:grpSpPr>
+      <p:sp>
+        <p:nvSpPr>
+          <p:cNvPr id="5" name="內容版面配置區 4"/>
+          <p:cNvSpPr>
+            <a:spLocks noGrp="1"/>
+          </p:cNvSpPr>
+          <p:nvPr>
+            <p:ph idx="1"/>
+          </p:nvPr>
+        </p:nvSpPr>
+        <p:spPr>
+          <a:xfrm>
+            <a:off x="0" y="1563639"/>
+            <a:ext cx="9144000" cy="1803647"/>
+          </a:xfrm>
+        </p:spPr>
+        <p:txBody>
+          <a:bodyPr anchor="ctr">
+            <a:normAutofit/>
+          </a:bodyPr>
+          <a:lstStyle/>
           <a:p>
             <a:pPr algn="ctr">
               <a:buNone/>
             </a:pPr>
             <a:r>
               <a:rPr lang="zh-TW" altLang="en-US" sz="4800" b="1" dirty="0">
-                <a:latin typeface="Microsoft JhengHei" pitchFamily="34" charset="-120"/>
-                <a:ea typeface="Microsoft JhengHei" pitchFamily="34" charset="-120"/>
-              </a:rPr>
-              <a:t>慈愛馬槽神子</a:t>
+                <a:solidFill>
+                  <a:srgbClr val="660033"/>
+                </a:solidFill>
+                <a:latin typeface="微軟正黑體" pitchFamily="34" charset="-120"/>
+                <a:ea typeface="微軟正黑體" pitchFamily="34" charset="-120"/>
+              </a:rPr>
+              <a:t>聖誕再臨我心歡樂</a:t>
             </a:r>
           </a:p>
           <a:p>
@@ -3907,33 +4232,244 @@
             </a:pPr>
             <a:r>
               <a:rPr lang="zh-TW" altLang="en-US" sz="4800" b="1" dirty="0">
-                <a:latin typeface="Microsoft JhengHei" pitchFamily="34" charset="-120"/>
-                <a:ea typeface="Microsoft JhengHei" pitchFamily="34" charset="-120"/>
-              </a:rPr>
-              <a:t>今為救贖</a:t>
-            </a:r>
+                <a:solidFill>
+                  <a:srgbClr val="660033"/>
+                </a:solidFill>
+                <a:latin typeface="微軟正黑體" pitchFamily="34" charset="-120"/>
+                <a:ea typeface="微軟正黑體" pitchFamily="34" charset="-120"/>
+              </a:rPr>
+              <a:t>四海宇宙揚聲</a:t>
+            </a:r>
+          </a:p>
+        </p:txBody>
+      </p:sp>
+      <p:sp>
+        <p:nvSpPr>
+          <p:cNvPr id="3" name="TextBox 2"/>
+          <p:cNvSpPr txBox="1"/>
+          <p:nvPr/>
+        </p:nvSpPr>
+        <p:spPr>
+          <a:xfrm>
+            <a:off x="0" y="3867894"/>
+            <a:ext cx="9144000" cy="553998"/>
+          </a:xfrm>
+          <a:prstGeom prst="rect">
+            <a:avLst/>
+          </a:prstGeom>
+          <a:noFill/>
+        </p:spPr>
+        <p:txBody>
+          <a:bodyPr wrap="square" rtlCol="0">
+            <a:spAutoFit/>
+          </a:bodyPr>
+          <a:lstStyle/>
+          <a:p>
+            <a:pPr algn="ctr"/>
+            <a:r>
+              <a:rPr lang="en-US" sz="3000" b="1" dirty="0">
+                <a:solidFill>
+                  <a:srgbClr val="660033"/>
+                </a:solidFill>
+                <a:ea typeface="Microsoft JhengHei" panose="020B0604030504040204" pitchFamily="34" charset="-120"/>
+              </a:rPr>
+              <a:t>( </a:t>
+            </a:r>
+            <a:r>
+              <a:rPr lang="en-US" altLang="zh-CN" sz="3000" b="1" dirty="0">
+                <a:solidFill>
+                  <a:srgbClr val="660033"/>
+                </a:solidFill>
+                <a:ea typeface="Microsoft JhengHei" panose="020B0604030504040204" pitchFamily="34" charset="-120"/>
+              </a:rPr>
+              <a:t>3 / 3</a:t>
+            </a:r>
+            <a:r>
+              <a:rPr lang="en-US" sz="3000" b="1" dirty="0">
+                <a:solidFill>
+                  <a:srgbClr val="660033"/>
+                </a:solidFill>
+                <a:ea typeface="Microsoft JhengHei" panose="020B0604030504040204" pitchFamily="34" charset="-120"/>
+              </a:rPr>
+              <a:t> )</a:t>
+            </a:r>
+            <a:endParaRPr lang="vi-VN" sz="3000" b="1" dirty="0">
+              <a:solidFill>
+                <a:srgbClr val="660033"/>
+              </a:solidFill>
+              <a:ea typeface="Microsoft JhengHei" panose="020B0604030504040204" pitchFamily="34" charset="-120"/>
+            </a:endParaRPr>
+          </a:p>
+        </p:txBody>
+      </p:sp>
+    </p:spTree>
+    <p:extLst>
+      <p:ext uri="{BB962C8B-B14F-4D97-AF65-F5344CB8AC3E}">
+        <p14:creationId xmlns:p14="http://schemas.microsoft.com/office/powerpoint/2010/main" val="1638323658"/>
+      </p:ext>
+    </p:extLst>
+  </p:cSld>
+  <p:clrMapOvr>
+    <a:masterClrMapping/>
+  </p:clrMapOvr>
+</p:sld>
+</file>
+
+<file path=ppt/slides/slide9.xml><?xml version="1.0" encoding="utf-8"?>
+<p:sld xmlns:a="http://schemas.openxmlformats.org/drawingml/2006/main" xmlns:r="http://schemas.openxmlformats.org/officeDocument/2006/relationships" xmlns:p="http://schemas.openxmlformats.org/presentationml/2006/main">
+  <p:cSld>
+    <p:spTree>
+      <p:nvGrpSpPr>
+        <p:cNvPr id="1" name=""/>
+        <p:cNvGrpSpPr/>
+        <p:nvPr/>
+      </p:nvGrpSpPr>
+      <p:grpSpPr>
+        <a:xfrm>
+          <a:off x="0" y="0"/>
+          <a:ext cx="0" cy="0"/>
+          <a:chOff x="0" y="0"/>
+          <a:chExt cx="0" cy="0"/>
+        </a:xfrm>
+      </p:grpSpPr>
+      <p:sp>
+        <p:nvSpPr>
+          <p:cNvPr id="5" name="內容版面配置區 4"/>
+          <p:cNvSpPr>
+            <a:spLocks noGrp="1"/>
+          </p:cNvSpPr>
+          <p:nvPr>
+            <p:ph idx="1"/>
+          </p:nvPr>
+        </p:nvSpPr>
+        <p:spPr>
+          <a:xfrm>
+            <a:off x="0" y="1563639"/>
+            <a:ext cx="9144000" cy="1803647"/>
+          </a:xfrm>
+        </p:spPr>
+        <p:txBody>
+          <a:bodyPr anchor="ctr">
+            <a:normAutofit/>
+          </a:bodyPr>
+          <a:lstStyle/>
+          <a:p>
+            <a:pPr algn="ctr">
+              <a:buNone/>
+            </a:pPr>
             <a:r>
               <a:rPr lang="zh-TW" altLang="en-US" sz="4800" b="1" dirty="0">
-                <a:latin typeface="Microsoft JhengHei" pitchFamily="34" charset="-120"/>
-                <a:ea typeface="Microsoft JhengHei" pitchFamily="34" charset="-120"/>
-              </a:rPr>
-              <a:t>而</a:t>
-            </a:r>
-            <a:r>
-              <a:rPr lang="zh-CN" altLang="en-US" sz="4800" b="1" dirty="0">
-                <a:latin typeface="Microsoft JhengHei" pitchFamily="34" charset="-120"/>
-                <a:ea typeface="Microsoft JhengHei" pitchFamily="34" charset="-120"/>
-              </a:rPr>
-              <a:t>降</a:t>
-            </a:r>
-            <a:endParaRPr lang="zh-TW" altLang="en-US" sz="4800" b="1" dirty="0">
-              <a:latin typeface="Microsoft JhengHei" pitchFamily="34" charset="-120"/>
-              <a:ea typeface="Microsoft JhengHei" pitchFamily="34" charset="-120"/>
+                <a:solidFill>
+                  <a:srgbClr val="660033"/>
+                </a:solidFill>
+                <a:latin typeface="微軟正黑體" pitchFamily="34" charset="-120"/>
+                <a:ea typeface="微軟正黑體" pitchFamily="34" charset="-120"/>
+              </a:rPr>
+              <a:t>齊來頌讚 </a:t>
+            </a:r>
+            <a:r>
+              <a:rPr lang="zh-TW" altLang="en-US" sz="4800" b="1" dirty="0">
+                <a:solidFill>
+                  <a:srgbClr val="660033"/>
+                </a:solidFill>
+                <a:latin typeface="微軟正黑體" pitchFamily="34" charset="-120"/>
+                <a:ea typeface="微軟正黑體" pitchFamily="34" charset="-120"/>
+              </a:rPr>
+              <a:t> 奇</a:t>
+            </a:r>
+            <a:r>
+              <a:rPr lang="zh-TW" altLang="en-US" sz="4800" b="1" dirty="0">
+                <a:solidFill>
+                  <a:srgbClr val="660033"/>
+                </a:solidFill>
+                <a:latin typeface="微軟正黑體" pitchFamily="34" charset="-120"/>
+                <a:ea typeface="微軟正黑體" pitchFamily="34" charset="-120"/>
+              </a:rPr>
+              <a:t>妙鴻恩</a:t>
+            </a:r>
+          </a:p>
+          <a:p>
+            <a:pPr algn="ctr">
+              <a:buNone/>
+            </a:pPr>
+            <a:r>
+              <a:rPr lang="zh-TW" altLang="en-US" sz="4800" b="1" dirty="0">
+                <a:solidFill>
+                  <a:srgbClr val="660033"/>
+                </a:solidFill>
+                <a:latin typeface="微軟正黑體" pitchFamily="34" charset="-120"/>
+                <a:ea typeface="微軟正黑體" pitchFamily="34" charset="-120"/>
+              </a:rPr>
+              <a:t>將音訊告萬邦</a:t>
+            </a:r>
+          </a:p>
+        </p:txBody>
+      </p:sp>
+      <p:sp>
+        <p:nvSpPr>
+          <p:cNvPr id="3" name="TextBox 2"/>
+          <p:cNvSpPr txBox="1"/>
+          <p:nvPr/>
+        </p:nvSpPr>
+        <p:spPr>
+          <a:xfrm>
+            <a:off x="0" y="3867894"/>
+            <a:ext cx="9144000" cy="553998"/>
+          </a:xfrm>
+          <a:prstGeom prst="rect">
+            <a:avLst/>
+          </a:prstGeom>
+          <a:noFill/>
+        </p:spPr>
+        <p:txBody>
+          <a:bodyPr wrap="square" rtlCol="0">
+            <a:spAutoFit/>
+          </a:bodyPr>
+          <a:lstStyle/>
+          <a:p>
+            <a:pPr algn="ctr"/>
+            <a:r>
+              <a:rPr lang="en-US" sz="3000" b="1" dirty="0">
+                <a:solidFill>
+                  <a:srgbClr val="660033"/>
+                </a:solidFill>
+                <a:ea typeface="Microsoft JhengHei" panose="020B0604030504040204" pitchFamily="34" charset="-120"/>
+              </a:rPr>
+              <a:t>( </a:t>
+            </a:r>
+            <a:r>
+              <a:rPr lang="en-US" altLang="zh-CN" sz="3000" b="1" dirty="0">
+                <a:solidFill>
+                  <a:srgbClr val="660033"/>
+                </a:solidFill>
+                <a:ea typeface="Microsoft JhengHei" panose="020B0604030504040204" pitchFamily="34" charset="-120"/>
+              </a:rPr>
+              <a:t>3 / 3</a:t>
+            </a:r>
+            <a:r>
+              <a:rPr lang="en-US" sz="3000" b="1" dirty="0">
+                <a:solidFill>
+                  <a:srgbClr val="660033"/>
+                </a:solidFill>
+                <a:ea typeface="Microsoft JhengHei" panose="020B0604030504040204" pitchFamily="34" charset="-120"/>
+              </a:rPr>
+              <a:t> )</a:t>
+            </a:r>
+            <a:endParaRPr lang="vi-VN" sz="3000" b="1" dirty="0">
+              <a:solidFill>
+                <a:srgbClr val="660033"/>
+              </a:solidFill>
+              <a:ea typeface="Microsoft JhengHei" panose="020B0604030504040204" pitchFamily="34" charset="-120"/>
             </a:endParaRPr>
           </a:p>
         </p:txBody>
       </p:sp>
     </p:spTree>
+    <p:extLst>
+      <p:ext uri="{BB962C8B-B14F-4D97-AF65-F5344CB8AC3E}">
+        <p14:creationId xmlns:p14="http://schemas.microsoft.com/office/powerpoint/2010/main" val="4237219020"/>
+      </p:ext>
+    </p:extLst>
   </p:cSld>
   <p:clrMapOvr>
     <a:masterClrMapping/>
